--- a/projects/ICML-2023-MoIE/static/images/images.pptx
+++ b/projects/ICML-2023-MoIE/static/images/images.pptx
@@ -8,7 +8,7 @@
     <p:notesMasterId r:id="rId3"/>
   </p:notesMasterIdLst>
   <p:sldIdLst>
-    <p:sldId id="397" r:id="rId2"/>
+    <p:sldId id="406" r:id="rId2"/>
   </p:sldIdLst>
   <p:sldSz cx="12192000" cy="6858000"/>
   <p:notesSz cx="6858000" cy="9144000"/>
@@ -520,31 +520,6 @@
           <a:lstStyle/>
           <a:p>
             <a:r>
-              <a:rPr lang="en-US" sz="1200" kern="1200" dirty="0">
-                <a:solidFill>
-                  <a:schemeClr val="tx1"/>
-                </a:solidFill>
-                <a:effectLst/>
-                <a:latin typeface="+mn-lt"/>
-                <a:ea typeface="+mn-ea"/>
-                <a:cs typeface="+mn-cs"/>
-              </a:rPr>
-              <a:t>Make forest bold</a:t>
-            </a:r>
-          </a:p>
-          <a:p>
-            <a:endParaRPr lang="en-US" sz="1200" kern="1200" dirty="0">
-              <a:solidFill>
-                <a:schemeClr val="tx1"/>
-              </a:solidFill>
-              <a:effectLst/>
-              <a:latin typeface="+mn-lt"/>
-              <a:ea typeface="+mn-ea"/>
-              <a:cs typeface="+mn-cs"/>
-            </a:endParaRPr>
-          </a:p>
-          <a:p>
-            <a:r>
               <a:rPr lang="en-US" dirty="0">
                 <a:solidFill>
                   <a:srgbClr val="000000"/>
@@ -552,7 +527,19 @@
                 <a:effectLst/>
                 <a:latin typeface="Monaco" pitchFamily="2" charset="77"/>
               </a:rPr>
-              <a:t>&amp;\text{</a:t>
+              <a:t>% Malignant</a:t>
+            </a:r>
+          </a:p>
+          <a:p>
+            <a:r>
+              <a:rPr lang="en-US" dirty="0">
+                <a:solidFill>
+                  <a:srgbClr val="000000"/>
+                </a:solidFill>
+                <a:effectLst/>
+                <a:latin typeface="Monaco" pitchFamily="2" charset="77"/>
+              </a:rPr>
+              <a:t>&amp;\text{\</a:t>
             </a:r>
             <a:r>
               <a:rPr lang="en-US" dirty="0" err="1">
@@ -562,7 +549,7 @@
                 <a:effectLst/>
                 <a:latin typeface="Monaco" pitchFamily="2" charset="77"/>
               </a:rPr>
-              <a:t>Groundtruth</a:t>
+              <a:t>textbf</a:t>
             </a:r>
             <a:r>
               <a:rPr lang="en-US" dirty="0">
@@ -572,7 +559,7 @@
                 <a:effectLst/>
                 <a:latin typeface="Monaco" pitchFamily="2" charset="77"/>
               </a:rPr>
-              <a:t>: </a:t>
+              <a:t>{Malignant}} \</a:t>
             </a:r>
             <a:r>
               <a:rPr lang="en-US" dirty="0" err="1">
@@ -582,7 +569,7 @@
                 <a:effectLst/>
                 <a:latin typeface="Monaco" pitchFamily="2" charset="77"/>
               </a:rPr>
-              <a:t>WaterBird</a:t>
+              <a:t>leftrightarrow</a:t>
             </a:r>
             <a:r>
               <a:rPr lang="en-US" dirty="0">
@@ -592,10 +579,18 @@
                 <a:effectLst/>
                 <a:latin typeface="Monaco" pitchFamily="2" charset="77"/>
               </a:rPr>
-              <a:t>} \\</a:t>
-            </a:r>
-          </a:p>
-          <a:p>
+              <a:t> \text{</a:t>
+            </a:r>
+            <a:r>
+              <a:rPr lang="en-US" dirty="0" err="1">
+                <a:solidFill>
+                  <a:srgbClr val="000000"/>
+                </a:solidFill>
+                <a:effectLst/>
+                <a:latin typeface="Monaco" pitchFamily="2" charset="77"/>
+              </a:rPr>
+              <a:t>IrregularStreaks</a:t>
+            </a:r>
             <a:r>
               <a:rPr lang="en-US" dirty="0">
                 <a:solidFill>
@@ -604,7 +599,7 @@
                 <a:effectLst/>
                 <a:latin typeface="Monaco" pitchFamily="2" charset="77"/>
               </a:rPr>
-              <a:t>&amp;\text{Prediction : </a:t>
+              <a:t>} \lor \neg\text{{</a:t>
             </a:r>
             <a:r>
               <a:rPr lang="en-US" dirty="0" err="1">
@@ -614,7 +609,7 @@
                 <a:effectLst/>
                 <a:latin typeface="Monaco" pitchFamily="2" charset="77"/>
               </a:rPr>
-              <a:t>LandBird</a:t>
+              <a:t>RegularDG</a:t>
             </a:r>
             <a:r>
               <a:rPr lang="en-US" dirty="0">
@@ -624,151 +619,27 @@
                 <a:effectLst/>
                 <a:latin typeface="Monaco" pitchFamily="2" charset="77"/>
               </a:rPr>
-              <a:t>} \\</a:t>
-            </a:r>
-          </a:p>
-          <a:p>
-            <a:r>
-              <a:rPr lang="en-US" dirty="0">
-                <a:solidFill>
-                  <a:srgbClr val="000000"/>
-                </a:solidFill>
-                <a:effectLst/>
-                <a:latin typeface="Monaco" pitchFamily="2" charset="77"/>
-              </a:rPr>
-              <a:t>&amp;\text{Explanation}: \text{</a:t>
-            </a:r>
-            <a:r>
-              <a:rPr lang="en-US" dirty="0" err="1">
-                <a:solidFill>
-                  <a:srgbClr val="000000"/>
-                </a:solidFill>
-                <a:effectLst/>
-                <a:latin typeface="Monaco" pitchFamily="2" charset="77"/>
-              </a:rPr>
-              <a:t>LandBird</a:t>
-            </a:r>
-            <a:r>
-              <a:rPr lang="en-US" dirty="0">
-                <a:solidFill>
-                  <a:srgbClr val="000000"/>
-                </a:solidFill>
-                <a:effectLst/>
-                <a:latin typeface="Monaco" pitchFamily="2" charset="77"/>
-              </a:rPr>
-              <a:t>} \</a:t>
-            </a:r>
-            <a:r>
-              <a:rPr lang="en-US" dirty="0" err="1">
-                <a:solidFill>
-                  <a:srgbClr val="000000"/>
-                </a:solidFill>
-                <a:effectLst/>
-                <a:latin typeface="Monaco" pitchFamily="2" charset="77"/>
-              </a:rPr>
-              <a:t>leftrightarrow</a:t>
-            </a:r>
-            <a:r>
-              <a:rPr lang="en-US" dirty="0">
-                <a:solidFill>
-                  <a:srgbClr val="000000"/>
-                </a:solidFill>
-                <a:effectLst/>
-                <a:latin typeface="Monaco" pitchFamily="2" charset="77"/>
-              </a:rPr>
-              <a:t> \text{</a:t>
-            </a:r>
-            <a:r>
-              <a:rPr lang="en-US" dirty="0" err="1">
-                <a:solidFill>
-                  <a:srgbClr val="000000"/>
-                </a:solidFill>
-                <a:effectLst/>
-                <a:latin typeface="Monaco" pitchFamily="2" charset="77"/>
-              </a:rPr>
-              <a:t>WingShapeRoundedwings</a:t>
-            </a:r>
-            <a:r>
-              <a:rPr lang="en-US" dirty="0">
-                <a:solidFill>
-                  <a:srgbClr val="000000"/>
-                </a:solidFill>
-                <a:effectLst/>
-                <a:latin typeface="Monaco" pitchFamily="2" charset="77"/>
-              </a:rPr>
-              <a:t>} \</a:t>
-            </a:r>
-            <a:r>
-              <a:rPr lang="en-US" dirty="0" err="1">
-                <a:solidFill>
-                  <a:srgbClr val="000000"/>
-                </a:solidFill>
-                <a:effectLst/>
-                <a:latin typeface="Monaco" pitchFamily="2" charset="77"/>
-              </a:rPr>
-              <a:t>hspace</a:t>
-            </a:r>
-            <a:r>
-              <a:rPr lang="en-US" dirty="0">
-                <a:solidFill>
-                  <a:srgbClr val="000000"/>
-                </a:solidFill>
-                <a:effectLst/>
-                <a:latin typeface="Monaco" pitchFamily="2" charset="77"/>
-              </a:rPr>
-              <a:t>{0.0000001pt} \land \text{\</a:t>
-            </a:r>
-            <a:r>
-              <a:rPr lang="en-US" dirty="0" err="1">
-                <a:solidFill>
-                  <a:srgbClr val="000000"/>
-                </a:solidFill>
-                <a:effectLst/>
-                <a:latin typeface="Monaco" pitchFamily="2" charset="77"/>
-              </a:rPr>
-              <a:t>textbf</a:t>
-            </a:r>
-            <a:r>
-              <a:rPr lang="en-US" dirty="0">
-                <a:solidFill>
-                  <a:srgbClr val="000000"/>
-                </a:solidFill>
-                <a:effectLst/>
-                <a:latin typeface="Monaco" pitchFamily="2" charset="77"/>
-              </a:rPr>
-              <a:t>{\</a:t>
-            </a:r>
-            <a:r>
-              <a:rPr lang="en-US" dirty="0" err="1">
-                <a:solidFill>
-                  <a:srgbClr val="000000"/>
-                </a:solidFill>
-                <a:effectLst/>
-                <a:latin typeface="Monaco" pitchFamily="2" charset="77"/>
-              </a:rPr>
-              <a:t>textcolor</a:t>
-            </a:r>
-            <a:r>
-              <a:rPr lang="en-US" dirty="0">
-                <a:solidFill>
-                  <a:srgbClr val="000000"/>
-                </a:solidFill>
-                <a:effectLst/>
-                <a:latin typeface="Monaco" pitchFamily="2" charset="77"/>
-              </a:rPr>
-              <a:t>{red}{Forest}}}</a:t>
-            </a:r>
-          </a:p>
-          <a:p>
-            <a:br>
-              <a:rPr lang="en-US" dirty="0">
-                <a:solidFill>
-                  <a:srgbClr val="000000"/>
-                </a:solidFill>
-                <a:effectLst/>
-                <a:latin typeface="Monaco" pitchFamily="2" charset="77"/>
-              </a:rPr>
-            </a:br>
+              <a:t>}}</a:t>
+            </a:r>
+          </a:p>
+          <a:p>
+            <a:pPr marL="0" marR="0" lvl="0" indent="0" algn="l" defTabSz="914400" rtl="0" eaLnBrk="1" fontAlgn="auto" latinLnBrk="0" hangingPunct="1">
+              <a:lnSpc>
+                <a:spcPct val="100000"/>
+              </a:lnSpc>
+              <a:spcBef>
+                <a:spcPts val="0"/>
+              </a:spcBef>
+              <a:spcAft>
+                <a:spcPts val="0"/>
+              </a:spcAft>
+              <a:buClrTx/>
+              <a:buSzTx/>
+              <a:buFontTx/>
+              <a:buNone/>
+              <a:tabLst/>
+              <a:defRPr/>
+            </a:pPr>
             <a:endParaRPr lang="en-US" dirty="0">
               <a:solidFill>
                 <a:srgbClr val="000000"/>
@@ -778,6 +649,23 @@
             </a:endParaRPr>
           </a:p>
           <a:p>
+            <a:pPr marL="0" marR="0" lvl="0" indent="0" algn="l" defTabSz="914400" rtl="0" eaLnBrk="1" fontAlgn="auto" latinLnBrk="0" hangingPunct="1">
+              <a:lnSpc>
+                <a:spcPct val="100000"/>
+              </a:lnSpc>
+              <a:spcBef>
+                <a:spcPts val="0"/>
+              </a:spcBef>
+              <a:spcAft>
+                <a:spcPts val="0"/>
+              </a:spcAft>
+              <a:buClrTx/>
+              <a:buSzTx/>
+              <a:buFontTx/>
+              <a:buNone/>
+              <a:tabLst/>
+              <a:defRPr/>
+            </a:pPr>
             <a:r>
               <a:rPr lang="en-US" dirty="0">
                 <a:solidFill>
@@ -786,7 +674,36 @@
                 <a:effectLst/>
                 <a:latin typeface="Monaco" pitchFamily="2" charset="77"/>
               </a:rPr>
-              <a:t>&amp;\text{</a:t>
+              <a:t>% Malignant</a:t>
+            </a:r>
+          </a:p>
+          <a:p>
+            <a:pPr marL="0" marR="0" lvl="0" indent="0" algn="l" defTabSz="914400" rtl="0" eaLnBrk="1" fontAlgn="auto" latinLnBrk="0" hangingPunct="1">
+              <a:lnSpc>
+                <a:spcPct val="100000"/>
+              </a:lnSpc>
+              <a:spcBef>
+                <a:spcPts val="0"/>
+              </a:spcBef>
+              <a:spcAft>
+                <a:spcPts val="0"/>
+              </a:spcAft>
+              <a:buClrTx/>
+              <a:buSzTx/>
+              <a:buFontTx/>
+              <a:buNone/>
+              <a:tabLst/>
+              <a:defRPr/>
+            </a:pPr>
+            <a:r>
+              <a:rPr lang="en-US" dirty="0">
+                <a:solidFill>
+                  <a:srgbClr val="000000"/>
+                </a:solidFill>
+                <a:effectLst/>
+                <a:latin typeface="Monaco" pitchFamily="2" charset="77"/>
+              </a:rPr>
+              <a:t>&amp;\text{\</a:t>
             </a:r>
             <a:r>
               <a:rPr lang="en-US" dirty="0" err="1">
@@ -796,7 +713,7 @@
                 <a:effectLst/>
                 <a:latin typeface="Monaco" pitchFamily="2" charset="77"/>
               </a:rPr>
-              <a:t>Groundtruth</a:t>
+              <a:t>textbf</a:t>
             </a:r>
             <a:r>
               <a:rPr lang="en-US" dirty="0">
@@ -806,7 +723,7 @@
                 <a:effectLst/>
                 <a:latin typeface="Monaco" pitchFamily="2" charset="77"/>
               </a:rPr>
-              <a:t>: </a:t>
+              <a:t>{Malignant}} \</a:t>
             </a:r>
             <a:r>
               <a:rPr lang="en-US" dirty="0" err="1">
@@ -816,7 +733,7 @@
                 <a:effectLst/>
                 <a:latin typeface="Monaco" pitchFamily="2" charset="77"/>
               </a:rPr>
-              <a:t>WaterBird</a:t>
+              <a:t>leftrightarrow</a:t>
             </a:r>
             <a:r>
               <a:rPr lang="en-US" dirty="0">
@@ -826,10 +743,18 @@
                 <a:effectLst/>
                 <a:latin typeface="Monaco" pitchFamily="2" charset="77"/>
               </a:rPr>
-              <a:t>} \\</a:t>
-            </a:r>
-          </a:p>
-          <a:p>
+              <a:t> \text{\</a:t>
+            </a:r>
+            <a:r>
+              <a:rPr lang="en-US" dirty="0" err="1">
+                <a:solidFill>
+                  <a:srgbClr val="000000"/>
+                </a:solidFill>
+                <a:effectLst/>
+                <a:latin typeface="Monaco" pitchFamily="2" charset="77"/>
+              </a:rPr>
+              <a:t>textcolor</a:t>
+            </a:r>
             <a:r>
               <a:rPr lang="en-US" dirty="0">
                 <a:solidFill>
@@ -838,7 +763,7 @@
                 <a:effectLst/>
                 <a:latin typeface="Monaco" pitchFamily="2" charset="77"/>
               </a:rPr>
-              <a:t>&amp;\text{Prediction : </a:t>
+              <a:t>{blue}{</a:t>
             </a:r>
             <a:r>
               <a:rPr lang="en-US" dirty="0" err="1">
@@ -848,7 +773,7 @@
                 <a:effectLst/>
                 <a:latin typeface="Monaco" pitchFamily="2" charset="77"/>
               </a:rPr>
-              <a:t>WaterBird</a:t>
+              <a:t>AtypicalPigmentNetwork</a:t>
             </a:r>
             <a:r>
               <a:rPr lang="en-US" dirty="0">
@@ -858,10 +783,18 @@
                 <a:effectLst/>
                 <a:latin typeface="Monaco" pitchFamily="2" charset="77"/>
               </a:rPr>
-              <a:t>} \\</a:t>
-            </a:r>
-          </a:p>
-          <a:p>
+              <a:t>}} \lor \text{\</a:t>
+            </a:r>
+            <a:r>
+              <a:rPr lang="en-US" dirty="0" err="1">
+                <a:solidFill>
+                  <a:srgbClr val="000000"/>
+                </a:solidFill>
+                <a:effectLst/>
+                <a:latin typeface="Monaco" pitchFamily="2" charset="77"/>
+              </a:rPr>
+              <a:t>textcolor</a:t>
+            </a:r>
             <a:r>
               <a:rPr lang="en-US" dirty="0">
                 <a:solidFill>
@@ -870,637 +803,1169 @@
                 <a:effectLst/>
                 <a:latin typeface="Monaco" pitchFamily="2" charset="77"/>
               </a:rPr>
-              <a:t>&amp;\text{Explanation}: \text{</a:t>
-            </a:r>
-            <a:r>
-              <a:rPr lang="en-US" dirty="0" err="1">
-                <a:solidFill>
-                  <a:srgbClr val="000000"/>
-                </a:solidFill>
-                <a:effectLst/>
-                <a:latin typeface="Monaco" pitchFamily="2" charset="77"/>
-              </a:rPr>
-              <a:t>WaterBird</a:t>
-            </a:r>
-            <a:r>
-              <a:rPr lang="en-US" dirty="0">
-                <a:solidFill>
-                  <a:srgbClr val="000000"/>
-                </a:solidFill>
-                <a:effectLst/>
-                <a:latin typeface="Monaco" pitchFamily="2" charset="77"/>
-              </a:rPr>
-              <a:t>} \</a:t>
-            </a:r>
-            <a:r>
-              <a:rPr lang="en-US" dirty="0" err="1">
-                <a:solidFill>
-                  <a:srgbClr val="000000"/>
-                </a:solidFill>
-                <a:effectLst/>
-                <a:latin typeface="Monaco" pitchFamily="2" charset="77"/>
-              </a:rPr>
-              <a:t>leftrightarrow</a:t>
-            </a:r>
-            <a:r>
-              <a:rPr lang="en-US" dirty="0">
-                <a:solidFill>
-                  <a:srgbClr val="000000"/>
-                </a:solidFill>
-                <a:effectLst/>
-                <a:latin typeface="Monaco" pitchFamily="2" charset="77"/>
-              </a:rPr>
-              <a:t> \text{</a:t>
-            </a:r>
-            <a:r>
-              <a:rPr lang="en-US" dirty="0" err="1">
-                <a:solidFill>
-                  <a:srgbClr val="000000"/>
-                </a:solidFill>
-                <a:effectLst/>
-                <a:latin typeface="Monaco" pitchFamily="2" charset="77"/>
-              </a:rPr>
-              <a:t>BillLengthAboutTheSameAsHead</a:t>
-            </a:r>
-            <a:r>
-              <a:rPr lang="en-US" dirty="0">
-                <a:solidFill>
-                  <a:srgbClr val="000000"/>
-                </a:solidFill>
-                <a:effectLst/>
-                <a:latin typeface="Monaco" pitchFamily="2" charset="77"/>
-              </a:rPr>
-              <a:t>} \</a:t>
-            </a:r>
-            <a:r>
-              <a:rPr lang="en-US" dirty="0" err="1">
-                <a:solidFill>
-                  <a:srgbClr val="000000"/>
-                </a:solidFill>
-                <a:effectLst/>
-                <a:latin typeface="Monaco" pitchFamily="2" charset="77"/>
-              </a:rPr>
-              <a:t>hspace</a:t>
-            </a:r>
-            <a:r>
-              <a:rPr lang="en-US" dirty="0">
-                <a:solidFill>
-                  <a:srgbClr val="000000"/>
-                </a:solidFill>
-                <a:effectLst/>
-                <a:latin typeface="Monaco" pitchFamily="2" charset="77"/>
-              </a:rPr>
-              <a:t>{0.0000001pt} \land \\</a:t>
-            </a:r>
-          </a:p>
-          <a:p>
-            <a:r>
-              <a:rPr lang="en-US" dirty="0">
-                <a:solidFill>
-                  <a:srgbClr val="000000"/>
-                </a:solidFill>
-                <a:effectLst/>
-                <a:latin typeface="Monaco" pitchFamily="2" charset="77"/>
-              </a:rPr>
-              <a:t>&amp; \</a:t>
-            </a:r>
-            <a:r>
-              <a:rPr lang="en-US" dirty="0" err="1">
-                <a:solidFill>
-                  <a:srgbClr val="000000"/>
-                </a:solidFill>
-                <a:effectLst/>
-                <a:latin typeface="Monaco" pitchFamily="2" charset="77"/>
-              </a:rPr>
-              <a:t>qquad</a:t>
-            </a:r>
-            <a:r>
-              <a:rPr lang="en-US" dirty="0">
-                <a:solidFill>
-                  <a:srgbClr val="000000"/>
-                </a:solidFill>
-                <a:effectLst/>
-                <a:latin typeface="Monaco" pitchFamily="2" charset="77"/>
-              </a:rPr>
-              <a:t> \</a:t>
-            </a:r>
-            <a:r>
-              <a:rPr lang="en-US" dirty="0" err="1">
-                <a:solidFill>
-                  <a:srgbClr val="000000"/>
-                </a:solidFill>
-                <a:effectLst/>
-                <a:latin typeface="Monaco" pitchFamily="2" charset="77"/>
-              </a:rPr>
-              <a:t>qquad</a:t>
-            </a:r>
-            <a:r>
-              <a:rPr lang="en-US" dirty="0">
-                <a:solidFill>
-                  <a:srgbClr val="000000"/>
-                </a:solidFill>
-                <a:effectLst/>
-                <a:latin typeface="Monaco" pitchFamily="2" charset="77"/>
-              </a:rPr>
-              <a:t> \</a:t>
-            </a:r>
-            <a:r>
-              <a:rPr lang="en-US" dirty="0" err="1">
-                <a:solidFill>
-                  <a:srgbClr val="000000"/>
-                </a:solidFill>
-                <a:effectLst/>
-                <a:latin typeface="Monaco" pitchFamily="2" charset="77"/>
-              </a:rPr>
-              <a:t>qquad</a:t>
-            </a:r>
-            <a:r>
-              <a:rPr lang="en-US" dirty="0">
-                <a:solidFill>
-                  <a:srgbClr val="000000"/>
-                </a:solidFill>
-                <a:effectLst/>
-                <a:latin typeface="Monaco" pitchFamily="2" charset="77"/>
-              </a:rPr>
-              <a:t> \</a:t>
-            </a:r>
-            <a:r>
-              <a:rPr lang="en-US" dirty="0" err="1">
-                <a:solidFill>
-                  <a:srgbClr val="000000"/>
-                </a:solidFill>
-                <a:effectLst/>
-                <a:latin typeface="Monaco" pitchFamily="2" charset="77"/>
-              </a:rPr>
-              <a:t>qquad</a:t>
-            </a:r>
-            <a:r>
-              <a:rPr lang="en-US" dirty="0">
-                <a:solidFill>
-                  <a:srgbClr val="000000"/>
-                </a:solidFill>
-                <a:effectLst/>
-                <a:latin typeface="Monaco" pitchFamily="2" charset="77"/>
-              </a:rPr>
-              <a:t> \</a:t>
-            </a:r>
-            <a:r>
-              <a:rPr lang="en-US" dirty="0" err="1">
-                <a:solidFill>
-                  <a:srgbClr val="000000"/>
-                </a:solidFill>
-                <a:effectLst/>
-                <a:latin typeface="Monaco" pitchFamily="2" charset="77"/>
-              </a:rPr>
-              <a:t>qquad</a:t>
-            </a:r>
-            <a:r>
-              <a:rPr lang="en-US" dirty="0">
-                <a:solidFill>
-                  <a:srgbClr val="000000"/>
-                </a:solidFill>
-                <a:effectLst/>
-                <a:latin typeface="Monaco" pitchFamily="2" charset="77"/>
-              </a:rPr>
-              <a:t> \</a:t>
-            </a:r>
-            <a:r>
-              <a:rPr lang="en-US" dirty="0" err="1">
-                <a:solidFill>
-                  <a:srgbClr val="000000"/>
-                </a:solidFill>
-                <a:effectLst/>
-                <a:latin typeface="Monaco" pitchFamily="2" charset="77"/>
-              </a:rPr>
-              <a:t>qquad</a:t>
-            </a:r>
-            <a:r>
-              <a:rPr lang="en-US" dirty="0">
-                <a:solidFill>
-                  <a:srgbClr val="000000"/>
-                </a:solidFill>
-                <a:effectLst/>
-                <a:latin typeface="Monaco" pitchFamily="2" charset="77"/>
-              </a:rPr>
-              <a:t> \neg\text{</a:t>
-            </a:r>
-            <a:r>
-              <a:rPr lang="en-US" dirty="0" err="1">
-                <a:solidFill>
-                  <a:srgbClr val="000000"/>
-                </a:solidFill>
-                <a:effectLst/>
-                <a:latin typeface="Monaco" pitchFamily="2" charset="77"/>
-              </a:rPr>
-              <a:t>BillLengthShorterThanHead</a:t>
-            </a:r>
-            <a:r>
-              <a:rPr lang="en-US" dirty="0">
-                <a:solidFill>
-                  <a:srgbClr val="000000"/>
-                </a:solidFill>
-                <a:effectLst/>
-                <a:latin typeface="Monaco" pitchFamily="2" charset="77"/>
-              </a:rPr>
-              <a:t> } \</a:t>
-            </a:r>
-            <a:r>
-              <a:rPr lang="en-US" dirty="0" err="1">
-                <a:solidFill>
-                  <a:srgbClr val="000000"/>
-                </a:solidFill>
-                <a:effectLst/>
-                <a:latin typeface="Monaco" pitchFamily="2" charset="77"/>
-              </a:rPr>
-              <a:t>hspace</a:t>
-            </a:r>
-            <a:r>
-              <a:rPr lang="en-US" dirty="0">
-                <a:solidFill>
-                  <a:srgbClr val="000000"/>
-                </a:solidFill>
-                <a:effectLst/>
-                <a:latin typeface="Monaco" pitchFamily="2" charset="77"/>
-              </a:rPr>
-              <a:t>{0.0000001pt} \land \\</a:t>
-            </a:r>
-          </a:p>
-          <a:p>
-            <a:r>
-              <a:rPr lang="en-US" dirty="0">
-                <a:solidFill>
-                  <a:srgbClr val="000000"/>
-                </a:solidFill>
-                <a:effectLst/>
-                <a:latin typeface="Monaco" pitchFamily="2" charset="77"/>
-              </a:rPr>
-              <a:t>&amp;  \</a:t>
-            </a:r>
-            <a:r>
-              <a:rPr lang="en-US" dirty="0" err="1">
-                <a:solidFill>
-                  <a:srgbClr val="000000"/>
-                </a:solidFill>
-                <a:effectLst/>
-                <a:latin typeface="Monaco" pitchFamily="2" charset="77"/>
-              </a:rPr>
-              <a:t>qquad</a:t>
-            </a:r>
-            <a:r>
-              <a:rPr lang="en-US" dirty="0">
-                <a:solidFill>
-                  <a:srgbClr val="000000"/>
-                </a:solidFill>
-                <a:effectLst/>
-                <a:latin typeface="Monaco" pitchFamily="2" charset="77"/>
-              </a:rPr>
-              <a:t> \</a:t>
-            </a:r>
-            <a:r>
-              <a:rPr lang="en-US" dirty="0" err="1">
-                <a:solidFill>
-                  <a:srgbClr val="000000"/>
-                </a:solidFill>
-                <a:effectLst/>
-                <a:latin typeface="Monaco" pitchFamily="2" charset="77"/>
-              </a:rPr>
-              <a:t>qquad</a:t>
-            </a:r>
-            <a:r>
-              <a:rPr lang="en-US" dirty="0">
-                <a:solidFill>
-                  <a:srgbClr val="000000"/>
-                </a:solidFill>
-                <a:effectLst/>
-                <a:latin typeface="Monaco" pitchFamily="2" charset="77"/>
-              </a:rPr>
-              <a:t> \</a:t>
-            </a:r>
-            <a:r>
-              <a:rPr lang="en-US" dirty="0" err="1">
-                <a:solidFill>
-                  <a:srgbClr val="000000"/>
-                </a:solidFill>
-                <a:effectLst/>
-                <a:latin typeface="Monaco" pitchFamily="2" charset="77"/>
-              </a:rPr>
-              <a:t>qquad</a:t>
-            </a:r>
-            <a:r>
-              <a:rPr lang="en-US" dirty="0">
-                <a:solidFill>
-                  <a:srgbClr val="000000"/>
-                </a:solidFill>
-                <a:effectLst/>
-                <a:latin typeface="Monaco" pitchFamily="2" charset="77"/>
-              </a:rPr>
-              <a:t> \</a:t>
-            </a:r>
-            <a:r>
-              <a:rPr lang="en-US" dirty="0" err="1">
-                <a:solidFill>
-                  <a:srgbClr val="000000"/>
-                </a:solidFill>
-                <a:effectLst/>
-                <a:latin typeface="Monaco" pitchFamily="2" charset="77"/>
-              </a:rPr>
-              <a:t>qquad</a:t>
-            </a:r>
-            <a:r>
-              <a:rPr lang="en-US" dirty="0">
-                <a:solidFill>
-                  <a:srgbClr val="000000"/>
-                </a:solidFill>
-                <a:effectLst/>
-                <a:latin typeface="Monaco" pitchFamily="2" charset="77"/>
-              </a:rPr>
-              <a:t> \</a:t>
-            </a:r>
-            <a:r>
-              <a:rPr lang="en-US" dirty="0" err="1">
-                <a:solidFill>
-                  <a:srgbClr val="000000"/>
-                </a:solidFill>
-                <a:effectLst/>
-                <a:latin typeface="Monaco" pitchFamily="2" charset="77"/>
-              </a:rPr>
-              <a:t>qquad</a:t>
-            </a:r>
-            <a:r>
-              <a:rPr lang="en-US" dirty="0">
-                <a:solidFill>
-                  <a:srgbClr val="000000"/>
-                </a:solidFill>
-                <a:effectLst/>
-                <a:latin typeface="Monaco" pitchFamily="2" charset="77"/>
-              </a:rPr>
-              <a:t> \</a:t>
-            </a:r>
-            <a:r>
-              <a:rPr lang="en-US" dirty="0" err="1">
-                <a:solidFill>
-                  <a:srgbClr val="000000"/>
-                </a:solidFill>
-                <a:effectLst/>
-                <a:latin typeface="Monaco" pitchFamily="2" charset="77"/>
-              </a:rPr>
-              <a:t>qquad</a:t>
-            </a:r>
-            <a:r>
-              <a:rPr lang="en-US" dirty="0">
-                <a:solidFill>
-                  <a:srgbClr val="000000"/>
-                </a:solidFill>
-                <a:effectLst/>
-                <a:latin typeface="Monaco" pitchFamily="2" charset="77"/>
-              </a:rPr>
-              <a:t>  \neg\text{SizeSmall5\_\_9in} \</a:t>
-            </a:r>
-            <a:r>
-              <a:rPr lang="en-US" dirty="0" err="1">
-                <a:solidFill>
-                  <a:srgbClr val="000000"/>
-                </a:solidFill>
-                <a:effectLst/>
-                <a:latin typeface="Monaco" pitchFamily="2" charset="77"/>
-              </a:rPr>
-              <a:t>hspace</a:t>
-            </a:r>
-            <a:r>
-              <a:rPr lang="en-US" dirty="0">
-                <a:solidFill>
-                  <a:srgbClr val="000000"/>
-                </a:solidFill>
-                <a:effectLst/>
-                <a:latin typeface="Monaco" pitchFamily="2" charset="77"/>
-              </a:rPr>
-              <a:t>{0.0000001pt} \land \neg\text{</a:t>
-            </a:r>
-            <a:r>
-              <a:rPr lang="en-US" dirty="0" err="1">
-                <a:solidFill>
-                  <a:srgbClr val="000000"/>
-                </a:solidFill>
-                <a:effectLst/>
-                <a:latin typeface="Monaco" pitchFamily="2" charset="77"/>
-              </a:rPr>
-              <a:t>ShapePerchingLike</a:t>
-            </a:r>
-            <a:r>
-              <a:rPr lang="en-US" dirty="0">
-                <a:solidFill>
-                  <a:srgbClr val="000000"/>
-                </a:solidFill>
-                <a:effectLst/>
-                <a:latin typeface="Monaco" pitchFamily="2" charset="77"/>
-              </a:rPr>
-              <a:t>} \</a:t>
-            </a:r>
-            <a:r>
-              <a:rPr lang="en-US" dirty="0" err="1">
-                <a:solidFill>
-                  <a:srgbClr val="000000"/>
-                </a:solidFill>
-                <a:effectLst/>
-                <a:latin typeface="Monaco" pitchFamily="2" charset="77"/>
-              </a:rPr>
-              <a:t>hspace</a:t>
-            </a:r>
-            <a:r>
-              <a:rPr lang="en-US" dirty="0">
-                <a:solidFill>
-                  <a:srgbClr val="000000"/>
-                </a:solidFill>
-                <a:effectLst/>
-                <a:latin typeface="Monaco" pitchFamily="2" charset="77"/>
-              </a:rPr>
-              <a:t>{0.0000001pt} \land \\</a:t>
-            </a:r>
-          </a:p>
-          <a:p>
-            <a:r>
-              <a:rPr lang="en-US" dirty="0">
-                <a:solidFill>
-                  <a:srgbClr val="000000"/>
-                </a:solidFill>
-                <a:effectLst/>
-                <a:latin typeface="Monaco" pitchFamily="2" charset="77"/>
-              </a:rPr>
-              <a:t>&amp;  \</a:t>
-            </a:r>
-            <a:r>
-              <a:rPr lang="en-US" dirty="0" err="1">
-                <a:solidFill>
-                  <a:srgbClr val="000000"/>
-                </a:solidFill>
-                <a:effectLst/>
-                <a:latin typeface="Monaco" pitchFamily="2" charset="77"/>
-              </a:rPr>
-              <a:t>qquad</a:t>
-            </a:r>
-            <a:r>
-              <a:rPr lang="en-US" dirty="0">
-                <a:solidFill>
-                  <a:srgbClr val="000000"/>
-                </a:solidFill>
-                <a:effectLst/>
-                <a:latin typeface="Monaco" pitchFamily="2" charset="77"/>
-              </a:rPr>
-              <a:t> \</a:t>
-            </a:r>
-            <a:r>
-              <a:rPr lang="en-US" dirty="0" err="1">
-                <a:solidFill>
-                  <a:srgbClr val="000000"/>
-                </a:solidFill>
-                <a:effectLst/>
-                <a:latin typeface="Monaco" pitchFamily="2" charset="77"/>
-              </a:rPr>
-              <a:t>qquad</a:t>
-            </a:r>
-            <a:r>
-              <a:rPr lang="en-US" dirty="0">
-                <a:solidFill>
-                  <a:srgbClr val="000000"/>
-                </a:solidFill>
-                <a:effectLst/>
-                <a:latin typeface="Monaco" pitchFamily="2" charset="77"/>
-              </a:rPr>
-              <a:t> \</a:t>
-            </a:r>
-            <a:r>
-              <a:rPr lang="en-US" dirty="0" err="1">
-                <a:solidFill>
-                  <a:srgbClr val="000000"/>
-                </a:solidFill>
-                <a:effectLst/>
-                <a:latin typeface="Monaco" pitchFamily="2" charset="77"/>
-              </a:rPr>
-              <a:t>qquad</a:t>
-            </a:r>
-            <a:r>
-              <a:rPr lang="en-US" dirty="0">
-                <a:solidFill>
-                  <a:srgbClr val="000000"/>
-                </a:solidFill>
-                <a:effectLst/>
-                <a:latin typeface="Monaco" pitchFamily="2" charset="77"/>
-              </a:rPr>
-              <a:t> \</a:t>
-            </a:r>
-            <a:r>
-              <a:rPr lang="en-US" dirty="0" err="1">
-                <a:solidFill>
-                  <a:srgbClr val="000000"/>
-                </a:solidFill>
-                <a:effectLst/>
-                <a:latin typeface="Monaco" pitchFamily="2" charset="77"/>
-              </a:rPr>
-              <a:t>qquad</a:t>
-            </a:r>
-            <a:r>
-              <a:rPr lang="en-US" dirty="0">
-                <a:solidFill>
-                  <a:srgbClr val="000000"/>
-                </a:solidFill>
-                <a:effectLst/>
-                <a:latin typeface="Monaco" pitchFamily="2" charset="77"/>
-              </a:rPr>
-              <a:t> \</a:t>
-            </a:r>
-            <a:r>
-              <a:rPr lang="en-US" dirty="0" err="1">
-                <a:solidFill>
-                  <a:srgbClr val="000000"/>
-                </a:solidFill>
-                <a:effectLst/>
-                <a:latin typeface="Monaco" pitchFamily="2" charset="77"/>
-              </a:rPr>
-              <a:t>qquad</a:t>
-            </a:r>
-            <a:r>
-              <a:rPr lang="en-US" dirty="0">
-                <a:solidFill>
-                  <a:srgbClr val="000000"/>
-                </a:solidFill>
-                <a:effectLst/>
-                <a:latin typeface="Monaco" pitchFamily="2" charset="77"/>
-              </a:rPr>
-              <a:t> \</a:t>
-            </a:r>
-            <a:r>
-              <a:rPr lang="en-US" dirty="0" err="1">
-                <a:solidFill>
-                  <a:srgbClr val="000000"/>
-                </a:solidFill>
-                <a:effectLst/>
-                <a:latin typeface="Monaco" pitchFamily="2" charset="77"/>
-              </a:rPr>
-              <a:t>qquad</a:t>
-            </a:r>
-            <a:r>
-              <a:rPr lang="en-US" dirty="0">
-                <a:solidFill>
-                  <a:srgbClr val="000000"/>
-                </a:solidFill>
-                <a:effectLst/>
-                <a:latin typeface="Monaco" pitchFamily="2" charset="77"/>
-              </a:rPr>
-              <a:t>  \text{</a:t>
-            </a:r>
-            <a:r>
-              <a:rPr lang="en-US" dirty="0" err="1">
-                <a:solidFill>
-                  <a:srgbClr val="000000"/>
-                </a:solidFill>
-                <a:effectLst/>
-                <a:latin typeface="Monaco" pitchFamily="2" charset="77"/>
-              </a:rPr>
-              <a:t>CrownColorWhite</a:t>
-            </a:r>
-            <a:r>
-              <a:rPr lang="en-US" dirty="0">
-                <a:solidFill>
-                  <a:srgbClr val="000000"/>
-                </a:solidFill>
-                <a:effectLst/>
-                <a:latin typeface="Monaco" pitchFamily="2" charset="77"/>
-              </a:rPr>
-              <a:t>}</a:t>
-            </a:r>
-          </a:p>
-          <a:p>
-            <a:br>
-              <a:rPr lang="en-US" sz="1200" kern="1200" dirty="0">
-                <a:solidFill>
-                  <a:schemeClr val="tx1"/>
-                </a:solidFill>
-                <a:effectLst/>
-                <a:latin typeface="+mn-lt"/>
-                <a:ea typeface="+mn-ea"/>
-                <a:cs typeface="+mn-cs"/>
-              </a:rPr>
-            </a:br>
-            <a:endParaRPr lang="en-US" sz="1200" kern="1200" dirty="0">
+              <a:t>{blue}{BWV}}</a:t>
+            </a:r>
+          </a:p>
+          <a:p>
+            <a:pPr marL="0" marR="0" lvl="0" indent="0" algn="l" defTabSz="914400" rtl="0" eaLnBrk="1" fontAlgn="auto" latinLnBrk="0" hangingPunct="1">
+              <a:lnSpc>
+                <a:spcPct val="100000"/>
+              </a:lnSpc>
+              <a:spcBef>
+                <a:spcPts val="0"/>
+              </a:spcBef>
+              <a:spcAft>
+                <a:spcPts val="0"/>
+              </a:spcAft>
+              <a:buClrTx/>
+              <a:buSzTx/>
+              <a:buFontTx/>
+              <a:buNone/>
+              <a:tabLst/>
+              <a:defRPr/>
+            </a:pPr>
+            <a:endParaRPr lang="en-US" dirty="0">
               <a:solidFill>
-                <a:schemeClr val="tx1"/>
+                <a:srgbClr val="000000"/>
               </a:solidFill>
               <a:effectLst/>
-              <a:latin typeface="+mn-lt"/>
-              <a:ea typeface="+mn-ea"/>
-              <a:cs typeface="+mn-cs"/>
+              <a:latin typeface="Monaco" pitchFamily="2" charset="77"/>
             </a:endParaRPr>
           </a:p>
           <a:p>
-            <a:endParaRPr lang="en-US" sz="1200" kern="1200" dirty="0">
+            <a:pPr marL="0" marR="0" lvl="0" indent="0" algn="l" defTabSz="914400" rtl="0" eaLnBrk="1" fontAlgn="auto" latinLnBrk="0" hangingPunct="1">
+              <a:lnSpc>
+                <a:spcPct val="100000"/>
+              </a:lnSpc>
+              <a:spcBef>
+                <a:spcPts val="0"/>
+              </a:spcBef>
+              <a:spcAft>
+                <a:spcPts val="0"/>
+              </a:spcAft>
+              <a:buClrTx/>
+              <a:buSzTx/>
+              <a:buFontTx/>
+              <a:buNone/>
+              <a:tabLst/>
+              <a:defRPr/>
+            </a:pPr>
+            <a:r>
+              <a:rPr lang="en-US" dirty="0">
+                <a:solidFill>
+                  <a:srgbClr val="000000"/>
+                </a:solidFill>
+                <a:effectLst/>
+                <a:latin typeface="Monaco" pitchFamily="2" charset="77"/>
+              </a:rPr>
+              <a:t>% Malignant</a:t>
+            </a:r>
+          </a:p>
+          <a:p>
+            <a:r>
+              <a:rPr lang="en-US" dirty="0">
+                <a:solidFill>
+                  <a:srgbClr val="000000"/>
+                </a:solidFill>
+                <a:effectLst/>
+                <a:latin typeface="Monaco" pitchFamily="2" charset="77"/>
+              </a:rPr>
+              <a:t>\text{\</a:t>
+            </a:r>
+            <a:r>
+              <a:rPr lang="en-US" dirty="0" err="1">
+                <a:solidFill>
+                  <a:srgbClr val="000000"/>
+                </a:solidFill>
+                <a:effectLst/>
+                <a:latin typeface="Monaco" pitchFamily="2" charset="77"/>
+              </a:rPr>
+              <a:t>textbf</a:t>
+            </a:r>
+            <a:r>
+              <a:rPr lang="en-US" dirty="0">
+                <a:solidFill>
+                  <a:srgbClr val="000000"/>
+                </a:solidFill>
+                <a:effectLst/>
+                <a:latin typeface="Monaco" pitchFamily="2" charset="77"/>
+              </a:rPr>
+              <a:t>{Malignant}} \</a:t>
+            </a:r>
+            <a:r>
+              <a:rPr lang="en-US" dirty="0" err="1">
+                <a:solidFill>
+                  <a:srgbClr val="000000"/>
+                </a:solidFill>
+                <a:effectLst/>
+                <a:latin typeface="Monaco" pitchFamily="2" charset="77"/>
+              </a:rPr>
+              <a:t>leftrightarrow</a:t>
+            </a:r>
+            <a:r>
+              <a:rPr lang="en-US" dirty="0">
+                <a:solidFill>
+                  <a:srgbClr val="000000"/>
+                </a:solidFill>
+                <a:effectLst/>
+                <a:latin typeface="Monaco" pitchFamily="2" charset="77"/>
+              </a:rPr>
+              <a:t>  \text{{BWV}} \lor \text{\</a:t>
+            </a:r>
+            <a:r>
+              <a:rPr lang="en-US" dirty="0" err="1">
+                <a:solidFill>
+                  <a:srgbClr val="000000"/>
+                </a:solidFill>
+                <a:effectLst/>
+                <a:latin typeface="Monaco" pitchFamily="2" charset="77"/>
+              </a:rPr>
+              <a:t>textcolor</a:t>
+            </a:r>
+            <a:r>
+              <a:rPr lang="en-US" dirty="0">
+                <a:solidFill>
+                  <a:srgbClr val="000000"/>
+                </a:solidFill>
+                <a:effectLst/>
+                <a:latin typeface="Monaco" pitchFamily="2" charset="77"/>
+              </a:rPr>
+              <a:t>{red}{</a:t>
+            </a:r>
+            <a:r>
+              <a:rPr lang="en-US" dirty="0" err="1">
+                <a:solidFill>
+                  <a:srgbClr val="000000"/>
+                </a:solidFill>
+                <a:effectLst/>
+                <a:latin typeface="Monaco" pitchFamily="2" charset="77"/>
+              </a:rPr>
+              <a:t>RegressionStructures</a:t>
+            </a:r>
+            <a:r>
+              <a:rPr lang="en-US" dirty="0">
+                <a:solidFill>
+                  <a:srgbClr val="000000"/>
+                </a:solidFill>
+                <a:effectLst/>
+                <a:latin typeface="Monaco" pitchFamily="2" charset="77"/>
+              </a:rPr>
+              <a:t>}}</a:t>
+            </a:r>
+          </a:p>
+          <a:p>
+            <a:endParaRPr lang="en-US" dirty="0">
               <a:solidFill>
-                <a:schemeClr val="tx1"/>
+                <a:srgbClr val="000000"/>
               </a:solidFill>
               <a:effectLst/>
-              <a:latin typeface="+mn-lt"/>
-              <a:ea typeface="+mn-ea"/>
-              <a:cs typeface="+mn-cs"/>
+              <a:latin typeface="Monaco" pitchFamily="2" charset="77"/>
             </a:endParaRPr>
+          </a:p>
+          <a:p>
+            <a:pPr marL="0" marR="0" lvl="0" indent="0" algn="l" defTabSz="914400" rtl="0" eaLnBrk="1" fontAlgn="auto" latinLnBrk="0" hangingPunct="1">
+              <a:lnSpc>
+                <a:spcPct val="100000"/>
+              </a:lnSpc>
+              <a:spcBef>
+                <a:spcPts val="0"/>
+              </a:spcBef>
+              <a:spcAft>
+                <a:spcPts val="0"/>
+              </a:spcAft>
+              <a:buClrTx/>
+              <a:buSzTx/>
+              <a:buFontTx/>
+              <a:buNone/>
+              <a:tabLst/>
+              <a:defRPr/>
+            </a:pPr>
+            <a:r>
+              <a:rPr lang="en-US" dirty="0">
+                <a:solidFill>
+                  <a:srgbClr val="000000"/>
+                </a:solidFill>
+                <a:effectLst/>
+                <a:latin typeface="Monaco" pitchFamily="2" charset="77"/>
+              </a:rPr>
+              <a:t>% Malignant</a:t>
+            </a:r>
+          </a:p>
+          <a:p>
+            <a:pPr marL="0" marR="0" lvl="0" indent="0" algn="l" defTabSz="914400" rtl="0" eaLnBrk="1" fontAlgn="auto" latinLnBrk="0" hangingPunct="1">
+              <a:lnSpc>
+                <a:spcPct val="100000"/>
+              </a:lnSpc>
+              <a:spcBef>
+                <a:spcPts val="0"/>
+              </a:spcBef>
+              <a:spcAft>
+                <a:spcPts val="0"/>
+              </a:spcAft>
+              <a:buClrTx/>
+              <a:buSzTx/>
+              <a:buFontTx/>
+              <a:buNone/>
+              <a:tabLst/>
+              <a:defRPr/>
+            </a:pPr>
+            <a:r>
+              <a:rPr lang="en-US" dirty="0">
+                <a:solidFill>
+                  <a:srgbClr val="000000"/>
+                </a:solidFill>
+                <a:effectLst/>
+                <a:latin typeface="Monaco" pitchFamily="2" charset="77"/>
+              </a:rPr>
+              <a:t>\text{\</a:t>
+            </a:r>
+            <a:r>
+              <a:rPr lang="en-US" dirty="0" err="1">
+                <a:solidFill>
+                  <a:srgbClr val="000000"/>
+                </a:solidFill>
+                <a:effectLst/>
+                <a:latin typeface="Monaco" pitchFamily="2" charset="77"/>
+              </a:rPr>
+              <a:t>textbf</a:t>
+            </a:r>
+            <a:r>
+              <a:rPr lang="en-US" dirty="0">
+                <a:solidFill>
+                  <a:srgbClr val="000000"/>
+                </a:solidFill>
+                <a:effectLst/>
+                <a:latin typeface="Monaco" pitchFamily="2" charset="77"/>
+              </a:rPr>
+              <a:t>{Malignant}} \</a:t>
+            </a:r>
+            <a:r>
+              <a:rPr lang="en-US" dirty="0" err="1">
+                <a:solidFill>
+                  <a:srgbClr val="000000"/>
+                </a:solidFill>
+                <a:effectLst/>
+                <a:latin typeface="Monaco" pitchFamily="2" charset="77"/>
+              </a:rPr>
+              <a:t>leftrightarrow</a:t>
+            </a:r>
+            <a:r>
+              <a:rPr lang="en-US" dirty="0">
+                <a:solidFill>
+                  <a:srgbClr val="000000"/>
+                </a:solidFill>
+                <a:effectLst/>
+                <a:latin typeface="Monaco" pitchFamily="2" charset="77"/>
+              </a:rPr>
+              <a:t> &amp; \text{\</a:t>
+            </a:r>
+            <a:r>
+              <a:rPr lang="en-US" dirty="0" err="1">
+                <a:solidFill>
+                  <a:srgbClr val="000000"/>
+                </a:solidFill>
+                <a:effectLst/>
+                <a:latin typeface="Monaco" pitchFamily="2" charset="77"/>
+              </a:rPr>
+              <a:t>textcolor</a:t>
+            </a:r>
+            <a:r>
+              <a:rPr lang="en-US" dirty="0">
+                <a:solidFill>
+                  <a:srgbClr val="000000"/>
+                </a:solidFill>
+                <a:effectLst/>
+                <a:latin typeface="Monaco" pitchFamily="2" charset="77"/>
+              </a:rPr>
+              <a:t>{blue}{</a:t>
+            </a:r>
+            <a:r>
+              <a:rPr lang="en-US" dirty="0" err="1">
+                <a:solidFill>
+                  <a:srgbClr val="000000"/>
+                </a:solidFill>
+                <a:effectLst/>
+                <a:latin typeface="Monaco" pitchFamily="2" charset="77"/>
+              </a:rPr>
+              <a:t>IrregularStreaks</a:t>
+            </a:r>
+            <a:r>
+              <a:rPr lang="en-US" dirty="0">
+                <a:solidFill>
+                  <a:srgbClr val="000000"/>
+                </a:solidFill>
+                <a:effectLst/>
+                <a:latin typeface="Monaco" pitchFamily="2" charset="77"/>
+              </a:rPr>
+              <a:t>}} \lor \big(\text{</a:t>
+            </a:r>
+            <a:r>
+              <a:rPr lang="en-US" dirty="0" err="1">
+                <a:solidFill>
+                  <a:srgbClr val="000000"/>
+                </a:solidFill>
+                <a:effectLst/>
+                <a:latin typeface="Monaco" pitchFamily="2" charset="77"/>
+              </a:rPr>
+              <a:t>AtypicalPigmentNetwork</a:t>
+            </a:r>
+            <a:r>
+              <a:rPr lang="en-US" dirty="0">
+                <a:solidFill>
+                  <a:srgbClr val="000000"/>
+                </a:solidFill>
+                <a:effectLst/>
+                <a:latin typeface="Monaco" pitchFamily="2" charset="77"/>
+              </a:rPr>
+              <a:t>} \land \text{BWV}\big) \lor \big(\text{BWV} \land \text{\</a:t>
+            </a:r>
+            <a:r>
+              <a:rPr lang="en-US" dirty="0" err="1">
+                <a:solidFill>
+                  <a:srgbClr val="000000"/>
+                </a:solidFill>
+                <a:effectLst/>
+                <a:latin typeface="Monaco" pitchFamily="2" charset="77"/>
+              </a:rPr>
+              <a:t>textcolor</a:t>
+            </a:r>
+            <a:r>
+              <a:rPr lang="en-US" dirty="0">
+                <a:solidFill>
+                  <a:srgbClr val="000000"/>
+                </a:solidFill>
+                <a:effectLst/>
+                <a:latin typeface="Monaco" pitchFamily="2" charset="77"/>
+              </a:rPr>
+              <a:t>{blue}{</a:t>
+            </a:r>
+            <a:r>
+              <a:rPr lang="en-US" dirty="0" err="1">
+                <a:solidFill>
+                  <a:srgbClr val="000000"/>
+                </a:solidFill>
+                <a:effectLst/>
+                <a:latin typeface="Monaco" pitchFamily="2" charset="77"/>
+              </a:rPr>
+              <a:t>IrregularDG</a:t>
+            </a:r>
+            <a:r>
+              <a:rPr lang="en-US" dirty="0">
+                <a:solidFill>
+                  <a:srgbClr val="000000"/>
+                </a:solidFill>
+                <a:effectLst/>
+                <a:latin typeface="Monaco" pitchFamily="2" charset="77"/>
+              </a:rPr>
+              <a:t>}}\big) \\</a:t>
+            </a:r>
+          </a:p>
+          <a:p>
+            <a:r>
+              <a:rPr lang="en-US" dirty="0">
+                <a:solidFill>
+                  <a:srgbClr val="000000"/>
+                </a:solidFill>
+                <a:effectLst/>
+                <a:latin typeface="Monaco" pitchFamily="2" charset="77"/>
+              </a:rPr>
+              <a:t>&amp; \lor \big(\text{BWV} \land \text{\</a:t>
+            </a:r>
+            <a:r>
+              <a:rPr lang="en-US" dirty="0" err="1">
+                <a:solidFill>
+                  <a:srgbClr val="000000"/>
+                </a:solidFill>
+                <a:effectLst/>
+                <a:latin typeface="Monaco" pitchFamily="2" charset="77"/>
+              </a:rPr>
+              <a:t>textcolor</a:t>
+            </a:r>
+            <a:r>
+              <a:rPr lang="en-US" dirty="0">
+                <a:solidFill>
+                  <a:srgbClr val="000000"/>
+                </a:solidFill>
+                <a:effectLst/>
+                <a:latin typeface="Monaco" pitchFamily="2" charset="77"/>
+              </a:rPr>
+              <a:t>{blue}{</a:t>
+            </a:r>
+            <a:r>
+              <a:rPr lang="en-US" dirty="0" err="1">
+                <a:solidFill>
+                  <a:srgbClr val="000000"/>
+                </a:solidFill>
+                <a:effectLst/>
+                <a:latin typeface="Monaco" pitchFamily="2" charset="77"/>
+              </a:rPr>
+              <a:t>RegularStreaks</a:t>
+            </a:r>
+            <a:r>
+              <a:rPr lang="en-US" dirty="0">
+                <a:solidFill>
+                  <a:srgbClr val="000000"/>
+                </a:solidFill>
+                <a:effectLst/>
+                <a:latin typeface="Monaco" pitchFamily="2" charset="77"/>
+              </a:rPr>
+              <a:t>}} \land \neg\text{\</a:t>
+            </a:r>
+            <a:r>
+              <a:rPr lang="en-US" dirty="0" err="1">
+                <a:solidFill>
+                  <a:srgbClr val="000000"/>
+                </a:solidFill>
+                <a:effectLst/>
+                <a:latin typeface="Monaco" pitchFamily="2" charset="77"/>
+              </a:rPr>
+              <a:t>textcolor</a:t>
+            </a:r>
+            <a:r>
+              <a:rPr lang="en-US" dirty="0">
+                <a:solidFill>
+                  <a:srgbClr val="000000"/>
+                </a:solidFill>
+                <a:effectLst/>
+                <a:latin typeface="Monaco" pitchFamily="2" charset="77"/>
+              </a:rPr>
+              <a:t>{blue}{</a:t>
+            </a:r>
+            <a:r>
+              <a:rPr lang="en-US" dirty="0" err="1">
+                <a:solidFill>
+                  <a:srgbClr val="000000"/>
+                </a:solidFill>
+                <a:effectLst/>
+                <a:latin typeface="Monaco" pitchFamily="2" charset="77"/>
+              </a:rPr>
+              <a:t>RegularDG</a:t>
+            </a:r>
+            <a:r>
+              <a:rPr lang="en-US" dirty="0">
+                <a:solidFill>
+                  <a:srgbClr val="000000"/>
+                </a:solidFill>
+                <a:effectLst/>
+                <a:latin typeface="Monaco" pitchFamily="2" charset="77"/>
+              </a:rPr>
+              <a:t>}} \big) \\</a:t>
+            </a:r>
+          </a:p>
+          <a:p>
+            <a:r>
+              <a:rPr lang="en-US" dirty="0">
+                <a:solidFill>
+                  <a:srgbClr val="000000"/>
+                </a:solidFill>
+                <a:effectLst/>
+                <a:latin typeface="Monaco" pitchFamily="2" charset="77"/>
+              </a:rPr>
+              <a:t>&amp; \lor \big(\text{</a:t>
+            </a:r>
+            <a:r>
+              <a:rPr lang="en-US" dirty="0" err="1">
+                <a:solidFill>
+                  <a:srgbClr val="000000"/>
+                </a:solidFill>
+                <a:effectLst/>
+                <a:latin typeface="Monaco" pitchFamily="2" charset="77"/>
+              </a:rPr>
+              <a:t>AtypicalPigmentNetwork</a:t>
+            </a:r>
+            <a:r>
+              <a:rPr lang="en-US" dirty="0">
+                <a:solidFill>
+                  <a:srgbClr val="000000"/>
+                </a:solidFill>
+                <a:effectLst/>
+                <a:latin typeface="Monaco" pitchFamily="2" charset="77"/>
+              </a:rPr>
+              <a:t>} \land \neg \text{\</a:t>
+            </a:r>
+            <a:r>
+              <a:rPr lang="en-US" dirty="0" err="1">
+                <a:solidFill>
+                  <a:srgbClr val="000000"/>
+                </a:solidFill>
+                <a:effectLst/>
+                <a:latin typeface="Monaco" pitchFamily="2" charset="77"/>
+              </a:rPr>
+              <a:t>textcolor</a:t>
+            </a:r>
+            <a:r>
+              <a:rPr lang="en-US" dirty="0">
+                <a:solidFill>
+                  <a:srgbClr val="000000"/>
+                </a:solidFill>
+                <a:effectLst/>
+                <a:latin typeface="Monaco" pitchFamily="2" charset="77"/>
+              </a:rPr>
+              <a:t>{blue}{</a:t>
+            </a:r>
+            <a:r>
+              <a:rPr lang="en-US" dirty="0" err="1">
+                <a:solidFill>
+                  <a:srgbClr val="000000"/>
+                </a:solidFill>
+                <a:effectLst/>
+                <a:latin typeface="Monaco" pitchFamily="2" charset="77"/>
+              </a:rPr>
+              <a:t>IrregularDG</a:t>
+            </a:r>
+            <a:r>
+              <a:rPr lang="en-US" dirty="0">
+                <a:solidFill>
+                  <a:srgbClr val="000000"/>
+                </a:solidFill>
+                <a:effectLst/>
+                <a:latin typeface="Monaco" pitchFamily="2" charset="77"/>
+              </a:rPr>
+              <a:t>}} \land \neg\text{\</a:t>
+            </a:r>
+            <a:r>
+              <a:rPr lang="en-US" dirty="0" err="1">
+                <a:solidFill>
+                  <a:srgbClr val="000000"/>
+                </a:solidFill>
+                <a:effectLst/>
+                <a:latin typeface="Monaco" pitchFamily="2" charset="77"/>
+              </a:rPr>
+              <a:t>textcolor</a:t>
+            </a:r>
+            <a:r>
+              <a:rPr lang="en-US" dirty="0">
+                <a:solidFill>
+                  <a:srgbClr val="000000"/>
+                </a:solidFill>
+                <a:effectLst/>
+                <a:latin typeface="Monaco" pitchFamily="2" charset="77"/>
+              </a:rPr>
+              <a:t>{blue}{</a:t>
+            </a:r>
+            <a:r>
+              <a:rPr lang="en-US" dirty="0" err="1">
+                <a:solidFill>
+                  <a:srgbClr val="000000"/>
+                </a:solidFill>
+                <a:effectLst/>
+                <a:latin typeface="Monaco" pitchFamily="2" charset="77"/>
+              </a:rPr>
+              <a:t>RegularDG</a:t>
+            </a:r>
+            <a:r>
+              <a:rPr lang="en-US" dirty="0">
+                <a:solidFill>
+                  <a:srgbClr val="000000"/>
+                </a:solidFill>
+                <a:effectLst/>
+                <a:latin typeface="Monaco" pitchFamily="2" charset="77"/>
+              </a:rPr>
+              <a:t>}} \land \neg\text{\</a:t>
+            </a:r>
+            <a:r>
+              <a:rPr lang="en-US" dirty="0" err="1">
+                <a:solidFill>
+                  <a:srgbClr val="000000"/>
+                </a:solidFill>
+                <a:effectLst/>
+                <a:latin typeface="Monaco" pitchFamily="2" charset="77"/>
+              </a:rPr>
+              <a:t>textcolor</a:t>
+            </a:r>
+            <a:r>
+              <a:rPr lang="en-US" dirty="0">
+                <a:solidFill>
+                  <a:srgbClr val="000000"/>
+                </a:solidFill>
+                <a:effectLst/>
+                <a:latin typeface="Monaco" pitchFamily="2" charset="77"/>
+              </a:rPr>
+              <a:t>{blue}{</a:t>
+            </a:r>
+            <a:r>
+              <a:rPr lang="en-US" dirty="0" err="1">
+                <a:solidFill>
+                  <a:srgbClr val="000000"/>
+                </a:solidFill>
+                <a:effectLst/>
+                <a:latin typeface="Monaco" pitchFamily="2" charset="77"/>
+              </a:rPr>
+              <a:t>RegularStreaks</a:t>
+            </a:r>
+            <a:r>
+              <a:rPr lang="en-US" dirty="0">
+                <a:solidFill>
+                  <a:srgbClr val="000000"/>
+                </a:solidFill>
+                <a:effectLst/>
+                <a:latin typeface="Monaco" pitchFamily="2" charset="77"/>
+              </a:rPr>
+              <a:t>}} \big) \\</a:t>
+            </a:r>
+          </a:p>
+          <a:p>
+            <a:r>
+              <a:rPr lang="en-US" dirty="0">
+                <a:solidFill>
+                  <a:srgbClr val="000000"/>
+                </a:solidFill>
+                <a:effectLst/>
+                <a:latin typeface="Monaco" pitchFamily="2" charset="77"/>
+              </a:rPr>
+              <a:t>&amp; \lor \big(\neg \text{</a:t>
+            </a:r>
+            <a:r>
+              <a:rPr lang="en-US" dirty="0" err="1">
+                <a:solidFill>
+                  <a:srgbClr val="000000"/>
+                </a:solidFill>
+                <a:effectLst/>
+                <a:latin typeface="Monaco" pitchFamily="2" charset="77"/>
+              </a:rPr>
+              <a:t>AtypicalPigmentNetwork</a:t>
+            </a:r>
+            <a:r>
+              <a:rPr lang="en-US" dirty="0">
+                <a:solidFill>
+                  <a:srgbClr val="000000"/>
+                </a:solidFill>
+                <a:effectLst/>
+                <a:latin typeface="Monaco" pitchFamily="2" charset="77"/>
+              </a:rPr>
+              <a:t>} \land \text{\</a:t>
+            </a:r>
+            <a:r>
+              <a:rPr lang="en-US" dirty="0" err="1">
+                <a:solidFill>
+                  <a:srgbClr val="000000"/>
+                </a:solidFill>
+                <a:effectLst/>
+                <a:latin typeface="Monaco" pitchFamily="2" charset="77"/>
+              </a:rPr>
+              <a:t>textcolor</a:t>
+            </a:r>
+            <a:r>
+              <a:rPr lang="en-US" dirty="0">
+                <a:solidFill>
+                  <a:srgbClr val="000000"/>
+                </a:solidFill>
+                <a:effectLst/>
+                <a:latin typeface="Monaco" pitchFamily="2" charset="77"/>
+              </a:rPr>
+              <a:t>{blue}{</a:t>
+            </a:r>
+            <a:r>
+              <a:rPr lang="en-US" dirty="0" err="1">
+                <a:solidFill>
+                  <a:srgbClr val="000000"/>
+                </a:solidFill>
+                <a:effectLst/>
+                <a:latin typeface="Monaco" pitchFamily="2" charset="77"/>
+              </a:rPr>
+              <a:t>IrregularDG</a:t>
+            </a:r>
+            <a:r>
+              <a:rPr lang="en-US" dirty="0">
+                <a:solidFill>
+                  <a:srgbClr val="000000"/>
+                </a:solidFill>
+                <a:effectLst/>
+                <a:latin typeface="Monaco" pitchFamily="2" charset="77"/>
+              </a:rPr>
+              <a:t>}} \land \neg\text{\</a:t>
+            </a:r>
+            <a:r>
+              <a:rPr lang="en-US" dirty="0" err="1">
+                <a:solidFill>
+                  <a:srgbClr val="000000"/>
+                </a:solidFill>
+                <a:effectLst/>
+                <a:latin typeface="Monaco" pitchFamily="2" charset="77"/>
+              </a:rPr>
+              <a:t>textcolor</a:t>
+            </a:r>
+            <a:r>
+              <a:rPr lang="en-US" dirty="0">
+                <a:solidFill>
+                  <a:srgbClr val="000000"/>
+                </a:solidFill>
+                <a:effectLst/>
+                <a:latin typeface="Monaco" pitchFamily="2" charset="77"/>
+              </a:rPr>
+              <a:t>{blue}{</a:t>
+            </a:r>
+            <a:r>
+              <a:rPr lang="en-US" dirty="0" err="1">
+                <a:solidFill>
+                  <a:srgbClr val="000000"/>
+                </a:solidFill>
+                <a:effectLst/>
+                <a:latin typeface="Monaco" pitchFamily="2" charset="77"/>
+              </a:rPr>
+              <a:t>RegularDG</a:t>
+            </a:r>
+            <a:r>
+              <a:rPr lang="en-US" dirty="0">
+                <a:solidFill>
+                  <a:srgbClr val="000000"/>
+                </a:solidFill>
+                <a:effectLst/>
+                <a:latin typeface="Monaco" pitchFamily="2" charset="77"/>
+              </a:rPr>
+              <a:t>}} \land \neg\text{\</a:t>
+            </a:r>
+            <a:r>
+              <a:rPr lang="en-US" dirty="0" err="1">
+                <a:solidFill>
+                  <a:srgbClr val="000000"/>
+                </a:solidFill>
+                <a:effectLst/>
+                <a:latin typeface="Monaco" pitchFamily="2" charset="77"/>
+              </a:rPr>
+              <a:t>textcolor</a:t>
+            </a:r>
+            <a:r>
+              <a:rPr lang="en-US" dirty="0">
+                <a:solidFill>
+                  <a:srgbClr val="000000"/>
+                </a:solidFill>
+                <a:effectLst/>
+                <a:latin typeface="Monaco" pitchFamily="2" charset="77"/>
+              </a:rPr>
+              <a:t>{blue}{</a:t>
+            </a:r>
+            <a:r>
+              <a:rPr lang="en-US" dirty="0" err="1">
+                <a:solidFill>
+                  <a:srgbClr val="000000"/>
+                </a:solidFill>
+                <a:effectLst/>
+                <a:latin typeface="Monaco" pitchFamily="2" charset="77"/>
+              </a:rPr>
+              <a:t>RegularStreaks</a:t>
+            </a:r>
+            <a:r>
+              <a:rPr lang="en-US" dirty="0">
+                <a:solidFill>
+                  <a:srgbClr val="000000"/>
+                </a:solidFill>
+                <a:effectLst/>
+                <a:latin typeface="Monaco" pitchFamily="2" charset="77"/>
+              </a:rPr>
+              <a:t>}} \big)</a:t>
+            </a:r>
+          </a:p>
+          <a:p>
+            <a:pPr marL="0" marR="0" lvl="0" indent="0" algn="l" defTabSz="914400" rtl="0" eaLnBrk="1" fontAlgn="auto" latinLnBrk="0" hangingPunct="1">
+              <a:lnSpc>
+                <a:spcPct val="100000"/>
+              </a:lnSpc>
+              <a:spcBef>
+                <a:spcPts val="0"/>
+              </a:spcBef>
+              <a:spcAft>
+                <a:spcPts val="0"/>
+              </a:spcAft>
+              <a:buClrTx/>
+              <a:buSzTx/>
+              <a:buFontTx/>
+              <a:buNone/>
+              <a:tabLst/>
+              <a:defRPr/>
+            </a:pPr>
+            <a:br>
+              <a:rPr lang="en-US" dirty="0">
+                <a:solidFill>
+                  <a:srgbClr val="000000"/>
+                </a:solidFill>
+                <a:effectLst/>
+                <a:latin typeface="Monaco" pitchFamily="2" charset="77"/>
+              </a:rPr>
+            </a:br>
+            <a:r>
+              <a:rPr lang="en-US" dirty="0">
+                <a:solidFill>
+                  <a:srgbClr val="000000"/>
+                </a:solidFill>
+                <a:effectLst/>
+                <a:latin typeface="Monaco" pitchFamily="2" charset="77"/>
+              </a:rPr>
+              <a:t>% Malignant</a:t>
+            </a:r>
+          </a:p>
+          <a:p>
+            <a:r>
+              <a:rPr lang="en-US" dirty="0">
+                <a:solidFill>
+                  <a:srgbClr val="000000"/>
+                </a:solidFill>
+                <a:effectLst/>
+                <a:latin typeface="Monaco" pitchFamily="2" charset="77"/>
+              </a:rPr>
+              <a:t>&amp;\text{\</a:t>
+            </a:r>
+            <a:r>
+              <a:rPr lang="en-US" dirty="0" err="1">
+                <a:solidFill>
+                  <a:srgbClr val="000000"/>
+                </a:solidFill>
+                <a:effectLst/>
+                <a:latin typeface="Monaco" pitchFamily="2" charset="77"/>
+              </a:rPr>
+              <a:t>textbf</a:t>
+            </a:r>
+            <a:r>
+              <a:rPr lang="en-US" dirty="0">
+                <a:solidFill>
+                  <a:srgbClr val="000000"/>
+                </a:solidFill>
+                <a:effectLst/>
+                <a:latin typeface="Monaco" pitchFamily="2" charset="77"/>
+              </a:rPr>
+              <a:t>{Malignant}} \</a:t>
+            </a:r>
+            <a:r>
+              <a:rPr lang="en-US" dirty="0" err="1">
+                <a:solidFill>
+                  <a:srgbClr val="000000"/>
+                </a:solidFill>
+                <a:effectLst/>
+                <a:latin typeface="Monaco" pitchFamily="2" charset="77"/>
+              </a:rPr>
+              <a:t>leftrightarrow</a:t>
+            </a:r>
+            <a:r>
+              <a:rPr lang="en-US" dirty="0">
+                <a:solidFill>
+                  <a:srgbClr val="000000"/>
+                </a:solidFill>
+                <a:effectLst/>
+                <a:latin typeface="Monaco" pitchFamily="2" charset="77"/>
+              </a:rPr>
+              <a:t> \text{\</a:t>
+            </a:r>
+            <a:r>
+              <a:rPr lang="en-US" dirty="0" err="1">
+                <a:solidFill>
+                  <a:srgbClr val="000000"/>
+                </a:solidFill>
+                <a:effectLst/>
+                <a:latin typeface="Monaco" pitchFamily="2" charset="77"/>
+              </a:rPr>
+              <a:t>textcolor</a:t>
+            </a:r>
+            <a:r>
+              <a:rPr lang="en-US" dirty="0">
+                <a:solidFill>
+                  <a:srgbClr val="000000"/>
+                </a:solidFill>
+                <a:effectLst/>
+                <a:latin typeface="Monaco" pitchFamily="2" charset="77"/>
+              </a:rPr>
+              <a:t>{</a:t>
+            </a:r>
+            <a:r>
+              <a:rPr lang="en-US" dirty="0" err="1">
+                <a:solidFill>
+                  <a:srgbClr val="000000"/>
+                </a:solidFill>
+                <a:effectLst/>
+                <a:latin typeface="Monaco" pitchFamily="2" charset="77"/>
+              </a:rPr>
+              <a:t>BrickRed</a:t>
+            </a:r>
+            <a:r>
+              <a:rPr lang="en-US" dirty="0">
+                <a:solidFill>
+                  <a:srgbClr val="000000"/>
+                </a:solidFill>
+                <a:effectLst/>
+                <a:latin typeface="Monaco" pitchFamily="2" charset="77"/>
+              </a:rPr>
+              <a:t>}{</a:t>
+            </a:r>
+            <a:r>
+              <a:rPr lang="en-US" dirty="0" err="1">
+                <a:solidFill>
+                  <a:srgbClr val="000000"/>
+                </a:solidFill>
+                <a:effectLst/>
+                <a:latin typeface="Monaco" pitchFamily="2" charset="77"/>
+              </a:rPr>
+              <a:t>AtypicalPigmentNetwork</a:t>
+            </a:r>
+            <a:r>
+              <a:rPr lang="en-US" dirty="0">
+                <a:solidFill>
+                  <a:srgbClr val="000000"/>
+                </a:solidFill>
+                <a:effectLst/>
+                <a:latin typeface="Monaco" pitchFamily="2" charset="77"/>
+              </a:rPr>
+              <a:t>}} </a:t>
+            </a:r>
+          </a:p>
+          <a:p>
+            <a:endParaRPr lang="en-US" dirty="0">
+              <a:solidFill>
+                <a:srgbClr val="000000"/>
+              </a:solidFill>
+              <a:effectLst/>
+              <a:latin typeface="Monaco" pitchFamily="2" charset="77"/>
+            </a:endParaRPr>
+          </a:p>
+          <a:p>
+            <a:pPr marL="0" marR="0" lvl="0" indent="0" algn="l" defTabSz="914400" rtl="0" eaLnBrk="1" fontAlgn="auto" latinLnBrk="0" hangingPunct="1">
+              <a:lnSpc>
+                <a:spcPct val="100000"/>
+              </a:lnSpc>
+              <a:spcBef>
+                <a:spcPts val="0"/>
+              </a:spcBef>
+              <a:spcAft>
+                <a:spcPts val="0"/>
+              </a:spcAft>
+              <a:buClrTx/>
+              <a:buSzTx/>
+              <a:buFontTx/>
+              <a:buNone/>
+              <a:tabLst/>
+              <a:defRPr/>
+            </a:pPr>
+            <a:r>
+              <a:rPr lang="en-US" dirty="0">
+                <a:solidFill>
+                  <a:srgbClr val="000000"/>
+                </a:solidFill>
+                <a:effectLst/>
+                <a:latin typeface="Monaco" pitchFamily="2" charset="77"/>
+              </a:rPr>
+              <a:t>&amp;\text{\</a:t>
+            </a:r>
+            <a:r>
+              <a:rPr lang="en-US" dirty="0" err="1">
+                <a:solidFill>
+                  <a:srgbClr val="000000"/>
+                </a:solidFill>
+                <a:effectLst/>
+                <a:latin typeface="Monaco" pitchFamily="2" charset="77"/>
+              </a:rPr>
+              <a:t>textbf</a:t>
+            </a:r>
+            <a:r>
+              <a:rPr lang="en-US" dirty="0">
+                <a:solidFill>
+                  <a:srgbClr val="000000"/>
+                </a:solidFill>
+                <a:effectLst/>
+                <a:latin typeface="Monaco" pitchFamily="2" charset="77"/>
+              </a:rPr>
+              <a:t>{Malignant}} \</a:t>
+            </a:r>
+            <a:r>
+              <a:rPr lang="en-US" dirty="0" err="1">
+                <a:solidFill>
+                  <a:srgbClr val="000000"/>
+                </a:solidFill>
+                <a:effectLst/>
+                <a:latin typeface="Monaco" pitchFamily="2" charset="77"/>
+              </a:rPr>
+              <a:t>leftrightarrow</a:t>
+            </a:r>
+            <a:r>
+              <a:rPr lang="en-US" dirty="0">
+                <a:solidFill>
+                  <a:srgbClr val="000000"/>
+                </a:solidFill>
+                <a:effectLst/>
+                <a:latin typeface="Monaco" pitchFamily="2" charset="77"/>
+              </a:rPr>
+              <a:t> \text{\</a:t>
+            </a:r>
+            <a:r>
+              <a:rPr lang="en-US" dirty="0" err="1">
+                <a:solidFill>
+                  <a:srgbClr val="000000"/>
+                </a:solidFill>
+                <a:effectLst/>
+                <a:latin typeface="Monaco" pitchFamily="2" charset="77"/>
+              </a:rPr>
+              <a:t>textcolor</a:t>
+            </a:r>
+            <a:r>
+              <a:rPr lang="en-US" dirty="0">
+                <a:solidFill>
+                  <a:srgbClr val="000000"/>
+                </a:solidFill>
+                <a:effectLst/>
+                <a:latin typeface="Monaco" pitchFamily="2" charset="77"/>
+              </a:rPr>
+              <a:t>{red}{</a:t>
+            </a:r>
+            <a:r>
+              <a:rPr lang="en-US" dirty="0" err="1">
+                <a:solidFill>
+                  <a:srgbClr val="000000"/>
+                </a:solidFill>
+                <a:effectLst/>
+                <a:latin typeface="Monaco" pitchFamily="2" charset="77"/>
+              </a:rPr>
+              <a:t>AtypicalPigmentNetwork</a:t>
+            </a:r>
+            <a:r>
+              <a:rPr lang="en-US" dirty="0">
+                <a:solidFill>
+                  <a:srgbClr val="000000"/>
+                </a:solidFill>
+                <a:effectLst/>
+                <a:latin typeface="Monaco" pitchFamily="2" charset="77"/>
+              </a:rPr>
+              <a:t>}} </a:t>
+            </a:r>
+          </a:p>
+          <a:p>
+            <a:endParaRPr lang="en-US" dirty="0">
+              <a:solidFill>
+                <a:srgbClr val="000000"/>
+              </a:solidFill>
+              <a:effectLst/>
+              <a:latin typeface="Monaco" pitchFamily="2" charset="77"/>
+            </a:endParaRPr>
+          </a:p>
+          <a:p>
+            <a:endParaRPr lang="en-US" dirty="0">
+              <a:solidFill>
+                <a:srgbClr val="000000"/>
+              </a:solidFill>
+              <a:effectLst/>
+              <a:latin typeface="Monaco" pitchFamily="2" charset="77"/>
+            </a:endParaRPr>
+          </a:p>
+          <a:p>
+            <a:pPr marL="0" marR="0" lvl="0" indent="0" algn="l" defTabSz="914400" rtl="0" eaLnBrk="1" fontAlgn="auto" latinLnBrk="0" hangingPunct="1">
+              <a:lnSpc>
+                <a:spcPct val="100000"/>
+              </a:lnSpc>
+              <a:spcBef>
+                <a:spcPts val="0"/>
+              </a:spcBef>
+              <a:spcAft>
+                <a:spcPts val="0"/>
+              </a:spcAft>
+              <a:buClrTx/>
+              <a:buSzTx/>
+              <a:buFontTx/>
+              <a:buNone/>
+              <a:tabLst/>
+              <a:defRPr/>
+            </a:pPr>
+            <a:endParaRPr lang="en-US" dirty="0">
+              <a:solidFill>
+                <a:srgbClr val="000000"/>
+              </a:solidFill>
+              <a:effectLst/>
+              <a:latin typeface="Monaco" pitchFamily="2" charset="77"/>
+            </a:endParaRPr>
+          </a:p>
+          <a:p>
+            <a:pPr marL="0" marR="0" lvl="0" indent="0" algn="l" defTabSz="914400" rtl="0" eaLnBrk="1" fontAlgn="auto" latinLnBrk="0" hangingPunct="1">
+              <a:lnSpc>
+                <a:spcPct val="100000"/>
+              </a:lnSpc>
+              <a:spcBef>
+                <a:spcPts val="0"/>
+              </a:spcBef>
+              <a:spcAft>
+                <a:spcPts val="0"/>
+              </a:spcAft>
+              <a:buClrTx/>
+              <a:buSzTx/>
+              <a:buFontTx/>
+              <a:buNone/>
+              <a:tabLst/>
+              <a:defRPr/>
+            </a:pPr>
+            <a:endParaRPr lang="en-US" dirty="0">
+              <a:solidFill>
+                <a:srgbClr val="000000"/>
+              </a:solidFill>
+              <a:effectLst/>
+              <a:latin typeface="Monaco" pitchFamily="2" charset="77"/>
+            </a:endParaRPr>
+          </a:p>
+          <a:p>
+            <a:pPr marL="0" marR="0" lvl="0" indent="0" algn="l" defTabSz="914400" rtl="0" eaLnBrk="1" fontAlgn="auto" latinLnBrk="0" hangingPunct="1">
+              <a:lnSpc>
+                <a:spcPct val="100000"/>
+              </a:lnSpc>
+              <a:spcBef>
+                <a:spcPts val="0"/>
+              </a:spcBef>
+              <a:spcAft>
+                <a:spcPts val="0"/>
+              </a:spcAft>
+              <a:buClrTx/>
+              <a:buSzTx/>
+              <a:buFontTx/>
+              <a:buNone/>
+              <a:tabLst/>
+              <a:defRPr/>
+            </a:pPr>
+            <a:endParaRPr lang="en-US" dirty="0">
+              <a:solidFill>
+                <a:srgbClr val="000000"/>
+              </a:solidFill>
+              <a:effectLst/>
+              <a:latin typeface="Monaco" pitchFamily="2" charset="77"/>
+            </a:endParaRPr>
+          </a:p>
+          <a:p>
+            <a:pPr marL="0" marR="0" lvl="0" indent="0" algn="l" defTabSz="914400" rtl="0" eaLnBrk="1" fontAlgn="auto" latinLnBrk="0" hangingPunct="1">
+              <a:lnSpc>
+                <a:spcPct val="100000"/>
+              </a:lnSpc>
+              <a:spcBef>
+                <a:spcPts val="0"/>
+              </a:spcBef>
+              <a:spcAft>
+                <a:spcPts val="0"/>
+              </a:spcAft>
+              <a:buClrTx/>
+              <a:buSzTx/>
+              <a:buFontTx/>
+              <a:buNone/>
+              <a:tabLst/>
+              <a:defRPr/>
+            </a:pPr>
+            <a:endParaRPr lang="en-US" dirty="0">
+              <a:solidFill>
+                <a:srgbClr val="000000"/>
+              </a:solidFill>
+              <a:effectLst/>
+              <a:latin typeface="Monaco" pitchFamily="2" charset="77"/>
+            </a:endParaRPr>
+          </a:p>
+          <a:p>
+            <a:endParaRPr lang="en-US" dirty="0">
+              <a:solidFill>
+                <a:srgbClr val="000000"/>
+              </a:solidFill>
+              <a:effectLst/>
+              <a:latin typeface="Monaco" pitchFamily="2" charset="77"/>
+            </a:endParaRPr>
+          </a:p>
+          <a:p>
+            <a:endParaRPr lang="en-US" dirty="0">
+              <a:solidFill>
+                <a:srgbClr val="000000"/>
+              </a:solidFill>
+              <a:effectLst/>
+              <a:latin typeface="Monaco" pitchFamily="2" charset="77"/>
+            </a:endParaRPr>
+          </a:p>
+          <a:p>
+            <a:endParaRPr lang="en-US" dirty="0"/>
           </a:p>
         </p:txBody>
       </p:sp>
@@ -1519,7 +1984,7 @@
           <a:bodyPr/>
           <a:lstStyle/>
           <a:p>
-            <a:fld id="{F6EBDDD9-9B7E-2D48-A2C8-0DAFDE478B4E}" type="slidenum">
+            <a:fld id="{CC437997-445B-B942-8AA6-5C30DD7D7E1C}" type="slidenum">
               <a:rPr lang="en-US" smtClean="0"/>
               <a:t>1</a:t>
             </a:fld>
@@ -1530,7 +1995,7 @@
     </p:spTree>
     <p:extLst>
       <p:ext uri="{BB962C8B-B14F-4D97-AF65-F5344CB8AC3E}">
-        <p14:creationId xmlns:p14="http://schemas.microsoft.com/office/powerpoint/2010/main" val="210876534"/>
+        <p14:creationId xmlns:p14="http://schemas.microsoft.com/office/powerpoint/2010/main" val="2846978607"/>
       </p:ext>
     </p:extLst>
   </p:cSld>
@@ -4756,428 +5221,40 @@
       </p:grpSpPr>
       <p:sp>
         <p:nvSpPr>
-          <p:cNvPr id="66" name="TextBox 65">
-            <a:extLst>
-              <a:ext uri="{FF2B5EF4-FFF2-40B4-BE49-F238E27FC236}">
-                <a16:creationId xmlns:a16="http://schemas.microsoft.com/office/drawing/2014/main" id="{5B0FEDC2-0CDE-415E-8520-034855979828}"/>
-              </a:ext>
-            </a:extLst>
-          </p:cNvPr>
-          <p:cNvSpPr txBox="1"/>
+          <p:cNvPr id="4" name="Rounded Rectangular Callout 3">
+            <a:extLst>
+              <a:ext uri="{FF2B5EF4-FFF2-40B4-BE49-F238E27FC236}">
+                <a16:creationId xmlns:a16="http://schemas.microsoft.com/office/drawing/2014/main" id="{0F5095BA-A2E7-AEB1-5271-D0C74A629B6D}"/>
+              </a:ext>
+            </a:extLst>
+          </p:cNvPr>
+          <p:cNvSpPr/>
           <p:nvPr/>
         </p:nvSpPr>
         <p:spPr>
           <a:xfrm>
-            <a:off x="5418138" y="2929486"/>
-            <a:ext cx="436338" cy="215444"/>
+            <a:off x="1380181" y="3178864"/>
+            <a:ext cx="1634155" cy="121550"/>
           </a:xfrm>
-          <a:prstGeom prst="rect">
-            <a:avLst/>
-          </a:prstGeom>
-          <a:noFill/>
-        </p:spPr>
-        <p:txBody>
-          <a:bodyPr wrap="square" rtlCol="0">
-            <a:spAutoFit/>
-          </a:bodyPr>
-          <a:lstStyle/>
-          <a:p>
-            <a:r>
-              <a:rPr lang="en-US" sz="800" dirty="0"/>
-              <a:t>(a)</a:t>
-            </a:r>
-          </a:p>
-        </p:txBody>
-      </p:sp>
-      <p:sp>
-        <p:nvSpPr>
-          <p:cNvPr id="67" name="TextBox 66">
-            <a:extLst>
-              <a:ext uri="{FF2B5EF4-FFF2-40B4-BE49-F238E27FC236}">
-                <a16:creationId xmlns:a16="http://schemas.microsoft.com/office/drawing/2014/main" id="{0B9B1825-05CA-ACA7-CDB5-52F44943A90A}"/>
-              </a:ext>
-            </a:extLst>
-          </p:cNvPr>
-          <p:cNvSpPr txBox="1"/>
-          <p:nvPr/>
-        </p:nvSpPr>
-        <p:spPr>
-          <a:xfrm>
-            <a:off x="5440654" y="4606328"/>
-            <a:ext cx="436338" cy="215444"/>
-          </a:xfrm>
-          <a:prstGeom prst="rect">
-            <a:avLst/>
-          </a:prstGeom>
-          <a:noFill/>
-        </p:spPr>
-        <p:txBody>
-          <a:bodyPr wrap="square" rtlCol="0">
-            <a:spAutoFit/>
-          </a:bodyPr>
-          <a:lstStyle/>
-          <a:p>
-            <a:r>
-              <a:rPr lang="en-US" sz="800" dirty="0"/>
-              <a:t>(b)</a:t>
-            </a:r>
-          </a:p>
-        </p:txBody>
-      </p:sp>
-      <p:sp>
-        <p:nvSpPr>
-          <p:cNvPr id="69" name="TextBox 68">
-            <a:extLst>
-              <a:ext uri="{FF2B5EF4-FFF2-40B4-BE49-F238E27FC236}">
-                <a16:creationId xmlns:a16="http://schemas.microsoft.com/office/drawing/2014/main" id="{C4FA8106-8A72-7253-4D23-2EBCA5D43546}"/>
-              </a:ext>
-            </a:extLst>
-          </p:cNvPr>
-          <p:cNvSpPr txBox="1"/>
-          <p:nvPr/>
-        </p:nvSpPr>
-        <p:spPr>
-          <a:xfrm>
-            <a:off x="6836015" y="4606328"/>
-            <a:ext cx="436338" cy="215444"/>
-          </a:xfrm>
-          <a:prstGeom prst="rect">
-            <a:avLst/>
-          </a:prstGeom>
-          <a:noFill/>
-        </p:spPr>
-        <p:txBody>
-          <a:bodyPr wrap="square" rtlCol="0">
-            <a:spAutoFit/>
-          </a:bodyPr>
-          <a:lstStyle/>
-          <a:p>
-            <a:r>
-              <a:rPr lang="en-US" sz="800" dirty="0"/>
-              <a:t>(d)</a:t>
-            </a:r>
-          </a:p>
-        </p:txBody>
-      </p:sp>
-      <p:sp>
-        <p:nvSpPr>
-          <p:cNvPr id="27" name="TextBox 26">
-            <a:extLst>
-              <a:ext uri="{FF2B5EF4-FFF2-40B4-BE49-F238E27FC236}">
-                <a16:creationId xmlns:a16="http://schemas.microsoft.com/office/drawing/2014/main" id="{485F405A-D549-D527-E616-17BCA346758E}"/>
-              </a:ext>
-            </a:extLst>
-          </p:cNvPr>
-          <p:cNvSpPr txBox="1"/>
-          <p:nvPr/>
-        </p:nvSpPr>
-        <p:spPr>
-          <a:xfrm>
-            <a:off x="8931852" y="2359147"/>
-            <a:ext cx="436338" cy="215444"/>
-          </a:xfrm>
-          <a:prstGeom prst="rect">
-            <a:avLst/>
-          </a:prstGeom>
-          <a:noFill/>
-        </p:spPr>
-        <p:txBody>
-          <a:bodyPr wrap="square" rtlCol="0">
-            <a:spAutoFit/>
-          </a:bodyPr>
-          <a:lstStyle/>
-          <a:p>
-            <a:r>
-              <a:rPr lang="en-US" sz="800" dirty="0"/>
-              <a:t>(e)</a:t>
-            </a:r>
-          </a:p>
-        </p:txBody>
-      </p:sp>
-      <p:pic>
-        <p:nvPicPr>
-          <p:cNvPr id="2058" name="Picture 10">
-            <a:extLst>
-              <a:ext uri="{FF2B5EF4-FFF2-40B4-BE49-F238E27FC236}">
-                <a16:creationId xmlns:a16="http://schemas.microsoft.com/office/drawing/2014/main" id="{77E3A30E-C891-CAB8-29F5-704B1CD1C1EE}"/>
-              </a:ext>
-            </a:extLst>
-          </p:cNvPr>
-          <p:cNvPicPr>
-            <a:picLocks noChangeAspect="1" noChangeArrowheads="1"/>
-          </p:cNvPicPr>
-          <p:nvPr/>
-        </p:nvPicPr>
-        <p:blipFill>
-          <a:blip r:embed="rId3">
-            <a:extLst>
-              <a:ext uri="{28A0092B-C50C-407E-A947-70E740481C1C}">
-                <a14:useLocalDpi xmlns:a14="http://schemas.microsoft.com/office/drawing/2010/main" val="0"/>
-              </a:ext>
-            </a:extLst>
-          </a:blip>
-          <a:srcRect/>
-          <a:stretch>
-            <a:fillRect/>
-          </a:stretch>
-        </p:blipFill>
-        <p:spPr bwMode="auto">
-          <a:xfrm>
-            <a:off x="1428125" y="1924878"/>
-            <a:ext cx="2093604" cy="904822"/>
-          </a:xfrm>
-          <a:prstGeom prst="rect">
-            <a:avLst/>
-          </a:prstGeom>
-          <a:noFill/>
-          <a:extLst>
-            <a:ext uri="{909E8E84-426E-40DD-AFC4-6F175D3DCCD1}">
-              <a14:hiddenFill xmlns:a14="http://schemas.microsoft.com/office/drawing/2010/main">
-                <a:solidFill>
-                  <a:srgbClr val="FFFFFF"/>
-                </a:solidFill>
-              </a14:hiddenFill>
-            </a:ext>
-          </a:extLst>
-        </p:spPr>
-      </p:pic>
-      <p:sp>
-        <p:nvSpPr>
-          <p:cNvPr id="58" name="Rectangle 57">
-            <a:extLst>
-              <a:ext uri="{FF2B5EF4-FFF2-40B4-BE49-F238E27FC236}">
-                <a16:creationId xmlns:a16="http://schemas.microsoft.com/office/drawing/2014/main" id="{972F3C26-7F2F-DE25-F867-044C44BAEC9A}"/>
-              </a:ext>
-            </a:extLst>
-          </p:cNvPr>
-          <p:cNvSpPr/>
-          <p:nvPr/>
-        </p:nvSpPr>
-        <p:spPr>
-          <a:xfrm>
-            <a:off x="6101145" y="1513150"/>
-            <a:ext cx="2093604" cy="1950621"/>
-          </a:xfrm>
-          <a:prstGeom prst="roundRect">
+          <a:prstGeom prst="wedgeRoundRectCallout">
             <a:avLst>
-              <a:gd name="adj" fmla="val 1421"/>
+              <a:gd name="adj1" fmla="val 892"/>
+              <a:gd name="adj2" fmla="val 83421"/>
+              <a:gd name="adj3" fmla="val 16667"/>
             </a:avLst>
           </a:prstGeom>
           <a:solidFill>
-            <a:schemeClr val="lt1">
-              <a:alpha val="77934"/>
+            <a:schemeClr val="tx2">
+              <a:lumMod val="20000"/>
+              <a:lumOff val="80000"/>
             </a:schemeClr>
           </a:solidFill>
           <a:ln>
             <a:solidFill>
-              <a:schemeClr val="bg1">
-                <a:lumMod val="85000"/>
+              <a:schemeClr val="tx2">
+                <a:lumMod val="60000"/>
+                <a:lumOff val="40000"/>
               </a:schemeClr>
-            </a:solidFill>
-          </a:ln>
-        </p:spPr>
-        <p:style>
-          <a:lnRef idx="2">
-            <a:schemeClr val="accent6"/>
-          </a:lnRef>
-          <a:fillRef idx="1">
-            <a:schemeClr val="lt1"/>
-          </a:fillRef>
-          <a:effectRef idx="0">
-            <a:schemeClr val="accent6"/>
-          </a:effectRef>
-          <a:fontRef idx="minor">
-            <a:schemeClr val="dk1"/>
-          </a:fontRef>
-        </p:style>
-        <p:txBody>
-          <a:bodyPr lIns="640080" rtlCol="0" anchor="ctr"/>
-          <a:lstStyle/>
-          <a:p>
-            <a:pPr algn="ctr"/>
-            <a:endParaRPr lang="en-US" dirty="0"/>
-          </a:p>
-        </p:txBody>
-      </p:sp>
-      <p:grpSp>
-        <p:nvGrpSpPr>
-          <p:cNvPr id="3" name="Group 2">
-            <a:extLst>
-              <a:ext uri="{FF2B5EF4-FFF2-40B4-BE49-F238E27FC236}">
-                <a16:creationId xmlns:a16="http://schemas.microsoft.com/office/drawing/2014/main" id="{E25911FB-2963-BF40-4EF5-05A78EE2CA67}"/>
-              </a:ext>
-            </a:extLst>
-          </p:cNvPr>
-          <p:cNvGrpSpPr>
-            <a:grpSpLocks noChangeAspect="1"/>
-          </p:cNvGrpSpPr>
-          <p:nvPr/>
-        </p:nvGrpSpPr>
-        <p:grpSpPr>
-          <a:xfrm>
-            <a:off x="6118231" y="1527222"/>
-            <a:ext cx="2052709" cy="690445"/>
-            <a:chOff x="2516582" y="1337636"/>
-            <a:chExt cx="4982987" cy="1676067"/>
-          </a:xfrm>
-        </p:grpSpPr>
-        <p:pic>
-          <p:nvPicPr>
-            <p:cNvPr id="34" name="Picture 33" descr="A picture containing text, outdoor, bird, colorful&#10;&#10;Description automatically generated">
-              <a:extLst>
-                <a:ext uri="{FF2B5EF4-FFF2-40B4-BE49-F238E27FC236}">
-                  <a16:creationId xmlns:a16="http://schemas.microsoft.com/office/drawing/2014/main" id="{4A25181C-16CD-DBE2-557B-A9B66506ADAB}"/>
-                </a:ext>
-              </a:extLst>
-            </p:cNvPr>
-            <p:cNvPicPr>
-              <a:picLocks noChangeAspect="1"/>
-            </p:cNvPicPr>
-            <p:nvPr/>
-          </p:nvPicPr>
-          <p:blipFill>
-            <a:blip r:embed="rId4"/>
-            <a:stretch>
-              <a:fillRect/>
-            </a:stretch>
-          </p:blipFill>
-          <p:spPr>
-            <a:xfrm>
-              <a:off x="2516582" y="1337636"/>
-              <a:ext cx="1719316" cy="1673006"/>
-            </a:xfrm>
-            <a:prstGeom prst="rect">
-              <a:avLst/>
-            </a:prstGeom>
-          </p:spPr>
-        </p:pic>
-        <p:pic>
-          <p:nvPicPr>
-            <p:cNvPr id="44" name="Picture 43" descr="A picture containing text, tree, outdoor, weapon&#10;&#10;Description automatically generated">
-              <a:extLst>
-                <a:ext uri="{FF2B5EF4-FFF2-40B4-BE49-F238E27FC236}">
-                  <a16:creationId xmlns:a16="http://schemas.microsoft.com/office/drawing/2014/main" id="{F5E2354E-242D-55F9-2B16-27773DC05099}"/>
-                </a:ext>
-              </a:extLst>
-            </p:cNvPr>
-            <p:cNvPicPr>
-              <a:picLocks noChangeAspect="1"/>
-            </p:cNvPicPr>
-            <p:nvPr/>
-          </p:nvPicPr>
-          <p:blipFill>
-            <a:blip r:embed="rId5"/>
-            <a:stretch>
-              <a:fillRect/>
-            </a:stretch>
-          </p:blipFill>
-          <p:spPr>
-            <a:xfrm>
-              <a:off x="4190474" y="1340698"/>
-              <a:ext cx="1673005" cy="1673005"/>
-            </a:xfrm>
-            <a:prstGeom prst="rect">
-              <a:avLst/>
-            </a:prstGeom>
-          </p:spPr>
-        </p:pic>
-        <p:pic>
-          <p:nvPicPr>
-            <p:cNvPr id="62" name="Picture 61" descr="A picture containing grass, bird, tree, gallinaceous bird&#10;&#10;Description automatically generated">
-              <a:extLst>
-                <a:ext uri="{FF2B5EF4-FFF2-40B4-BE49-F238E27FC236}">
-                  <a16:creationId xmlns:a16="http://schemas.microsoft.com/office/drawing/2014/main" id="{7981BDB3-4572-E2C6-0493-48FAB8F2E17A}"/>
-                </a:ext>
-              </a:extLst>
-            </p:cNvPr>
-            <p:cNvPicPr>
-              <a:picLocks noChangeAspect="1"/>
-            </p:cNvPicPr>
-            <p:nvPr/>
-          </p:nvPicPr>
-          <p:blipFill>
-            <a:blip r:embed="rId6"/>
-            <a:stretch>
-              <a:fillRect/>
-            </a:stretch>
-          </p:blipFill>
-          <p:spPr>
-            <a:xfrm>
-              <a:off x="5803935" y="1340697"/>
-              <a:ext cx="1695634" cy="1673006"/>
-            </a:xfrm>
-            <a:prstGeom prst="rect">
-              <a:avLst/>
-            </a:prstGeom>
-          </p:spPr>
-        </p:pic>
-      </p:grpSp>
-      <p:sp>
-        <p:nvSpPr>
-          <p:cNvPr id="26" name="TextBox 25">
-            <a:extLst>
-              <a:ext uri="{FF2B5EF4-FFF2-40B4-BE49-F238E27FC236}">
-                <a16:creationId xmlns:a16="http://schemas.microsoft.com/office/drawing/2014/main" id="{C42EC5AF-F473-DD5F-42EE-FBC02F34F1D8}"/>
-              </a:ext>
-            </a:extLst>
-          </p:cNvPr>
-          <p:cNvSpPr txBox="1"/>
-          <p:nvPr/>
-        </p:nvSpPr>
-        <p:spPr>
-          <a:xfrm>
-            <a:off x="6836015" y="3422461"/>
-            <a:ext cx="355030" cy="215444"/>
-          </a:xfrm>
-          <a:prstGeom prst="rect">
-            <a:avLst/>
-          </a:prstGeom>
-          <a:noFill/>
-        </p:spPr>
-        <p:txBody>
-          <a:bodyPr wrap="square" rtlCol="0">
-            <a:spAutoFit/>
-          </a:bodyPr>
-          <a:lstStyle/>
-          <a:p>
-            <a:r>
-              <a:rPr lang="en-US" sz="800" dirty="0"/>
-              <a:t>(c)</a:t>
-            </a:r>
-          </a:p>
-        </p:txBody>
-      </p:sp>
-      <p:sp>
-        <p:nvSpPr>
-          <p:cNvPr id="11" name="Rounded Rectangle 10">
-            <a:extLst>
-              <a:ext uri="{FF2B5EF4-FFF2-40B4-BE49-F238E27FC236}">
-                <a16:creationId xmlns:a16="http://schemas.microsoft.com/office/drawing/2014/main" id="{B7A2C694-0D10-081E-7BBF-C0FEE3E3A3A2}"/>
-              </a:ext>
-            </a:extLst>
-          </p:cNvPr>
-          <p:cNvSpPr/>
-          <p:nvPr/>
-        </p:nvSpPr>
-        <p:spPr>
-          <a:xfrm>
-            <a:off x="6127644" y="2750828"/>
-            <a:ext cx="2041437" cy="689185"/>
-          </a:xfrm>
-          <a:prstGeom prst="roundRect">
-            <a:avLst>
-              <a:gd name="adj" fmla="val 4598"/>
-            </a:avLst>
-          </a:prstGeom>
-          <a:solidFill>
-            <a:schemeClr val="accent2">
-              <a:lumMod val="40000"/>
-              <a:lumOff val="60000"/>
-            </a:schemeClr>
-          </a:solidFill>
-          <a:ln>
-            <a:solidFill>
-              <a:schemeClr val="accent2"/>
             </a:solidFill>
           </a:ln>
         </p:spPr>
@@ -5208,10 +5285,10 @@
       </p:sp>
       <p:sp>
         <p:nvSpPr>
-          <p:cNvPr id="9" name="Rounded Rectangle 8">
-            <a:extLst>
-              <a:ext uri="{FF2B5EF4-FFF2-40B4-BE49-F238E27FC236}">
-                <a16:creationId xmlns:a16="http://schemas.microsoft.com/office/drawing/2014/main" id="{64A7E786-B73E-778E-04E7-C84AB3997368}"/>
+          <p:cNvPr id="5" name="Down Arrow 4">
+            <a:extLst>
+              <a:ext uri="{FF2B5EF4-FFF2-40B4-BE49-F238E27FC236}">
+                <a16:creationId xmlns:a16="http://schemas.microsoft.com/office/drawing/2014/main" id="{F4B3E17A-C871-1657-F31B-3DC4A4E356A7}"/>
               </a:ext>
             </a:extLst>
           </p:cNvPr>
@@ -5219,24 +5296,81 @@
           <p:nvPr/>
         </p:nvSpPr>
         <p:spPr>
+          <a:xfrm rot="10800000">
+            <a:off x="3507303" y="3468320"/>
+            <a:ext cx="210568" cy="113032"/>
+          </a:xfrm>
+          <a:prstGeom prst="downArrow">
+            <a:avLst/>
+          </a:prstGeom>
+          <a:solidFill>
+            <a:schemeClr val="tx2">
+              <a:lumMod val="60000"/>
+              <a:lumOff val="40000"/>
+            </a:schemeClr>
+          </a:solidFill>
+        </p:spPr>
+        <p:style>
+          <a:lnRef idx="2">
+            <a:schemeClr val="accent1">
+              <a:shade val="50000"/>
+            </a:schemeClr>
+          </a:lnRef>
+          <a:fillRef idx="1">
+            <a:schemeClr val="accent1"/>
+          </a:fillRef>
+          <a:effectRef idx="0">
+            <a:schemeClr val="accent1"/>
+          </a:effectRef>
+          <a:fontRef idx="minor">
+            <a:schemeClr val="lt1"/>
+          </a:fontRef>
+        </p:style>
+        <p:txBody>
+          <a:bodyPr rtlCol="0" anchor="ctr"/>
+          <a:lstStyle/>
+          <a:p>
+            <a:pPr algn="ctr"/>
+            <a:endParaRPr lang="en-US" dirty="0"/>
+          </a:p>
+        </p:txBody>
+      </p:sp>
+      <p:sp>
+        <p:nvSpPr>
+          <p:cNvPr id="6" name="Rounded Rectangular Callout 5">
+            <a:extLst>
+              <a:ext uri="{FF2B5EF4-FFF2-40B4-BE49-F238E27FC236}">
+                <a16:creationId xmlns:a16="http://schemas.microsoft.com/office/drawing/2014/main" id="{CD7A10B0-DB15-6434-6921-3A2F61A38098}"/>
+              </a:ext>
+            </a:extLst>
+          </p:cNvPr>
+          <p:cNvSpPr/>
+          <p:nvPr/>
+        </p:nvSpPr>
+        <p:spPr>
           <a:xfrm>
-            <a:off x="6127068" y="2222150"/>
-            <a:ext cx="2041437" cy="504920"/>
+            <a:off x="3152406" y="3098846"/>
+            <a:ext cx="1620451" cy="209714"/>
           </a:xfrm>
-          <a:prstGeom prst="roundRect">
+          <a:prstGeom prst="wedgeRoundRectCallout">
             <a:avLst>
-              <a:gd name="adj" fmla="val 6923"/>
+              <a:gd name="adj1" fmla="val -22629"/>
+              <a:gd name="adj2" fmla="val 72835"/>
+              <a:gd name="adj3" fmla="val 16667"/>
             </a:avLst>
           </a:prstGeom>
           <a:solidFill>
-            <a:schemeClr val="accent1">
-              <a:lumMod val="40000"/>
-              <a:lumOff val="60000"/>
+            <a:schemeClr val="accent6">
+              <a:lumMod val="20000"/>
+              <a:lumOff val="80000"/>
             </a:schemeClr>
           </a:solidFill>
           <a:ln>
             <a:solidFill>
-              <a:schemeClr val="accent1"/>
+              <a:schemeClr val="accent6">
+                <a:lumMod val="40000"/>
+                <a:lumOff val="60000"/>
+              </a:schemeClr>
             </a:solidFill>
           </a:ln>
         </p:spPr>
@@ -5267,10 +5401,207 @@
       </p:sp>
       <p:sp>
         <p:nvSpPr>
-          <p:cNvPr id="20" name="TextBox 19">
-            <a:extLst>
-              <a:ext uri="{FF2B5EF4-FFF2-40B4-BE49-F238E27FC236}">
-                <a16:creationId xmlns:a16="http://schemas.microsoft.com/office/drawing/2014/main" id="{02602E48-5194-392A-F578-236E53DB1565}"/>
+          <p:cNvPr id="7" name="Rounded Rectangle 6">
+            <a:extLst>
+              <a:ext uri="{FF2B5EF4-FFF2-40B4-BE49-F238E27FC236}">
+                <a16:creationId xmlns:a16="http://schemas.microsoft.com/office/drawing/2014/main" id="{DE193225-FA26-A475-3D09-2779D6DAB39C}"/>
+              </a:ext>
+            </a:extLst>
+          </p:cNvPr>
+          <p:cNvSpPr/>
+          <p:nvPr/>
+        </p:nvSpPr>
+        <p:spPr>
+          <a:xfrm>
+            <a:off x="1342011" y="3068537"/>
+            <a:ext cx="3488607" cy="1532420"/>
+          </a:xfrm>
+          <a:prstGeom prst="roundRect">
+            <a:avLst>
+              <a:gd name="adj" fmla="val 4390"/>
+            </a:avLst>
+          </a:prstGeom>
+          <a:solidFill>
+            <a:schemeClr val="accent5">
+              <a:lumMod val="20000"/>
+              <a:lumOff val="80000"/>
+              <a:alpha val="19135"/>
+            </a:schemeClr>
+          </a:solidFill>
+          <a:ln>
+            <a:solidFill>
+              <a:schemeClr val="accent1">
+                <a:lumMod val="60000"/>
+                <a:lumOff val="40000"/>
+              </a:schemeClr>
+            </a:solidFill>
+          </a:ln>
+        </p:spPr>
+        <p:style>
+          <a:lnRef idx="2">
+            <a:schemeClr val="accent1">
+              <a:shade val="50000"/>
+            </a:schemeClr>
+          </a:lnRef>
+          <a:fillRef idx="1">
+            <a:schemeClr val="accent1"/>
+          </a:fillRef>
+          <a:effectRef idx="0">
+            <a:schemeClr val="accent1"/>
+          </a:effectRef>
+          <a:fontRef idx="minor">
+            <a:schemeClr val="lt1"/>
+          </a:fontRef>
+        </p:style>
+        <p:txBody>
+          <a:bodyPr rtlCol="0" anchor="ctr"/>
+          <a:lstStyle/>
+          <a:p>
+            <a:pPr algn="ctr"/>
+            <a:endParaRPr lang="en-US"/>
+          </a:p>
+        </p:txBody>
+      </p:sp>
+      <p:sp>
+        <p:nvSpPr>
+          <p:cNvPr id="8" name="Down Arrow 7">
+            <a:extLst>
+              <a:ext uri="{FF2B5EF4-FFF2-40B4-BE49-F238E27FC236}">
+                <a16:creationId xmlns:a16="http://schemas.microsoft.com/office/drawing/2014/main" id="{04B27B36-9995-1A4A-14A5-B11AE30D7630}"/>
+              </a:ext>
+            </a:extLst>
+          </p:cNvPr>
+          <p:cNvSpPr/>
+          <p:nvPr/>
+        </p:nvSpPr>
+        <p:spPr>
+          <a:xfrm>
+            <a:off x="2808009" y="4105670"/>
+            <a:ext cx="210568" cy="166113"/>
+          </a:xfrm>
+          <a:prstGeom prst="downArrow">
+            <a:avLst/>
+          </a:prstGeom>
+          <a:solidFill>
+            <a:schemeClr val="tx2">
+              <a:lumMod val="60000"/>
+              <a:lumOff val="40000"/>
+            </a:schemeClr>
+          </a:solidFill>
+        </p:spPr>
+        <p:style>
+          <a:lnRef idx="2">
+            <a:schemeClr val="accent1">
+              <a:shade val="50000"/>
+            </a:schemeClr>
+          </a:lnRef>
+          <a:fillRef idx="1">
+            <a:schemeClr val="accent1"/>
+          </a:fillRef>
+          <a:effectRef idx="0">
+            <a:schemeClr val="accent1"/>
+          </a:effectRef>
+          <a:fontRef idx="minor">
+            <a:schemeClr val="lt1"/>
+          </a:fontRef>
+        </p:style>
+        <p:txBody>
+          <a:bodyPr rtlCol="0" anchor="ctr"/>
+          <a:lstStyle/>
+          <a:p>
+            <a:pPr algn="ctr"/>
+            <a:endParaRPr lang="en-US"/>
+          </a:p>
+        </p:txBody>
+      </p:sp>
+      <p:sp>
+        <p:nvSpPr>
+          <p:cNvPr id="9" name="Down Arrow 8">
+            <a:extLst>
+              <a:ext uri="{FF2B5EF4-FFF2-40B4-BE49-F238E27FC236}">
+                <a16:creationId xmlns:a16="http://schemas.microsoft.com/office/drawing/2014/main" id="{41E7F809-6757-DB23-678B-701592334641}"/>
+              </a:ext>
+            </a:extLst>
+          </p:cNvPr>
+          <p:cNvSpPr/>
+          <p:nvPr/>
+        </p:nvSpPr>
+        <p:spPr>
+          <a:xfrm rot="10800000">
+            <a:off x="2091521" y="3485327"/>
+            <a:ext cx="210568" cy="113032"/>
+          </a:xfrm>
+          <a:prstGeom prst="downArrow">
+            <a:avLst/>
+          </a:prstGeom>
+          <a:solidFill>
+            <a:schemeClr val="tx2">
+              <a:lumMod val="60000"/>
+              <a:lumOff val="40000"/>
+            </a:schemeClr>
+          </a:solidFill>
+        </p:spPr>
+        <p:style>
+          <a:lnRef idx="2">
+            <a:schemeClr val="accent1">
+              <a:shade val="50000"/>
+            </a:schemeClr>
+          </a:lnRef>
+          <a:fillRef idx="1">
+            <a:schemeClr val="accent1"/>
+          </a:fillRef>
+          <a:effectRef idx="0">
+            <a:schemeClr val="accent1"/>
+          </a:effectRef>
+          <a:fontRef idx="minor">
+            <a:schemeClr val="lt1"/>
+          </a:fontRef>
+        </p:style>
+        <p:txBody>
+          <a:bodyPr rtlCol="0" anchor="ctr"/>
+          <a:lstStyle/>
+          <a:p>
+            <a:pPr algn="ctr"/>
+            <a:endParaRPr lang="en-US" dirty="0"/>
+          </a:p>
+        </p:txBody>
+      </p:sp>
+      <p:pic>
+        <p:nvPicPr>
+          <p:cNvPr id="10" name="Picture 9">
+            <a:extLst>
+              <a:ext uri="{FF2B5EF4-FFF2-40B4-BE49-F238E27FC236}">
+                <a16:creationId xmlns:a16="http://schemas.microsoft.com/office/drawing/2014/main" id="{5F3B44F5-A419-D429-9B04-DF64B361EDC0}"/>
+              </a:ext>
+            </a:extLst>
+          </p:cNvPr>
+          <p:cNvPicPr>
+            <a:picLocks noChangeAspect="1"/>
+          </p:cNvPicPr>
+          <p:nvPr/>
+        </p:nvPicPr>
+        <p:blipFill>
+          <a:blip r:embed="rId3"/>
+          <a:stretch>
+            <a:fillRect/>
+          </a:stretch>
+        </p:blipFill>
+        <p:spPr>
+          <a:xfrm>
+            <a:off x="2635580" y="3850696"/>
+            <a:ext cx="367170" cy="37264"/>
+          </a:xfrm>
+          <a:prstGeom prst="rect">
+            <a:avLst/>
+          </a:prstGeom>
+        </p:spPr>
+      </p:pic>
+      <p:sp>
+        <p:nvSpPr>
+          <p:cNvPr id="11" name="TextBox 10">
+            <a:extLst>
+              <a:ext uri="{FF2B5EF4-FFF2-40B4-BE49-F238E27FC236}">
+                <a16:creationId xmlns:a16="http://schemas.microsoft.com/office/drawing/2014/main" id="{1901FCD0-E9C3-83C6-0BFF-02D7A05CD174}"/>
               </a:ext>
             </a:extLst>
           </p:cNvPr>
@@ -5279,8 +5610,8 @@
         </p:nvSpPr>
         <p:spPr>
           <a:xfrm>
-            <a:off x="6096255" y="2192020"/>
-            <a:ext cx="1032487" cy="215444"/>
+            <a:off x="3318577" y="3265060"/>
+            <a:ext cx="635110" cy="261610"/>
           </a:xfrm>
           <a:prstGeom prst="rect">
             <a:avLst/>
@@ -5288,30 +5619,120 @@
           <a:noFill/>
         </p:spPr>
         <p:txBody>
-          <a:bodyPr wrap="square" rtlCol="0">
+          <a:bodyPr wrap="none" rtlCol="0">
             <a:spAutoFit/>
           </a:bodyPr>
           <a:lstStyle/>
           <a:p>
             <a:r>
-              <a:rPr lang="en-US" sz="800" b="1" dirty="0">
-                <a:solidFill>
-                  <a:schemeClr val="bg2">
-                    <a:lumMod val="10000"/>
-                  </a:schemeClr>
-                </a:solidFill>
-              </a:rPr>
-              <a:t>Biased Blackbox</a:t>
-            </a:r>
-          </a:p>
-        </p:txBody>
-      </p:sp>
-      <p:sp>
-        <p:nvSpPr>
-          <p:cNvPr id="21" name="TextBox 20">
-            <a:extLst>
-              <a:ext uri="{FF2B5EF4-FFF2-40B4-BE49-F238E27FC236}">
-                <a16:creationId xmlns:a16="http://schemas.microsoft.com/office/drawing/2014/main" id="{0A3B9A76-BBF9-C674-B9E4-C3B672F94E38}"/>
+              <a:rPr lang="en-US" sz="1100" b="1" dirty="0"/>
+              <a:t>Expert6</a:t>
+            </a:r>
+          </a:p>
+        </p:txBody>
+      </p:sp>
+      <p:sp>
+        <p:nvSpPr>
+          <p:cNvPr id="12" name="Right Brace 11">
+            <a:extLst>
+              <a:ext uri="{FF2B5EF4-FFF2-40B4-BE49-F238E27FC236}">
+                <a16:creationId xmlns:a16="http://schemas.microsoft.com/office/drawing/2014/main" id="{2435AD10-3A58-3CC7-F174-6B8A7D12BDC2}"/>
+              </a:ext>
+            </a:extLst>
+          </p:cNvPr>
+          <p:cNvSpPr/>
+          <p:nvPr/>
+        </p:nvSpPr>
+        <p:spPr>
+          <a:xfrm rot="16200000">
+            <a:off x="3528419" y="3013608"/>
+            <a:ext cx="150121" cy="1156730"/>
+          </a:xfrm>
+          <a:prstGeom prst="rightBrace">
+            <a:avLst>
+              <a:gd name="adj1" fmla="val 38126"/>
+              <a:gd name="adj2" fmla="val 50787"/>
+            </a:avLst>
+          </a:prstGeom>
+          <a:ln w="22225"/>
+        </p:spPr>
+        <p:style>
+          <a:lnRef idx="1">
+            <a:schemeClr val="dk1"/>
+          </a:lnRef>
+          <a:fillRef idx="0">
+            <a:schemeClr val="dk1"/>
+          </a:fillRef>
+          <a:effectRef idx="0">
+            <a:schemeClr val="dk1"/>
+          </a:effectRef>
+          <a:fontRef idx="minor">
+            <a:schemeClr val="tx1"/>
+          </a:fontRef>
+        </p:style>
+        <p:txBody>
+          <a:bodyPr rtlCol="0" anchor="ctr"/>
+          <a:lstStyle/>
+          <a:p>
+            <a:pPr algn="ctr"/>
+            <a:endParaRPr lang="en-US"/>
+          </a:p>
+        </p:txBody>
+      </p:sp>
+      <p:sp>
+        <p:nvSpPr>
+          <p:cNvPr id="13" name="Right Brace 12">
+            <a:extLst>
+              <a:ext uri="{FF2B5EF4-FFF2-40B4-BE49-F238E27FC236}">
+                <a16:creationId xmlns:a16="http://schemas.microsoft.com/office/drawing/2014/main" id="{4822105A-9A76-EE40-E7FA-FDC90900524A}"/>
+              </a:ext>
+            </a:extLst>
+          </p:cNvPr>
+          <p:cNvSpPr/>
+          <p:nvPr/>
+        </p:nvSpPr>
+        <p:spPr>
+          <a:xfrm rot="5400000">
+            <a:off x="2847986" y="2889353"/>
+            <a:ext cx="179914" cy="2443524"/>
+          </a:xfrm>
+          <a:prstGeom prst="rightBrace">
+            <a:avLst>
+              <a:gd name="adj1" fmla="val 55792"/>
+              <a:gd name="adj2" fmla="val 51012"/>
+            </a:avLst>
+          </a:prstGeom>
+          <a:ln w="22225"/>
+        </p:spPr>
+        <p:style>
+          <a:lnRef idx="1">
+            <a:schemeClr val="dk1"/>
+          </a:lnRef>
+          <a:fillRef idx="0">
+            <a:schemeClr val="dk1"/>
+          </a:fillRef>
+          <a:effectRef idx="0">
+            <a:schemeClr val="dk1"/>
+          </a:effectRef>
+          <a:fontRef idx="minor">
+            <a:schemeClr val="tx1"/>
+          </a:fontRef>
+        </p:style>
+        <p:txBody>
+          <a:bodyPr rtlCol="0" anchor="ctr"/>
+          <a:lstStyle/>
+          <a:p>
+            <a:pPr algn="ctr"/>
+            <a:endParaRPr lang="en-US"/>
+          </a:p>
+        </p:txBody>
+      </p:sp>
+      <p:sp>
+        <p:nvSpPr>
+          <p:cNvPr id="14" name="TextBox 13">
+            <a:extLst>
+              <a:ext uri="{FF2B5EF4-FFF2-40B4-BE49-F238E27FC236}">
+                <a16:creationId xmlns:a16="http://schemas.microsoft.com/office/drawing/2014/main" id="{E8C54E3A-31B4-2A52-5058-C93F5C028783}"/>
               </a:ext>
             </a:extLst>
           </p:cNvPr>
@@ -5320,8 +5741,8 @@
         </p:nvSpPr>
         <p:spPr>
           <a:xfrm>
-            <a:off x="6101145" y="2718314"/>
-            <a:ext cx="1298799" cy="215444"/>
+            <a:off x="2209166" y="4226719"/>
+            <a:ext cx="1823268" cy="276999"/>
           </a:xfrm>
           <a:prstGeom prst="rect">
             <a:avLst/>
@@ -5335,18 +5756,301 @@
           <a:lstStyle/>
           <a:p>
             <a:r>
-              <a:rPr lang="en-US" sz="800" b="1" dirty="0"/>
-              <a:t>Robust Blackbox</a:t>
+              <a:rPr lang="en-US" sz="1200" b="1" dirty="0"/>
+              <a:t>Baseline (PCBM + ELEN)</a:t>
             </a:r>
           </a:p>
         </p:txBody>
       </p:sp>
       <p:pic>
         <p:nvPicPr>
-          <p:cNvPr id="14" name="Picture 13">
-            <a:extLst>
-              <a:ext uri="{FF2B5EF4-FFF2-40B4-BE49-F238E27FC236}">
-                <a16:creationId xmlns:a16="http://schemas.microsoft.com/office/drawing/2014/main" id="{A1A98B15-5800-AF98-CCD8-D9BB17379239}"/>
+          <p:cNvPr id="15" name="Picture 14" descr="A close up of a person's face&#10;&#10;Description automatically generated with medium confidence">
+            <a:extLst>
+              <a:ext uri="{FF2B5EF4-FFF2-40B4-BE49-F238E27FC236}">
+                <a16:creationId xmlns:a16="http://schemas.microsoft.com/office/drawing/2014/main" id="{39DE8D69-963F-6054-E573-B0557BF5F788}"/>
+              </a:ext>
+            </a:extLst>
+          </p:cNvPr>
+          <p:cNvPicPr>
+            <a:picLocks noChangeAspect="1"/>
+          </p:cNvPicPr>
+          <p:nvPr/>
+        </p:nvPicPr>
+        <p:blipFill>
+          <a:blip r:embed="rId4"/>
+          <a:stretch>
+            <a:fillRect/>
+          </a:stretch>
+        </p:blipFill>
+        <p:spPr>
+          <a:xfrm>
+            <a:off x="3612283" y="3615759"/>
+            <a:ext cx="488398" cy="458504"/>
+          </a:xfrm>
+          <a:prstGeom prst="rect">
+            <a:avLst/>
+          </a:prstGeom>
+        </p:spPr>
+      </p:pic>
+      <p:pic>
+        <p:nvPicPr>
+          <p:cNvPr id="16" name="Picture 15" descr="A close-up of a person's eye&#10;&#10;Description automatically generated with low confidence">
+            <a:extLst>
+              <a:ext uri="{FF2B5EF4-FFF2-40B4-BE49-F238E27FC236}">
+                <a16:creationId xmlns:a16="http://schemas.microsoft.com/office/drawing/2014/main" id="{4857D502-48C2-9755-4F3F-67B62189AEDB}"/>
+              </a:ext>
+            </a:extLst>
+          </p:cNvPr>
+          <p:cNvPicPr>
+            <a:picLocks noChangeAspect="1"/>
+          </p:cNvPicPr>
+          <p:nvPr/>
+        </p:nvPicPr>
+        <p:blipFill>
+          <a:blip r:embed="rId5"/>
+          <a:stretch>
+            <a:fillRect/>
+          </a:stretch>
+        </p:blipFill>
+        <p:spPr>
+          <a:xfrm>
+            <a:off x="3119272" y="3615759"/>
+            <a:ext cx="488398" cy="458504"/>
+          </a:xfrm>
+          <a:prstGeom prst="rect">
+            <a:avLst/>
+          </a:prstGeom>
+        </p:spPr>
+      </p:pic>
+      <p:pic>
+        <p:nvPicPr>
+          <p:cNvPr id="17" name="Picture 16" descr="A close up of a person's face&#10;&#10;Description automatically generated with low confidence">
+            <a:extLst>
+              <a:ext uri="{FF2B5EF4-FFF2-40B4-BE49-F238E27FC236}">
+                <a16:creationId xmlns:a16="http://schemas.microsoft.com/office/drawing/2014/main" id="{957889C0-BD3D-4ACD-357A-177AF9EC35F7}"/>
+              </a:ext>
+            </a:extLst>
+          </p:cNvPr>
+          <p:cNvPicPr>
+            <a:picLocks noChangeAspect="1"/>
+          </p:cNvPicPr>
+          <p:nvPr/>
+        </p:nvPicPr>
+        <p:blipFill>
+          <a:blip r:embed="rId6"/>
+          <a:stretch>
+            <a:fillRect/>
+          </a:stretch>
+        </p:blipFill>
+        <p:spPr>
+          <a:xfrm>
+            <a:off x="1862490" y="3637291"/>
+            <a:ext cx="488398" cy="458504"/>
+          </a:xfrm>
+          <a:prstGeom prst="rect">
+            <a:avLst/>
+          </a:prstGeom>
+        </p:spPr>
+      </p:pic>
+      <p:sp>
+        <p:nvSpPr>
+          <p:cNvPr id="18" name="Right Brace 17">
+            <a:extLst>
+              <a:ext uri="{FF2B5EF4-FFF2-40B4-BE49-F238E27FC236}">
+                <a16:creationId xmlns:a16="http://schemas.microsoft.com/office/drawing/2014/main" id="{D79B7221-ED86-440E-FCAA-8CBE4F6FB86F}"/>
+              </a:ext>
+            </a:extLst>
+          </p:cNvPr>
+          <p:cNvSpPr/>
+          <p:nvPr/>
+        </p:nvSpPr>
+        <p:spPr>
+          <a:xfrm rot="16200000">
+            <a:off x="2120702" y="3124896"/>
+            <a:ext cx="131164" cy="967457"/>
+          </a:xfrm>
+          <a:prstGeom prst="rightBrace">
+            <a:avLst>
+              <a:gd name="adj1" fmla="val 54832"/>
+              <a:gd name="adj2" fmla="val 50787"/>
+            </a:avLst>
+          </a:prstGeom>
+          <a:ln w="22225"/>
+        </p:spPr>
+        <p:style>
+          <a:lnRef idx="1">
+            <a:schemeClr val="dk1"/>
+          </a:lnRef>
+          <a:fillRef idx="0">
+            <a:schemeClr val="dk1"/>
+          </a:fillRef>
+          <a:effectRef idx="0">
+            <a:schemeClr val="dk1"/>
+          </a:effectRef>
+          <a:fontRef idx="minor">
+            <a:schemeClr val="tx1"/>
+          </a:fontRef>
+        </p:style>
+        <p:txBody>
+          <a:bodyPr rtlCol="0" anchor="ctr"/>
+          <a:lstStyle/>
+          <a:p>
+            <a:pPr algn="ctr"/>
+            <a:endParaRPr lang="en-US"/>
+          </a:p>
+        </p:txBody>
+      </p:sp>
+      <p:sp>
+        <p:nvSpPr>
+          <p:cNvPr id="19" name="TextBox 18">
+            <a:extLst>
+              <a:ext uri="{FF2B5EF4-FFF2-40B4-BE49-F238E27FC236}">
+                <a16:creationId xmlns:a16="http://schemas.microsoft.com/office/drawing/2014/main" id="{009C10EC-7841-C5A9-FF41-7C8240A3A1A4}"/>
+              </a:ext>
+            </a:extLst>
+          </p:cNvPr>
+          <p:cNvSpPr txBox="1"/>
+          <p:nvPr/>
+        </p:nvSpPr>
+        <p:spPr>
+          <a:xfrm>
+            <a:off x="1862490" y="3265060"/>
+            <a:ext cx="635110" cy="261610"/>
+          </a:xfrm>
+          <a:prstGeom prst="rect">
+            <a:avLst/>
+          </a:prstGeom>
+          <a:noFill/>
+        </p:spPr>
+        <p:txBody>
+          <a:bodyPr wrap="none" rtlCol="0">
+            <a:spAutoFit/>
+          </a:bodyPr>
+          <a:lstStyle/>
+          <a:p>
+            <a:r>
+              <a:rPr lang="en-US" sz="1100" b="1" dirty="0"/>
+              <a:t>Expert3</a:t>
+            </a:r>
+          </a:p>
+        </p:txBody>
+      </p:sp>
+      <p:sp>
+        <p:nvSpPr>
+          <p:cNvPr id="26" name="Down Arrow 25">
+            <a:extLst>
+              <a:ext uri="{FF2B5EF4-FFF2-40B4-BE49-F238E27FC236}">
+                <a16:creationId xmlns:a16="http://schemas.microsoft.com/office/drawing/2014/main" id="{42CF03AC-35D9-8625-27A7-40C62671AE75}"/>
+              </a:ext>
+            </a:extLst>
+          </p:cNvPr>
+          <p:cNvSpPr/>
+          <p:nvPr/>
+        </p:nvSpPr>
+        <p:spPr>
+          <a:xfrm rot="10800000">
+            <a:off x="3529993" y="2044031"/>
+            <a:ext cx="227332" cy="111248"/>
+          </a:xfrm>
+          <a:prstGeom prst="downArrow">
+            <a:avLst/>
+          </a:prstGeom>
+          <a:solidFill>
+            <a:schemeClr val="tx2">
+              <a:lumMod val="60000"/>
+              <a:lumOff val="40000"/>
+            </a:schemeClr>
+          </a:solidFill>
+        </p:spPr>
+        <p:style>
+          <a:lnRef idx="2">
+            <a:schemeClr val="accent1">
+              <a:shade val="50000"/>
+            </a:schemeClr>
+          </a:lnRef>
+          <a:fillRef idx="1">
+            <a:schemeClr val="accent1"/>
+          </a:fillRef>
+          <a:effectRef idx="0">
+            <a:schemeClr val="accent1"/>
+          </a:effectRef>
+          <a:fontRef idx="minor">
+            <a:schemeClr val="lt1"/>
+          </a:fontRef>
+        </p:style>
+        <p:txBody>
+          <a:bodyPr rtlCol="0" anchor="ctr"/>
+          <a:lstStyle/>
+          <a:p>
+            <a:pPr algn="ctr"/>
+            <a:endParaRPr lang="en-US"/>
+          </a:p>
+        </p:txBody>
+      </p:sp>
+      <p:sp>
+        <p:nvSpPr>
+          <p:cNvPr id="27" name="Rounded Rectangle 26">
+            <a:extLst>
+              <a:ext uri="{FF2B5EF4-FFF2-40B4-BE49-F238E27FC236}">
+                <a16:creationId xmlns:a16="http://schemas.microsoft.com/office/drawing/2014/main" id="{378439E7-8A02-133E-DE61-D402ED9E9C96}"/>
+              </a:ext>
+            </a:extLst>
+          </p:cNvPr>
+          <p:cNvSpPr/>
+          <p:nvPr/>
+        </p:nvSpPr>
+        <p:spPr>
+          <a:xfrm>
+            <a:off x="1347786" y="1216238"/>
+            <a:ext cx="3482832" cy="1820247"/>
+          </a:xfrm>
+          <a:prstGeom prst="roundRect">
+            <a:avLst>
+              <a:gd name="adj" fmla="val 4390"/>
+            </a:avLst>
+          </a:prstGeom>
+          <a:solidFill>
+            <a:srgbClr val="EDE9ED">
+              <a:alpha val="12941"/>
+            </a:srgbClr>
+          </a:solidFill>
+          <a:ln>
+            <a:solidFill>
+              <a:srgbClr val="ED9B1E"/>
+            </a:solidFill>
+          </a:ln>
+        </p:spPr>
+        <p:style>
+          <a:lnRef idx="2">
+            <a:schemeClr val="accent1">
+              <a:shade val="50000"/>
+            </a:schemeClr>
+          </a:lnRef>
+          <a:fillRef idx="1">
+            <a:schemeClr val="accent1"/>
+          </a:fillRef>
+          <a:effectRef idx="0">
+            <a:schemeClr val="accent1"/>
+          </a:effectRef>
+          <a:fontRef idx="minor">
+            <a:schemeClr val="lt1"/>
+          </a:fontRef>
+        </p:style>
+        <p:txBody>
+          <a:bodyPr rtlCol="0" anchor="ctr"/>
+          <a:lstStyle/>
+          <a:p>
+            <a:pPr algn="ctr"/>
+            <a:endParaRPr lang="en-US"/>
+          </a:p>
+        </p:txBody>
+      </p:sp>
+      <p:pic>
+        <p:nvPicPr>
+          <p:cNvPr id="28" name="Picture 27" descr="A picture containing different&#10;&#10;Description automatically generated">
+            <a:extLst>
+              <a:ext uri="{FF2B5EF4-FFF2-40B4-BE49-F238E27FC236}">
+                <a16:creationId xmlns:a16="http://schemas.microsoft.com/office/drawing/2014/main" id="{5326D000-C899-A937-100C-A39241ACF71D}"/>
               </a:ext>
             </a:extLst>
           </p:cNvPr>
@@ -5363,8 +6067,8 @@
         </p:blipFill>
         <p:spPr>
           <a:xfrm>
-            <a:off x="6184128" y="2377289"/>
-            <a:ext cx="1925645" cy="277805"/>
+            <a:off x="2283432" y="2165311"/>
+            <a:ext cx="492216" cy="462089"/>
           </a:xfrm>
           <a:prstGeom prst="rect">
             <a:avLst/>
@@ -5373,10 +6077,10 @@
       </p:pic>
       <p:pic>
         <p:nvPicPr>
-          <p:cNvPr id="4" name="Picture 3">
-            <a:extLst>
-              <a:ext uri="{FF2B5EF4-FFF2-40B4-BE49-F238E27FC236}">
-                <a16:creationId xmlns:a16="http://schemas.microsoft.com/office/drawing/2014/main" id="{2708454C-8EDC-BF87-7A19-C050C88B1D33}"/>
+          <p:cNvPr id="29" name="Picture 28" descr="A close up of a person's skin&#10;&#10;Description automatically generated with low confidence">
+            <a:extLst>
+              <a:ext uri="{FF2B5EF4-FFF2-40B4-BE49-F238E27FC236}">
+                <a16:creationId xmlns:a16="http://schemas.microsoft.com/office/drawing/2014/main" id="{E851F3F0-1A63-63B7-6563-3FDEFD6C5370}"/>
               </a:ext>
             </a:extLst>
           </p:cNvPr>
@@ -5393,8 +6097,8 @@
         </p:blipFill>
         <p:spPr>
           <a:xfrm>
-            <a:off x="6184645" y="2889328"/>
-            <a:ext cx="1984436" cy="475119"/>
+            <a:off x="1750824" y="2167844"/>
+            <a:ext cx="492216" cy="462089"/>
           </a:xfrm>
           <a:prstGeom prst="rect">
             <a:avLst/>
@@ -5403,10 +6107,10 @@
       </p:pic>
       <p:pic>
         <p:nvPicPr>
-          <p:cNvPr id="5" name="Picture 4" descr="Chart, bar chart&#10;&#10;Description automatically generated">
-            <a:extLst>
-              <a:ext uri="{FF2B5EF4-FFF2-40B4-BE49-F238E27FC236}">
-                <a16:creationId xmlns:a16="http://schemas.microsoft.com/office/drawing/2014/main" id="{1F043EB3-92F6-CD2D-5FD5-9176F79D7D09}"/>
+          <p:cNvPr id="30" name="Picture 29" descr="A close up of a cat&#10;&#10;Description automatically generated with low confidence">
+            <a:extLst>
+              <a:ext uri="{FF2B5EF4-FFF2-40B4-BE49-F238E27FC236}">
+                <a16:creationId xmlns:a16="http://schemas.microsoft.com/office/drawing/2014/main" id="{C38DF8AA-1761-5EE8-FAC0-FF14AB1F1AB6}"/>
               </a:ext>
             </a:extLst>
           </p:cNvPr>
@@ -5423,20 +6127,403 @@
         </p:blipFill>
         <p:spPr>
           <a:xfrm>
-            <a:off x="4763455" y="1527222"/>
-            <a:ext cx="1335255" cy="1451660"/>
+            <a:off x="3478137" y="2168143"/>
+            <a:ext cx="492216" cy="462089"/>
           </a:xfrm>
           <a:prstGeom prst="rect">
             <a:avLst/>
           </a:prstGeom>
         </p:spPr>
       </p:pic>
+      <p:sp>
+        <p:nvSpPr>
+          <p:cNvPr id="31" name="Down Arrow 30">
+            <a:extLst>
+              <a:ext uri="{FF2B5EF4-FFF2-40B4-BE49-F238E27FC236}">
+                <a16:creationId xmlns:a16="http://schemas.microsoft.com/office/drawing/2014/main" id="{B5ECDD82-2EE9-B875-345D-861538239847}"/>
+              </a:ext>
+            </a:extLst>
+          </p:cNvPr>
+          <p:cNvSpPr/>
+          <p:nvPr/>
+        </p:nvSpPr>
+        <p:spPr>
+          <a:xfrm>
+            <a:off x="2809502" y="2627400"/>
+            <a:ext cx="210568" cy="122000"/>
+          </a:xfrm>
+          <a:prstGeom prst="downArrow">
+            <a:avLst/>
+          </a:prstGeom>
+          <a:solidFill>
+            <a:schemeClr val="tx2">
+              <a:lumMod val="60000"/>
+              <a:lumOff val="40000"/>
+            </a:schemeClr>
+          </a:solidFill>
+        </p:spPr>
+        <p:style>
+          <a:lnRef idx="2">
+            <a:schemeClr val="accent1">
+              <a:shade val="50000"/>
+            </a:schemeClr>
+          </a:lnRef>
+          <a:fillRef idx="1">
+            <a:schemeClr val="accent1"/>
+          </a:fillRef>
+          <a:effectRef idx="0">
+            <a:schemeClr val="accent1"/>
+          </a:effectRef>
+          <a:fontRef idx="minor">
+            <a:schemeClr val="lt1"/>
+          </a:fontRef>
+        </p:style>
+        <p:txBody>
+          <a:bodyPr rtlCol="0" anchor="ctr"/>
+          <a:lstStyle/>
+          <a:p>
+            <a:pPr algn="ctr"/>
+            <a:endParaRPr lang="en-US"/>
+          </a:p>
+        </p:txBody>
+      </p:sp>
+      <p:sp>
+        <p:nvSpPr>
+          <p:cNvPr id="32" name="Down Arrow 31">
+            <a:extLst>
+              <a:ext uri="{FF2B5EF4-FFF2-40B4-BE49-F238E27FC236}">
+                <a16:creationId xmlns:a16="http://schemas.microsoft.com/office/drawing/2014/main" id="{296B4569-94ED-85BB-DE49-89C3D3FE2338}"/>
+              </a:ext>
+            </a:extLst>
+          </p:cNvPr>
+          <p:cNvSpPr/>
+          <p:nvPr/>
+        </p:nvSpPr>
+        <p:spPr>
+          <a:xfrm rot="10800000">
+            <a:off x="2190905" y="2040458"/>
+            <a:ext cx="227332" cy="111248"/>
+          </a:xfrm>
+          <a:prstGeom prst="downArrow">
+            <a:avLst/>
+          </a:prstGeom>
+          <a:solidFill>
+            <a:schemeClr val="tx2">
+              <a:lumMod val="60000"/>
+              <a:lumOff val="40000"/>
+            </a:schemeClr>
+          </a:solidFill>
+        </p:spPr>
+        <p:style>
+          <a:lnRef idx="2">
+            <a:schemeClr val="accent1">
+              <a:shade val="50000"/>
+            </a:schemeClr>
+          </a:lnRef>
+          <a:fillRef idx="1">
+            <a:schemeClr val="accent1"/>
+          </a:fillRef>
+          <a:effectRef idx="0">
+            <a:schemeClr val="accent1"/>
+          </a:effectRef>
+          <a:fontRef idx="minor">
+            <a:schemeClr val="lt1"/>
+          </a:fontRef>
+        </p:style>
+        <p:txBody>
+          <a:bodyPr rtlCol="0" anchor="ctr"/>
+          <a:lstStyle/>
+          <a:p>
+            <a:pPr algn="ctr"/>
+            <a:endParaRPr lang="en-US"/>
+          </a:p>
+        </p:txBody>
+      </p:sp>
       <p:pic>
         <p:nvPicPr>
-          <p:cNvPr id="7" name="Picture 6" descr="Chart, bar chart&#10;&#10;Description automatically generated">
-            <a:extLst>
-              <a:ext uri="{FF2B5EF4-FFF2-40B4-BE49-F238E27FC236}">
-                <a16:creationId xmlns:a16="http://schemas.microsoft.com/office/drawing/2014/main" id="{A86D8A0F-56F9-46AA-36D7-C7B742BFF18B}"/>
+          <p:cNvPr id="33" name="Picture 32">
+            <a:extLst>
+              <a:ext uri="{FF2B5EF4-FFF2-40B4-BE49-F238E27FC236}">
+                <a16:creationId xmlns:a16="http://schemas.microsoft.com/office/drawing/2014/main" id="{1720263E-70F4-BBBA-615C-B510C491D8E8}"/>
+              </a:ext>
+            </a:extLst>
+          </p:cNvPr>
+          <p:cNvPicPr>
+            <a:picLocks noChangeAspect="1"/>
+          </p:cNvPicPr>
+          <p:nvPr/>
+        </p:nvPicPr>
+        <p:blipFill>
+          <a:blip r:embed="rId3"/>
+          <a:stretch>
+            <a:fillRect/>
+          </a:stretch>
+        </p:blipFill>
+        <p:spPr>
+          <a:xfrm>
+            <a:off x="2817416" y="2358877"/>
+            <a:ext cx="367170" cy="37264"/>
+          </a:xfrm>
+          <a:prstGeom prst="rect">
+            <a:avLst/>
+          </a:prstGeom>
+        </p:spPr>
+      </p:pic>
+      <p:sp>
+        <p:nvSpPr>
+          <p:cNvPr id="34" name="TextBox 33">
+            <a:extLst>
+              <a:ext uri="{FF2B5EF4-FFF2-40B4-BE49-F238E27FC236}">
+                <a16:creationId xmlns:a16="http://schemas.microsoft.com/office/drawing/2014/main" id="{D75CE2D2-CCE7-654E-40B2-25BC1C0AD6F8}"/>
+              </a:ext>
+            </a:extLst>
+          </p:cNvPr>
+          <p:cNvSpPr txBox="1"/>
+          <p:nvPr/>
+        </p:nvSpPr>
+        <p:spPr>
+          <a:xfrm>
+            <a:off x="3365955" y="1849652"/>
+            <a:ext cx="635110" cy="261610"/>
+          </a:xfrm>
+          <a:prstGeom prst="rect">
+            <a:avLst/>
+          </a:prstGeom>
+          <a:noFill/>
+        </p:spPr>
+        <p:txBody>
+          <a:bodyPr wrap="none" rtlCol="0">
+            <a:spAutoFit/>
+          </a:bodyPr>
+          <a:lstStyle/>
+          <a:p>
+            <a:r>
+              <a:rPr lang="en-US" sz="1100" b="1" dirty="0"/>
+              <a:t>Expert5</a:t>
+            </a:r>
+          </a:p>
+        </p:txBody>
+      </p:sp>
+      <p:sp>
+        <p:nvSpPr>
+          <p:cNvPr id="35" name="Right Brace 34">
+            <a:extLst>
+              <a:ext uri="{FF2B5EF4-FFF2-40B4-BE49-F238E27FC236}">
+                <a16:creationId xmlns:a16="http://schemas.microsoft.com/office/drawing/2014/main" id="{731F4451-E57C-A43B-F9C7-970046C0CFBC}"/>
+              </a:ext>
+            </a:extLst>
+          </p:cNvPr>
+          <p:cNvSpPr/>
+          <p:nvPr/>
+        </p:nvSpPr>
+        <p:spPr>
+          <a:xfrm rot="16200000">
+            <a:off x="3548942" y="1642292"/>
+            <a:ext cx="164807" cy="1048384"/>
+          </a:xfrm>
+          <a:prstGeom prst="rightBrace">
+            <a:avLst>
+              <a:gd name="adj1" fmla="val 45811"/>
+              <a:gd name="adj2" fmla="val 50787"/>
+            </a:avLst>
+          </a:prstGeom>
+          <a:ln w="22225"/>
+        </p:spPr>
+        <p:style>
+          <a:lnRef idx="1">
+            <a:schemeClr val="dk1"/>
+          </a:lnRef>
+          <a:fillRef idx="0">
+            <a:schemeClr val="dk1"/>
+          </a:fillRef>
+          <a:effectRef idx="0">
+            <a:schemeClr val="dk1"/>
+          </a:effectRef>
+          <a:fontRef idx="minor">
+            <a:schemeClr val="tx1"/>
+          </a:fontRef>
+        </p:style>
+        <p:txBody>
+          <a:bodyPr rtlCol="0" anchor="ctr"/>
+          <a:lstStyle/>
+          <a:p>
+            <a:pPr algn="ctr"/>
+            <a:endParaRPr lang="en-US"/>
+          </a:p>
+        </p:txBody>
+      </p:sp>
+      <p:sp>
+        <p:nvSpPr>
+          <p:cNvPr id="36" name="Right Brace 35">
+            <a:extLst>
+              <a:ext uri="{FF2B5EF4-FFF2-40B4-BE49-F238E27FC236}">
+                <a16:creationId xmlns:a16="http://schemas.microsoft.com/office/drawing/2014/main" id="{CC592EAF-99C1-D2F9-2FF8-0274BFDF0367}"/>
+              </a:ext>
+            </a:extLst>
+          </p:cNvPr>
+          <p:cNvSpPr/>
+          <p:nvPr/>
+        </p:nvSpPr>
+        <p:spPr>
+          <a:xfrm rot="5400000">
+            <a:off x="2853414" y="1409010"/>
+            <a:ext cx="179914" cy="2443524"/>
+          </a:xfrm>
+          <a:prstGeom prst="rightBrace">
+            <a:avLst>
+              <a:gd name="adj1" fmla="val 45305"/>
+              <a:gd name="adj2" fmla="val 51012"/>
+            </a:avLst>
+          </a:prstGeom>
+          <a:ln w="22225"/>
+        </p:spPr>
+        <p:style>
+          <a:lnRef idx="1">
+            <a:schemeClr val="dk1"/>
+          </a:lnRef>
+          <a:fillRef idx="0">
+            <a:schemeClr val="dk1"/>
+          </a:fillRef>
+          <a:effectRef idx="0">
+            <a:schemeClr val="dk1"/>
+          </a:effectRef>
+          <a:fontRef idx="minor">
+            <a:schemeClr val="tx1"/>
+          </a:fontRef>
+        </p:style>
+        <p:txBody>
+          <a:bodyPr rtlCol="0" anchor="ctr"/>
+          <a:lstStyle/>
+          <a:p>
+            <a:pPr algn="ctr"/>
+            <a:endParaRPr lang="en-US" dirty="0"/>
+          </a:p>
+        </p:txBody>
+      </p:sp>
+      <p:sp>
+        <p:nvSpPr>
+          <p:cNvPr id="37" name="TextBox 36">
+            <a:extLst>
+              <a:ext uri="{FF2B5EF4-FFF2-40B4-BE49-F238E27FC236}">
+                <a16:creationId xmlns:a16="http://schemas.microsoft.com/office/drawing/2014/main" id="{247978F2-775B-EA61-9CA7-2A08C013398E}"/>
+              </a:ext>
+            </a:extLst>
+          </p:cNvPr>
+          <p:cNvSpPr txBox="1"/>
+          <p:nvPr/>
+        </p:nvSpPr>
+        <p:spPr>
+          <a:xfrm>
+            <a:off x="2241672" y="2707685"/>
+            <a:ext cx="1717790" cy="261610"/>
+          </a:xfrm>
+          <a:prstGeom prst="rect">
+            <a:avLst/>
+          </a:prstGeom>
+          <a:noFill/>
+        </p:spPr>
+        <p:txBody>
+          <a:bodyPr wrap="square" rtlCol="0">
+            <a:spAutoFit/>
+          </a:bodyPr>
+          <a:lstStyle/>
+          <a:p>
+            <a:r>
+              <a:rPr lang="en-US" sz="1100" b="1" dirty="0"/>
+              <a:t>Baseline (PCBM + ELEN)</a:t>
+            </a:r>
+          </a:p>
+        </p:txBody>
+      </p:sp>
+      <p:sp>
+        <p:nvSpPr>
+          <p:cNvPr id="38" name="Right Brace 37">
+            <a:extLst>
+              <a:ext uri="{FF2B5EF4-FFF2-40B4-BE49-F238E27FC236}">
+                <a16:creationId xmlns:a16="http://schemas.microsoft.com/office/drawing/2014/main" id="{ED5F68C6-3E60-9FF8-2A92-6EF05F67340C}"/>
+              </a:ext>
+            </a:extLst>
+          </p:cNvPr>
+          <p:cNvSpPr/>
+          <p:nvPr/>
+        </p:nvSpPr>
+        <p:spPr>
+          <a:xfrm rot="16200000">
+            <a:off x="2224044" y="1592275"/>
+            <a:ext cx="134112" cy="1138979"/>
+          </a:xfrm>
+          <a:prstGeom prst="rightBrace">
+            <a:avLst>
+              <a:gd name="adj1" fmla="val 40218"/>
+              <a:gd name="adj2" fmla="val 50787"/>
+            </a:avLst>
+          </a:prstGeom>
+          <a:ln w="22225"/>
+        </p:spPr>
+        <p:style>
+          <a:lnRef idx="1">
+            <a:schemeClr val="dk1"/>
+          </a:lnRef>
+          <a:fillRef idx="0">
+            <a:schemeClr val="dk1"/>
+          </a:fillRef>
+          <a:effectRef idx="0">
+            <a:schemeClr val="dk1"/>
+          </a:effectRef>
+          <a:fontRef idx="minor">
+            <a:schemeClr val="tx1"/>
+          </a:fontRef>
+        </p:style>
+        <p:txBody>
+          <a:bodyPr rtlCol="0" anchor="ctr"/>
+          <a:lstStyle/>
+          <a:p>
+            <a:pPr algn="ctr"/>
+            <a:endParaRPr lang="en-US"/>
+          </a:p>
+        </p:txBody>
+      </p:sp>
+      <p:sp>
+        <p:nvSpPr>
+          <p:cNvPr id="39" name="TextBox 38">
+            <a:extLst>
+              <a:ext uri="{FF2B5EF4-FFF2-40B4-BE49-F238E27FC236}">
+                <a16:creationId xmlns:a16="http://schemas.microsoft.com/office/drawing/2014/main" id="{4D64B8D1-1B2A-5617-45E7-D2EC17182380}"/>
+              </a:ext>
+            </a:extLst>
+          </p:cNvPr>
+          <p:cNvSpPr txBox="1"/>
+          <p:nvPr/>
+        </p:nvSpPr>
+        <p:spPr>
+          <a:xfrm>
+            <a:off x="2014635" y="1868356"/>
+            <a:ext cx="635110" cy="261610"/>
+          </a:xfrm>
+          <a:prstGeom prst="rect">
+            <a:avLst/>
+          </a:prstGeom>
+          <a:noFill/>
+        </p:spPr>
+        <p:txBody>
+          <a:bodyPr wrap="none" rtlCol="0">
+            <a:spAutoFit/>
+          </a:bodyPr>
+          <a:lstStyle/>
+          <a:p>
+            <a:r>
+              <a:rPr lang="en-US" sz="1100" b="1" dirty="0"/>
+              <a:t>Expert3</a:t>
+            </a:r>
+          </a:p>
+        </p:txBody>
+      </p:sp>
+      <p:pic>
+        <p:nvPicPr>
+          <p:cNvPr id="40" name="Picture 39">
+            <a:extLst>
+              <a:ext uri="{FF2B5EF4-FFF2-40B4-BE49-F238E27FC236}">
+                <a16:creationId xmlns:a16="http://schemas.microsoft.com/office/drawing/2014/main" id="{77B6C791-B8D9-666F-1CA1-7382714A8ABC}"/>
               </a:ext>
             </a:extLst>
           </p:cNvPr>
@@ -5453,20 +6540,148 @@
         </p:blipFill>
         <p:spPr>
           <a:xfrm>
-            <a:off x="4842692" y="3238704"/>
-            <a:ext cx="1256018" cy="1365516"/>
+            <a:off x="6201146" y="2589174"/>
+            <a:ext cx="2609769" cy="109462"/>
           </a:xfrm>
           <a:prstGeom prst="rect">
             <a:avLst/>
           </a:prstGeom>
         </p:spPr>
       </p:pic>
+      <p:sp>
+        <p:nvSpPr>
+          <p:cNvPr id="45" name="Rounded Rectangular Callout 44">
+            <a:extLst>
+              <a:ext uri="{FF2B5EF4-FFF2-40B4-BE49-F238E27FC236}">
+                <a16:creationId xmlns:a16="http://schemas.microsoft.com/office/drawing/2014/main" id="{754EB6A8-09A4-5119-ACC5-26C7A0E7BEF1}"/>
+              </a:ext>
+            </a:extLst>
+          </p:cNvPr>
+          <p:cNvSpPr/>
+          <p:nvPr/>
+        </p:nvSpPr>
+        <p:spPr>
+          <a:xfrm>
+            <a:off x="1379286" y="1248906"/>
+            <a:ext cx="3418827" cy="506140"/>
+          </a:xfrm>
+          <a:prstGeom prst="wedgeRoundRectCallout">
+            <a:avLst>
+              <a:gd name="adj1" fmla="val 16766"/>
+              <a:gd name="adj2" fmla="val 84268"/>
+              <a:gd name="adj3" fmla="val 16667"/>
+            </a:avLst>
+          </a:prstGeom>
+          <a:solidFill>
+            <a:schemeClr val="accent2">
+              <a:lumMod val="20000"/>
+              <a:lumOff val="80000"/>
+            </a:schemeClr>
+          </a:solidFill>
+          <a:ln>
+            <a:solidFill>
+              <a:schemeClr val="accent2">
+                <a:lumMod val="40000"/>
+                <a:lumOff val="60000"/>
+              </a:schemeClr>
+            </a:solidFill>
+          </a:ln>
+        </p:spPr>
+        <p:style>
+          <a:lnRef idx="2">
+            <a:schemeClr val="accent1">
+              <a:shade val="50000"/>
+            </a:schemeClr>
+          </a:lnRef>
+          <a:fillRef idx="1">
+            <a:schemeClr val="accent1"/>
+          </a:fillRef>
+          <a:effectRef idx="0">
+            <a:schemeClr val="accent1"/>
+          </a:effectRef>
+          <a:fontRef idx="minor">
+            <a:schemeClr val="lt1"/>
+          </a:fontRef>
+        </p:style>
+        <p:txBody>
+          <a:bodyPr rtlCol="0" anchor="ctr"/>
+          <a:lstStyle/>
+          <a:p>
+            <a:pPr algn="ctr"/>
+            <a:endParaRPr lang="en-US" dirty="0"/>
+          </a:p>
+        </p:txBody>
+      </p:sp>
+      <p:sp>
+        <p:nvSpPr>
+          <p:cNvPr id="43" name="Rounded Rectangular Callout 42">
+            <a:extLst>
+              <a:ext uri="{FF2B5EF4-FFF2-40B4-BE49-F238E27FC236}">
+                <a16:creationId xmlns:a16="http://schemas.microsoft.com/office/drawing/2014/main" id="{CFF16F7C-791E-6418-B801-E7097E9BB11C}"/>
+              </a:ext>
+            </a:extLst>
+          </p:cNvPr>
+          <p:cNvSpPr/>
+          <p:nvPr/>
+        </p:nvSpPr>
+        <p:spPr>
+          <a:xfrm>
+            <a:off x="1402947" y="1787098"/>
+            <a:ext cx="1638625" cy="129226"/>
+          </a:xfrm>
+          <a:prstGeom prst="wedgeRoundRectCallout">
+            <a:avLst>
+              <a:gd name="adj1" fmla="val 2453"/>
+              <a:gd name="adj2" fmla="val 68891"/>
+              <a:gd name="adj3" fmla="val 16667"/>
+            </a:avLst>
+          </a:prstGeom>
+          <a:solidFill>
+            <a:schemeClr val="accent4">
+              <a:lumMod val="20000"/>
+              <a:lumOff val="80000"/>
+            </a:schemeClr>
+          </a:solidFill>
+          <a:ln>
+            <a:solidFill>
+              <a:schemeClr val="accent4">
+                <a:lumMod val="40000"/>
+                <a:lumOff val="60000"/>
+              </a:schemeClr>
+            </a:solidFill>
+          </a:ln>
+        </p:spPr>
+        <p:style>
+          <a:lnRef idx="2">
+            <a:schemeClr val="accent1">
+              <a:shade val="50000"/>
+            </a:schemeClr>
+          </a:lnRef>
+          <a:fillRef idx="1">
+            <a:schemeClr val="accent1"/>
+          </a:fillRef>
+          <a:effectRef idx="0">
+            <a:schemeClr val="accent1"/>
+          </a:effectRef>
+          <a:fontRef idx="minor">
+            <a:schemeClr val="lt1"/>
+          </a:fontRef>
+        </p:style>
+        <p:txBody>
+          <a:bodyPr rtlCol="0" anchor="ctr"/>
+          <a:lstStyle/>
+          <a:p>
+            <a:pPr algn="ctr"/>
+            <a:endParaRPr lang="en-US"/>
+          </a:p>
+        </p:txBody>
+      </p:sp>
       <p:pic>
         <p:nvPicPr>
-          <p:cNvPr id="13" name="Picture 12" descr="Chart, bar chart&#10;&#10;Description automatically generated">
-            <a:extLst>
-              <a:ext uri="{FF2B5EF4-FFF2-40B4-BE49-F238E27FC236}">
-                <a16:creationId xmlns:a16="http://schemas.microsoft.com/office/drawing/2014/main" id="{453820A8-6BC0-DFD8-C301-E9B33ADEC253}"/>
+          <p:cNvPr id="2" name="Picture 1">
+            <a:extLst>
+              <a:ext uri="{FF2B5EF4-FFF2-40B4-BE49-F238E27FC236}">
+                <a16:creationId xmlns:a16="http://schemas.microsoft.com/office/drawing/2014/main" id="{A3754237-E1C1-8431-1CB4-26E67AF73575}"/>
               </a:ext>
             </a:extLst>
           </p:cNvPr>
@@ -5483,8 +6698,8 @@
         </p:blipFill>
         <p:spPr>
           <a:xfrm>
-            <a:off x="6063393" y="3603958"/>
-            <a:ext cx="2334739" cy="1002370"/>
+            <a:off x="1815924" y="4465098"/>
+            <a:ext cx="2284757" cy="106413"/>
           </a:xfrm>
           <a:prstGeom prst="rect">
             <a:avLst/>
@@ -5493,55 +6708,188 @@
       </p:pic>
       <p:pic>
         <p:nvPicPr>
-          <p:cNvPr id="15" name="Picture 8">
-            <a:extLst>
-              <a:ext uri="{FF2B5EF4-FFF2-40B4-BE49-F238E27FC236}">
-                <a16:creationId xmlns:a16="http://schemas.microsoft.com/office/drawing/2014/main" id="{C35727C8-DCC3-475C-67B7-887B24A23DB8}"/>
+          <p:cNvPr id="3" name="Picture 2">
+            <a:extLst>
+              <a:ext uri="{FF2B5EF4-FFF2-40B4-BE49-F238E27FC236}">
+                <a16:creationId xmlns:a16="http://schemas.microsoft.com/office/drawing/2014/main" id="{A8E166F7-D169-B7D7-4966-40DFDAE6D5A1}"/>
               </a:ext>
             </a:extLst>
           </p:cNvPr>
           <p:cNvPicPr>
-            <a:picLocks noChangeAspect="1" noChangeArrowheads="1"/>
+            <a:picLocks noChangeAspect="1"/>
           </p:cNvPicPr>
           <p:nvPr/>
         </p:nvPicPr>
         <p:blipFill>
-          <a:blip r:embed="rId12">
-            <a:extLst>
-              <a:ext uri="{28A0092B-C50C-407E-A947-70E740481C1C}">
-                <a14:useLocalDpi xmlns:a14="http://schemas.microsoft.com/office/drawing/2010/main" val="0"/>
-              </a:ext>
-            </a:extLst>
-          </a:blip>
-          <a:srcRect/>
+          <a:blip r:embed="rId12"/>
           <a:stretch>
             <a:fillRect/>
           </a:stretch>
         </p:blipFill>
-        <p:spPr bwMode="auto">
+        <p:spPr>
           <a:xfrm>
-            <a:off x="1007427" y="4103733"/>
-            <a:ext cx="1231091" cy="1475466"/>
+            <a:off x="1868266" y="2909523"/>
+            <a:ext cx="2232416" cy="99740"/>
           </a:xfrm>
           <a:prstGeom prst="rect">
             <a:avLst/>
           </a:prstGeom>
-          <a:noFill/>
-          <a:extLst>
-            <a:ext uri="{909E8E84-426E-40DD-AFC4-6F175D3DCCD1}">
-              <a14:hiddenFill xmlns:a14="http://schemas.microsoft.com/office/drawing/2010/main">
-                <a:solidFill>
-                  <a:srgbClr val="FFFFFF"/>
-                </a:solidFill>
-              </a14:hiddenFill>
-            </a:ext>
-          </a:extLst>
+        </p:spPr>
+      </p:pic>
+      <p:pic>
+        <p:nvPicPr>
+          <p:cNvPr id="50" name="Picture 49">
+            <a:extLst>
+              <a:ext uri="{FF2B5EF4-FFF2-40B4-BE49-F238E27FC236}">
+                <a16:creationId xmlns:a16="http://schemas.microsoft.com/office/drawing/2014/main" id="{F3C933FE-EC82-CF61-B1C3-46B2F47689A6}"/>
+              </a:ext>
+            </a:extLst>
+          </p:cNvPr>
+          <p:cNvPicPr>
+            <a:picLocks noChangeAspect="1"/>
+          </p:cNvPicPr>
+          <p:nvPr/>
+        </p:nvPicPr>
+        <p:blipFill>
+          <a:blip r:embed="rId13"/>
+          <a:stretch>
+            <a:fillRect/>
+          </a:stretch>
+        </p:blipFill>
+        <p:spPr>
+          <a:xfrm>
+            <a:off x="6540173" y="3638993"/>
+            <a:ext cx="1044061" cy="142446"/>
+          </a:xfrm>
+          <a:prstGeom prst="rect">
+            <a:avLst/>
+          </a:prstGeom>
+        </p:spPr>
+      </p:pic>
+      <p:pic>
+        <p:nvPicPr>
+          <p:cNvPr id="53" name="Picture 52">
+            <a:extLst>
+              <a:ext uri="{FF2B5EF4-FFF2-40B4-BE49-F238E27FC236}">
+                <a16:creationId xmlns:a16="http://schemas.microsoft.com/office/drawing/2014/main" id="{7AA1F9CF-29CD-1CCB-90C2-B5060E9EA59D}"/>
+              </a:ext>
+            </a:extLst>
+          </p:cNvPr>
+          <p:cNvPicPr>
+            <a:picLocks noChangeAspect="1"/>
+          </p:cNvPicPr>
+          <p:nvPr/>
+        </p:nvPicPr>
+        <p:blipFill>
+          <a:blip r:embed="rId14"/>
+          <a:stretch>
+            <a:fillRect/>
+          </a:stretch>
+        </p:blipFill>
+        <p:spPr>
+          <a:xfrm>
+            <a:off x="1434987" y="1272299"/>
+            <a:ext cx="3063498" cy="446460"/>
+          </a:xfrm>
+          <a:prstGeom prst="rect">
+            <a:avLst/>
+          </a:prstGeom>
+        </p:spPr>
+      </p:pic>
+      <p:pic>
+        <p:nvPicPr>
+          <p:cNvPr id="55" name="Picture 54">
+            <a:extLst>
+              <a:ext uri="{FF2B5EF4-FFF2-40B4-BE49-F238E27FC236}">
+                <a16:creationId xmlns:a16="http://schemas.microsoft.com/office/drawing/2014/main" id="{25DB9F82-2DE9-381C-D5F8-9070DEA38506}"/>
+              </a:ext>
+            </a:extLst>
+          </p:cNvPr>
+          <p:cNvPicPr>
+            <a:picLocks noChangeAspect="1"/>
+          </p:cNvPicPr>
+          <p:nvPr/>
+        </p:nvPicPr>
+        <p:blipFill>
+          <a:blip r:embed="rId15"/>
+          <a:stretch>
+            <a:fillRect/>
+          </a:stretch>
+        </p:blipFill>
+        <p:spPr>
+          <a:xfrm>
+            <a:off x="3184586" y="3097729"/>
+            <a:ext cx="1388988" cy="189505"/>
+          </a:xfrm>
+          <a:prstGeom prst="rect">
+            <a:avLst/>
+          </a:prstGeom>
+        </p:spPr>
+      </p:pic>
+      <p:pic>
+        <p:nvPicPr>
+          <p:cNvPr id="56" name="Picture 55">
+            <a:extLst>
+              <a:ext uri="{FF2B5EF4-FFF2-40B4-BE49-F238E27FC236}">
+                <a16:creationId xmlns:a16="http://schemas.microsoft.com/office/drawing/2014/main" id="{5F0DB4C3-44AE-9487-C280-D430AD23F336}"/>
+              </a:ext>
+            </a:extLst>
+          </p:cNvPr>
+          <p:cNvPicPr>
+            <a:picLocks noChangeAspect="1"/>
+          </p:cNvPicPr>
+          <p:nvPr/>
+        </p:nvPicPr>
+        <p:blipFill>
+          <a:blip r:embed="rId16"/>
+          <a:stretch>
+            <a:fillRect/>
+          </a:stretch>
+        </p:blipFill>
+        <p:spPr>
+          <a:xfrm>
+            <a:off x="1422610" y="3207760"/>
+            <a:ext cx="1485023" cy="79764"/>
+          </a:xfrm>
+          <a:prstGeom prst="rect">
+            <a:avLst/>
+          </a:prstGeom>
+        </p:spPr>
+      </p:pic>
+      <p:pic>
+        <p:nvPicPr>
+          <p:cNvPr id="57" name="Picture 56">
+            <a:extLst>
+              <a:ext uri="{FF2B5EF4-FFF2-40B4-BE49-F238E27FC236}">
+                <a16:creationId xmlns:a16="http://schemas.microsoft.com/office/drawing/2014/main" id="{FC544599-0918-C354-81C0-EBC56F042A32}"/>
+              </a:ext>
+            </a:extLst>
+          </p:cNvPr>
+          <p:cNvPicPr>
+            <a:picLocks noChangeAspect="1"/>
+          </p:cNvPicPr>
+          <p:nvPr/>
+        </p:nvPicPr>
+        <p:blipFill>
+          <a:blip r:embed="rId17"/>
+          <a:stretch>
+            <a:fillRect/>
+          </a:stretch>
+        </p:blipFill>
+        <p:spPr>
+          <a:xfrm>
+            <a:off x="1463767" y="1813551"/>
+            <a:ext cx="1538983" cy="75288"/>
+          </a:xfrm>
+          <a:prstGeom prst="rect">
+            <a:avLst/>
+          </a:prstGeom>
         </p:spPr>
       </p:pic>
     </p:spTree>
     <p:extLst>
       <p:ext uri="{BB962C8B-B14F-4D97-AF65-F5344CB8AC3E}">
-        <p14:creationId xmlns:p14="http://schemas.microsoft.com/office/powerpoint/2010/main" val="4058187839"/>
+        <p14:creationId xmlns:p14="http://schemas.microsoft.com/office/powerpoint/2010/main" val="1305048041"/>
       </p:ext>
     </p:extLst>
   </p:cSld>

--- a/projects/ICML-2023-MoIE/static/images/images.pptx
+++ b/projects/ICML-2023-MoIE/static/images/images.pptx
@@ -8,7 +8,7 @@
     <p:notesMasterId r:id="rId3"/>
   </p:notesMasterIdLst>
   <p:sldIdLst>
-    <p:sldId id="406" r:id="rId2"/>
+    <p:sldId id="420" r:id="rId2"/>
   </p:sldIdLst>
   <p:sldSz cx="12192000" cy="6858000"/>
   <p:notesSz cx="6858000" cy="9144000"/>
@@ -473,1536 +473,6 @@
     </a:lvl9pPr>
   </p:notesStyle>
 </p:notesMaster>
-</file>
-
-<file path=ppt/notesSlides/notesSlide1.xml><?xml version="1.0" encoding="utf-8"?>
-<p:notes xmlns:a="http://schemas.openxmlformats.org/drawingml/2006/main" xmlns:r="http://schemas.openxmlformats.org/officeDocument/2006/relationships" xmlns:p="http://schemas.openxmlformats.org/presentationml/2006/main">
-  <p:cSld>
-    <p:spTree>
-      <p:nvGrpSpPr>
-        <p:cNvPr id="1" name=""/>
-        <p:cNvGrpSpPr/>
-        <p:nvPr/>
-      </p:nvGrpSpPr>
-      <p:grpSpPr>
-        <a:xfrm>
-          <a:off x="0" y="0"/>
-          <a:ext cx="0" cy="0"/>
-          <a:chOff x="0" y="0"/>
-          <a:chExt cx="0" cy="0"/>
-        </a:xfrm>
-      </p:grpSpPr>
-      <p:sp>
-        <p:nvSpPr>
-          <p:cNvPr id="2" name="Slide Image Placeholder 1"/>
-          <p:cNvSpPr>
-            <a:spLocks noGrp="1" noRot="1" noChangeAspect="1"/>
-          </p:cNvSpPr>
-          <p:nvPr>
-            <p:ph type="sldImg"/>
-          </p:nvPr>
-        </p:nvSpPr>
-        <p:spPr/>
-      </p:sp>
-      <p:sp>
-        <p:nvSpPr>
-          <p:cNvPr id="3" name="Notes Placeholder 2"/>
-          <p:cNvSpPr>
-            <a:spLocks noGrp="1"/>
-          </p:cNvSpPr>
-          <p:nvPr>
-            <p:ph type="body" idx="1"/>
-          </p:nvPr>
-        </p:nvSpPr>
-        <p:spPr/>
-        <p:txBody>
-          <a:bodyPr/>
-          <a:lstStyle/>
-          <a:p>
-            <a:r>
-              <a:rPr lang="en-US" dirty="0">
-                <a:solidFill>
-                  <a:srgbClr val="000000"/>
-                </a:solidFill>
-                <a:effectLst/>
-                <a:latin typeface="Monaco" pitchFamily="2" charset="77"/>
-              </a:rPr>
-              <a:t>% Malignant</a:t>
-            </a:r>
-          </a:p>
-          <a:p>
-            <a:r>
-              <a:rPr lang="en-US" dirty="0">
-                <a:solidFill>
-                  <a:srgbClr val="000000"/>
-                </a:solidFill>
-                <a:effectLst/>
-                <a:latin typeface="Monaco" pitchFamily="2" charset="77"/>
-              </a:rPr>
-              <a:t>&amp;\text{\</a:t>
-            </a:r>
-            <a:r>
-              <a:rPr lang="en-US" dirty="0" err="1">
-                <a:solidFill>
-                  <a:srgbClr val="000000"/>
-                </a:solidFill>
-                <a:effectLst/>
-                <a:latin typeface="Monaco" pitchFamily="2" charset="77"/>
-              </a:rPr>
-              <a:t>textbf</a:t>
-            </a:r>
-            <a:r>
-              <a:rPr lang="en-US" dirty="0">
-                <a:solidFill>
-                  <a:srgbClr val="000000"/>
-                </a:solidFill>
-                <a:effectLst/>
-                <a:latin typeface="Monaco" pitchFamily="2" charset="77"/>
-              </a:rPr>
-              <a:t>{Malignant}} \</a:t>
-            </a:r>
-            <a:r>
-              <a:rPr lang="en-US" dirty="0" err="1">
-                <a:solidFill>
-                  <a:srgbClr val="000000"/>
-                </a:solidFill>
-                <a:effectLst/>
-                <a:latin typeface="Monaco" pitchFamily="2" charset="77"/>
-              </a:rPr>
-              <a:t>leftrightarrow</a:t>
-            </a:r>
-            <a:r>
-              <a:rPr lang="en-US" dirty="0">
-                <a:solidFill>
-                  <a:srgbClr val="000000"/>
-                </a:solidFill>
-                <a:effectLst/>
-                <a:latin typeface="Monaco" pitchFamily="2" charset="77"/>
-              </a:rPr>
-              <a:t> \text{</a:t>
-            </a:r>
-            <a:r>
-              <a:rPr lang="en-US" dirty="0" err="1">
-                <a:solidFill>
-                  <a:srgbClr val="000000"/>
-                </a:solidFill>
-                <a:effectLst/>
-                <a:latin typeface="Monaco" pitchFamily="2" charset="77"/>
-              </a:rPr>
-              <a:t>IrregularStreaks</a:t>
-            </a:r>
-            <a:r>
-              <a:rPr lang="en-US" dirty="0">
-                <a:solidFill>
-                  <a:srgbClr val="000000"/>
-                </a:solidFill>
-                <a:effectLst/>
-                <a:latin typeface="Monaco" pitchFamily="2" charset="77"/>
-              </a:rPr>
-              <a:t>} \lor \neg\text{{</a:t>
-            </a:r>
-            <a:r>
-              <a:rPr lang="en-US" dirty="0" err="1">
-                <a:solidFill>
-                  <a:srgbClr val="000000"/>
-                </a:solidFill>
-                <a:effectLst/>
-                <a:latin typeface="Monaco" pitchFamily="2" charset="77"/>
-              </a:rPr>
-              <a:t>RegularDG</a:t>
-            </a:r>
-            <a:r>
-              <a:rPr lang="en-US" dirty="0">
-                <a:solidFill>
-                  <a:srgbClr val="000000"/>
-                </a:solidFill>
-                <a:effectLst/>
-                <a:latin typeface="Monaco" pitchFamily="2" charset="77"/>
-              </a:rPr>
-              <a:t>}}</a:t>
-            </a:r>
-          </a:p>
-          <a:p>
-            <a:pPr marL="0" marR="0" lvl="0" indent="0" algn="l" defTabSz="914400" rtl="0" eaLnBrk="1" fontAlgn="auto" latinLnBrk="0" hangingPunct="1">
-              <a:lnSpc>
-                <a:spcPct val="100000"/>
-              </a:lnSpc>
-              <a:spcBef>
-                <a:spcPts val="0"/>
-              </a:spcBef>
-              <a:spcAft>
-                <a:spcPts val="0"/>
-              </a:spcAft>
-              <a:buClrTx/>
-              <a:buSzTx/>
-              <a:buFontTx/>
-              <a:buNone/>
-              <a:tabLst/>
-              <a:defRPr/>
-            </a:pPr>
-            <a:endParaRPr lang="en-US" dirty="0">
-              <a:solidFill>
-                <a:srgbClr val="000000"/>
-              </a:solidFill>
-              <a:effectLst/>
-              <a:latin typeface="Monaco" pitchFamily="2" charset="77"/>
-            </a:endParaRPr>
-          </a:p>
-          <a:p>
-            <a:pPr marL="0" marR="0" lvl="0" indent="0" algn="l" defTabSz="914400" rtl="0" eaLnBrk="1" fontAlgn="auto" latinLnBrk="0" hangingPunct="1">
-              <a:lnSpc>
-                <a:spcPct val="100000"/>
-              </a:lnSpc>
-              <a:spcBef>
-                <a:spcPts val="0"/>
-              </a:spcBef>
-              <a:spcAft>
-                <a:spcPts val="0"/>
-              </a:spcAft>
-              <a:buClrTx/>
-              <a:buSzTx/>
-              <a:buFontTx/>
-              <a:buNone/>
-              <a:tabLst/>
-              <a:defRPr/>
-            </a:pPr>
-            <a:r>
-              <a:rPr lang="en-US" dirty="0">
-                <a:solidFill>
-                  <a:srgbClr val="000000"/>
-                </a:solidFill>
-                <a:effectLst/>
-                <a:latin typeface="Monaco" pitchFamily="2" charset="77"/>
-              </a:rPr>
-              <a:t>% Malignant</a:t>
-            </a:r>
-          </a:p>
-          <a:p>
-            <a:pPr marL="0" marR="0" lvl="0" indent="0" algn="l" defTabSz="914400" rtl="0" eaLnBrk="1" fontAlgn="auto" latinLnBrk="0" hangingPunct="1">
-              <a:lnSpc>
-                <a:spcPct val="100000"/>
-              </a:lnSpc>
-              <a:spcBef>
-                <a:spcPts val="0"/>
-              </a:spcBef>
-              <a:spcAft>
-                <a:spcPts val="0"/>
-              </a:spcAft>
-              <a:buClrTx/>
-              <a:buSzTx/>
-              <a:buFontTx/>
-              <a:buNone/>
-              <a:tabLst/>
-              <a:defRPr/>
-            </a:pPr>
-            <a:r>
-              <a:rPr lang="en-US" dirty="0">
-                <a:solidFill>
-                  <a:srgbClr val="000000"/>
-                </a:solidFill>
-                <a:effectLst/>
-                <a:latin typeface="Monaco" pitchFamily="2" charset="77"/>
-              </a:rPr>
-              <a:t>&amp;\text{\</a:t>
-            </a:r>
-            <a:r>
-              <a:rPr lang="en-US" dirty="0" err="1">
-                <a:solidFill>
-                  <a:srgbClr val="000000"/>
-                </a:solidFill>
-                <a:effectLst/>
-                <a:latin typeface="Monaco" pitchFamily="2" charset="77"/>
-              </a:rPr>
-              <a:t>textbf</a:t>
-            </a:r>
-            <a:r>
-              <a:rPr lang="en-US" dirty="0">
-                <a:solidFill>
-                  <a:srgbClr val="000000"/>
-                </a:solidFill>
-                <a:effectLst/>
-                <a:latin typeface="Monaco" pitchFamily="2" charset="77"/>
-              </a:rPr>
-              <a:t>{Malignant}} \</a:t>
-            </a:r>
-            <a:r>
-              <a:rPr lang="en-US" dirty="0" err="1">
-                <a:solidFill>
-                  <a:srgbClr val="000000"/>
-                </a:solidFill>
-                <a:effectLst/>
-                <a:latin typeface="Monaco" pitchFamily="2" charset="77"/>
-              </a:rPr>
-              <a:t>leftrightarrow</a:t>
-            </a:r>
-            <a:r>
-              <a:rPr lang="en-US" dirty="0">
-                <a:solidFill>
-                  <a:srgbClr val="000000"/>
-                </a:solidFill>
-                <a:effectLst/>
-                <a:latin typeface="Monaco" pitchFamily="2" charset="77"/>
-              </a:rPr>
-              <a:t> \text{\</a:t>
-            </a:r>
-            <a:r>
-              <a:rPr lang="en-US" dirty="0" err="1">
-                <a:solidFill>
-                  <a:srgbClr val="000000"/>
-                </a:solidFill>
-                <a:effectLst/>
-                <a:latin typeface="Monaco" pitchFamily="2" charset="77"/>
-              </a:rPr>
-              <a:t>textcolor</a:t>
-            </a:r>
-            <a:r>
-              <a:rPr lang="en-US" dirty="0">
-                <a:solidFill>
-                  <a:srgbClr val="000000"/>
-                </a:solidFill>
-                <a:effectLst/>
-                <a:latin typeface="Monaco" pitchFamily="2" charset="77"/>
-              </a:rPr>
-              <a:t>{blue}{</a:t>
-            </a:r>
-            <a:r>
-              <a:rPr lang="en-US" dirty="0" err="1">
-                <a:solidFill>
-                  <a:srgbClr val="000000"/>
-                </a:solidFill>
-                <a:effectLst/>
-                <a:latin typeface="Monaco" pitchFamily="2" charset="77"/>
-              </a:rPr>
-              <a:t>AtypicalPigmentNetwork</a:t>
-            </a:r>
-            <a:r>
-              <a:rPr lang="en-US" dirty="0">
-                <a:solidFill>
-                  <a:srgbClr val="000000"/>
-                </a:solidFill>
-                <a:effectLst/>
-                <a:latin typeface="Monaco" pitchFamily="2" charset="77"/>
-              </a:rPr>
-              <a:t>}} \lor \text{\</a:t>
-            </a:r>
-            <a:r>
-              <a:rPr lang="en-US" dirty="0" err="1">
-                <a:solidFill>
-                  <a:srgbClr val="000000"/>
-                </a:solidFill>
-                <a:effectLst/>
-                <a:latin typeface="Monaco" pitchFamily="2" charset="77"/>
-              </a:rPr>
-              <a:t>textcolor</a:t>
-            </a:r>
-            <a:r>
-              <a:rPr lang="en-US" dirty="0">
-                <a:solidFill>
-                  <a:srgbClr val="000000"/>
-                </a:solidFill>
-                <a:effectLst/>
-                <a:latin typeface="Monaco" pitchFamily="2" charset="77"/>
-              </a:rPr>
-              <a:t>{blue}{BWV}}</a:t>
-            </a:r>
-          </a:p>
-          <a:p>
-            <a:pPr marL="0" marR="0" lvl="0" indent="0" algn="l" defTabSz="914400" rtl="0" eaLnBrk="1" fontAlgn="auto" latinLnBrk="0" hangingPunct="1">
-              <a:lnSpc>
-                <a:spcPct val="100000"/>
-              </a:lnSpc>
-              <a:spcBef>
-                <a:spcPts val="0"/>
-              </a:spcBef>
-              <a:spcAft>
-                <a:spcPts val="0"/>
-              </a:spcAft>
-              <a:buClrTx/>
-              <a:buSzTx/>
-              <a:buFontTx/>
-              <a:buNone/>
-              <a:tabLst/>
-              <a:defRPr/>
-            </a:pPr>
-            <a:endParaRPr lang="en-US" dirty="0">
-              <a:solidFill>
-                <a:srgbClr val="000000"/>
-              </a:solidFill>
-              <a:effectLst/>
-              <a:latin typeface="Monaco" pitchFamily="2" charset="77"/>
-            </a:endParaRPr>
-          </a:p>
-          <a:p>
-            <a:pPr marL="0" marR="0" lvl="0" indent="0" algn="l" defTabSz="914400" rtl="0" eaLnBrk="1" fontAlgn="auto" latinLnBrk="0" hangingPunct="1">
-              <a:lnSpc>
-                <a:spcPct val="100000"/>
-              </a:lnSpc>
-              <a:spcBef>
-                <a:spcPts val="0"/>
-              </a:spcBef>
-              <a:spcAft>
-                <a:spcPts val="0"/>
-              </a:spcAft>
-              <a:buClrTx/>
-              <a:buSzTx/>
-              <a:buFontTx/>
-              <a:buNone/>
-              <a:tabLst/>
-              <a:defRPr/>
-            </a:pPr>
-            <a:r>
-              <a:rPr lang="en-US" dirty="0">
-                <a:solidFill>
-                  <a:srgbClr val="000000"/>
-                </a:solidFill>
-                <a:effectLst/>
-                <a:latin typeface="Monaco" pitchFamily="2" charset="77"/>
-              </a:rPr>
-              <a:t>% Malignant</a:t>
-            </a:r>
-          </a:p>
-          <a:p>
-            <a:r>
-              <a:rPr lang="en-US" dirty="0">
-                <a:solidFill>
-                  <a:srgbClr val="000000"/>
-                </a:solidFill>
-                <a:effectLst/>
-                <a:latin typeface="Monaco" pitchFamily="2" charset="77"/>
-              </a:rPr>
-              <a:t>\text{\</a:t>
-            </a:r>
-            <a:r>
-              <a:rPr lang="en-US" dirty="0" err="1">
-                <a:solidFill>
-                  <a:srgbClr val="000000"/>
-                </a:solidFill>
-                <a:effectLst/>
-                <a:latin typeface="Monaco" pitchFamily="2" charset="77"/>
-              </a:rPr>
-              <a:t>textbf</a:t>
-            </a:r>
-            <a:r>
-              <a:rPr lang="en-US" dirty="0">
-                <a:solidFill>
-                  <a:srgbClr val="000000"/>
-                </a:solidFill>
-                <a:effectLst/>
-                <a:latin typeface="Monaco" pitchFamily="2" charset="77"/>
-              </a:rPr>
-              <a:t>{Malignant}} \</a:t>
-            </a:r>
-            <a:r>
-              <a:rPr lang="en-US" dirty="0" err="1">
-                <a:solidFill>
-                  <a:srgbClr val="000000"/>
-                </a:solidFill>
-                <a:effectLst/>
-                <a:latin typeface="Monaco" pitchFamily="2" charset="77"/>
-              </a:rPr>
-              <a:t>leftrightarrow</a:t>
-            </a:r>
-            <a:r>
-              <a:rPr lang="en-US" dirty="0">
-                <a:solidFill>
-                  <a:srgbClr val="000000"/>
-                </a:solidFill>
-                <a:effectLst/>
-                <a:latin typeface="Monaco" pitchFamily="2" charset="77"/>
-              </a:rPr>
-              <a:t>  \text{{BWV}} \lor \text{\</a:t>
-            </a:r>
-            <a:r>
-              <a:rPr lang="en-US" dirty="0" err="1">
-                <a:solidFill>
-                  <a:srgbClr val="000000"/>
-                </a:solidFill>
-                <a:effectLst/>
-                <a:latin typeface="Monaco" pitchFamily="2" charset="77"/>
-              </a:rPr>
-              <a:t>textcolor</a:t>
-            </a:r>
-            <a:r>
-              <a:rPr lang="en-US" dirty="0">
-                <a:solidFill>
-                  <a:srgbClr val="000000"/>
-                </a:solidFill>
-                <a:effectLst/>
-                <a:latin typeface="Monaco" pitchFamily="2" charset="77"/>
-              </a:rPr>
-              <a:t>{red}{</a:t>
-            </a:r>
-            <a:r>
-              <a:rPr lang="en-US" dirty="0" err="1">
-                <a:solidFill>
-                  <a:srgbClr val="000000"/>
-                </a:solidFill>
-                <a:effectLst/>
-                <a:latin typeface="Monaco" pitchFamily="2" charset="77"/>
-              </a:rPr>
-              <a:t>RegressionStructures</a:t>
-            </a:r>
-            <a:r>
-              <a:rPr lang="en-US" dirty="0">
-                <a:solidFill>
-                  <a:srgbClr val="000000"/>
-                </a:solidFill>
-                <a:effectLst/>
-                <a:latin typeface="Monaco" pitchFamily="2" charset="77"/>
-              </a:rPr>
-              <a:t>}}</a:t>
-            </a:r>
-          </a:p>
-          <a:p>
-            <a:endParaRPr lang="en-US" dirty="0">
-              <a:solidFill>
-                <a:srgbClr val="000000"/>
-              </a:solidFill>
-              <a:effectLst/>
-              <a:latin typeface="Monaco" pitchFamily="2" charset="77"/>
-            </a:endParaRPr>
-          </a:p>
-          <a:p>
-            <a:pPr marL="0" marR="0" lvl="0" indent="0" algn="l" defTabSz="914400" rtl="0" eaLnBrk="1" fontAlgn="auto" latinLnBrk="0" hangingPunct="1">
-              <a:lnSpc>
-                <a:spcPct val="100000"/>
-              </a:lnSpc>
-              <a:spcBef>
-                <a:spcPts val="0"/>
-              </a:spcBef>
-              <a:spcAft>
-                <a:spcPts val="0"/>
-              </a:spcAft>
-              <a:buClrTx/>
-              <a:buSzTx/>
-              <a:buFontTx/>
-              <a:buNone/>
-              <a:tabLst/>
-              <a:defRPr/>
-            </a:pPr>
-            <a:r>
-              <a:rPr lang="en-US" dirty="0">
-                <a:solidFill>
-                  <a:srgbClr val="000000"/>
-                </a:solidFill>
-                <a:effectLst/>
-                <a:latin typeface="Monaco" pitchFamily="2" charset="77"/>
-              </a:rPr>
-              <a:t>% Malignant</a:t>
-            </a:r>
-          </a:p>
-          <a:p>
-            <a:pPr marL="0" marR="0" lvl="0" indent="0" algn="l" defTabSz="914400" rtl="0" eaLnBrk="1" fontAlgn="auto" latinLnBrk="0" hangingPunct="1">
-              <a:lnSpc>
-                <a:spcPct val="100000"/>
-              </a:lnSpc>
-              <a:spcBef>
-                <a:spcPts val="0"/>
-              </a:spcBef>
-              <a:spcAft>
-                <a:spcPts val="0"/>
-              </a:spcAft>
-              <a:buClrTx/>
-              <a:buSzTx/>
-              <a:buFontTx/>
-              <a:buNone/>
-              <a:tabLst/>
-              <a:defRPr/>
-            </a:pPr>
-            <a:r>
-              <a:rPr lang="en-US" dirty="0">
-                <a:solidFill>
-                  <a:srgbClr val="000000"/>
-                </a:solidFill>
-                <a:effectLst/>
-                <a:latin typeface="Monaco" pitchFamily="2" charset="77"/>
-              </a:rPr>
-              <a:t>\text{\</a:t>
-            </a:r>
-            <a:r>
-              <a:rPr lang="en-US" dirty="0" err="1">
-                <a:solidFill>
-                  <a:srgbClr val="000000"/>
-                </a:solidFill>
-                <a:effectLst/>
-                <a:latin typeface="Monaco" pitchFamily="2" charset="77"/>
-              </a:rPr>
-              <a:t>textbf</a:t>
-            </a:r>
-            <a:r>
-              <a:rPr lang="en-US" dirty="0">
-                <a:solidFill>
-                  <a:srgbClr val="000000"/>
-                </a:solidFill>
-                <a:effectLst/>
-                <a:latin typeface="Monaco" pitchFamily="2" charset="77"/>
-              </a:rPr>
-              <a:t>{Malignant}} \</a:t>
-            </a:r>
-            <a:r>
-              <a:rPr lang="en-US" dirty="0" err="1">
-                <a:solidFill>
-                  <a:srgbClr val="000000"/>
-                </a:solidFill>
-                <a:effectLst/>
-                <a:latin typeface="Monaco" pitchFamily="2" charset="77"/>
-              </a:rPr>
-              <a:t>leftrightarrow</a:t>
-            </a:r>
-            <a:r>
-              <a:rPr lang="en-US" dirty="0">
-                <a:solidFill>
-                  <a:srgbClr val="000000"/>
-                </a:solidFill>
-                <a:effectLst/>
-                <a:latin typeface="Monaco" pitchFamily="2" charset="77"/>
-              </a:rPr>
-              <a:t> &amp; \text{\</a:t>
-            </a:r>
-            <a:r>
-              <a:rPr lang="en-US" dirty="0" err="1">
-                <a:solidFill>
-                  <a:srgbClr val="000000"/>
-                </a:solidFill>
-                <a:effectLst/>
-                <a:latin typeface="Monaco" pitchFamily="2" charset="77"/>
-              </a:rPr>
-              <a:t>textcolor</a:t>
-            </a:r>
-            <a:r>
-              <a:rPr lang="en-US" dirty="0">
-                <a:solidFill>
-                  <a:srgbClr val="000000"/>
-                </a:solidFill>
-                <a:effectLst/>
-                <a:latin typeface="Monaco" pitchFamily="2" charset="77"/>
-              </a:rPr>
-              <a:t>{blue}{</a:t>
-            </a:r>
-            <a:r>
-              <a:rPr lang="en-US" dirty="0" err="1">
-                <a:solidFill>
-                  <a:srgbClr val="000000"/>
-                </a:solidFill>
-                <a:effectLst/>
-                <a:latin typeface="Monaco" pitchFamily="2" charset="77"/>
-              </a:rPr>
-              <a:t>IrregularStreaks</a:t>
-            </a:r>
-            <a:r>
-              <a:rPr lang="en-US" dirty="0">
-                <a:solidFill>
-                  <a:srgbClr val="000000"/>
-                </a:solidFill>
-                <a:effectLst/>
-                <a:latin typeface="Monaco" pitchFamily="2" charset="77"/>
-              </a:rPr>
-              <a:t>}} \lor \big(\text{</a:t>
-            </a:r>
-            <a:r>
-              <a:rPr lang="en-US" dirty="0" err="1">
-                <a:solidFill>
-                  <a:srgbClr val="000000"/>
-                </a:solidFill>
-                <a:effectLst/>
-                <a:latin typeface="Monaco" pitchFamily="2" charset="77"/>
-              </a:rPr>
-              <a:t>AtypicalPigmentNetwork</a:t>
-            </a:r>
-            <a:r>
-              <a:rPr lang="en-US" dirty="0">
-                <a:solidFill>
-                  <a:srgbClr val="000000"/>
-                </a:solidFill>
-                <a:effectLst/>
-                <a:latin typeface="Monaco" pitchFamily="2" charset="77"/>
-              </a:rPr>
-              <a:t>} \land \text{BWV}\big) \lor \big(\text{BWV} \land \text{\</a:t>
-            </a:r>
-            <a:r>
-              <a:rPr lang="en-US" dirty="0" err="1">
-                <a:solidFill>
-                  <a:srgbClr val="000000"/>
-                </a:solidFill>
-                <a:effectLst/>
-                <a:latin typeface="Monaco" pitchFamily="2" charset="77"/>
-              </a:rPr>
-              <a:t>textcolor</a:t>
-            </a:r>
-            <a:r>
-              <a:rPr lang="en-US" dirty="0">
-                <a:solidFill>
-                  <a:srgbClr val="000000"/>
-                </a:solidFill>
-                <a:effectLst/>
-                <a:latin typeface="Monaco" pitchFamily="2" charset="77"/>
-              </a:rPr>
-              <a:t>{blue}{</a:t>
-            </a:r>
-            <a:r>
-              <a:rPr lang="en-US" dirty="0" err="1">
-                <a:solidFill>
-                  <a:srgbClr val="000000"/>
-                </a:solidFill>
-                <a:effectLst/>
-                <a:latin typeface="Monaco" pitchFamily="2" charset="77"/>
-              </a:rPr>
-              <a:t>IrregularDG</a:t>
-            </a:r>
-            <a:r>
-              <a:rPr lang="en-US" dirty="0">
-                <a:solidFill>
-                  <a:srgbClr val="000000"/>
-                </a:solidFill>
-                <a:effectLst/>
-                <a:latin typeface="Monaco" pitchFamily="2" charset="77"/>
-              </a:rPr>
-              <a:t>}}\big) \\</a:t>
-            </a:r>
-          </a:p>
-          <a:p>
-            <a:r>
-              <a:rPr lang="en-US" dirty="0">
-                <a:solidFill>
-                  <a:srgbClr val="000000"/>
-                </a:solidFill>
-                <a:effectLst/>
-                <a:latin typeface="Monaco" pitchFamily="2" charset="77"/>
-              </a:rPr>
-              <a:t>&amp; \lor \big(\text{BWV} \land \text{\</a:t>
-            </a:r>
-            <a:r>
-              <a:rPr lang="en-US" dirty="0" err="1">
-                <a:solidFill>
-                  <a:srgbClr val="000000"/>
-                </a:solidFill>
-                <a:effectLst/>
-                <a:latin typeface="Monaco" pitchFamily="2" charset="77"/>
-              </a:rPr>
-              <a:t>textcolor</a:t>
-            </a:r>
-            <a:r>
-              <a:rPr lang="en-US" dirty="0">
-                <a:solidFill>
-                  <a:srgbClr val="000000"/>
-                </a:solidFill>
-                <a:effectLst/>
-                <a:latin typeface="Monaco" pitchFamily="2" charset="77"/>
-              </a:rPr>
-              <a:t>{blue}{</a:t>
-            </a:r>
-            <a:r>
-              <a:rPr lang="en-US" dirty="0" err="1">
-                <a:solidFill>
-                  <a:srgbClr val="000000"/>
-                </a:solidFill>
-                <a:effectLst/>
-                <a:latin typeface="Monaco" pitchFamily="2" charset="77"/>
-              </a:rPr>
-              <a:t>RegularStreaks</a:t>
-            </a:r>
-            <a:r>
-              <a:rPr lang="en-US" dirty="0">
-                <a:solidFill>
-                  <a:srgbClr val="000000"/>
-                </a:solidFill>
-                <a:effectLst/>
-                <a:latin typeface="Monaco" pitchFamily="2" charset="77"/>
-              </a:rPr>
-              <a:t>}} \land \neg\text{\</a:t>
-            </a:r>
-            <a:r>
-              <a:rPr lang="en-US" dirty="0" err="1">
-                <a:solidFill>
-                  <a:srgbClr val="000000"/>
-                </a:solidFill>
-                <a:effectLst/>
-                <a:latin typeface="Monaco" pitchFamily="2" charset="77"/>
-              </a:rPr>
-              <a:t>textcolor</a:t>
-            </a:r>
-            <a:r>
-              <a:rPr lang="en-US" dirty="0">
-                <a:solidFill>
-                  <a:srgbClr val="000000"/>
-                </a:solidFill>
-                <a:effectLst/>
-                <a:latin typeface="Monaco" pitchFamily="2" charset="77"/>
-              </a:rPr>
-              <a:t>{blue}{</a:t>
-            </a:r>
-            <a:r>
-              <a:rPr lang="en-US" dirty="0" err="1">
-                <a:solidFill>
-                  <a:srgbClr val="000000"/>
-                </a:solidFill>
-                <a:effectLst/>
-                <a:latin typeface="Monaco" pitchFamily="2" charset="77"/>
-              </a:rPr>
-              <a:t>RegularDG</a:t>
-            </a:r>
-            <a:r>
-              <a:rPr lang="en-US" dirty="0">
-                <a:solidFill>
-                  <a:srgbClr val="000000"/>
-                </a:solidFill>
-                <a:effectLst/>
-                <a:latin typeface="Monaco" pitchFamily="2" charset="77"/>
-              </a:rPr>
-              <a:t>}} \big) \\</a:t>
-            </a:r>
-          </a:p>
-          <a:p>
-            <a:r>
-              <a:rPr lang="en-US" dirty="0">
-                <a:solidFill>
-                  <a:srgbClr val="000000"/>
-                </a:solidFill>
-                <a:effectLst/>
-                <a:latin typeface="Monaco" pitchFamily="2" charset="77"/>
-              </a:rPr>
-              <a:t>&amp; \lor \big(\text{</a:t>
-            </a:r>
-            <a:r>
-              <a:rPr lang="en-US" dirty="0" err="1">
-                <a:solidFill>
-                  <a:srgbClr val="000000"/>
-                </a:solidFill>
-                <a:effectLst/>
-                <a:latin typeface="Monaco" pitchFamily="2" charset="77"/>
-              </a:rPr>
-              <a:t>AtypicalPigmentNetwork</a:t>
-            </a:r>
-            <a:r>
-              <a:rPr lang="en-US" dirty="0">
-                <a:solidFill>
-                  <a:srgbClr val="000000"/>
-                </a:solidFill>
-                <a:effectLst/>
-                <a:latin typeface="Monaco" pitchFamily="2" charset="77"/>
-              </a:rPr>
-              <a:t>} \land \neg \text{\</a:t>
-            </a:r>
-            <a:r>
-              <a:rPr lang="en-US" dirty="0" err="1">
-                <a:solidFill>
-                  <a:srgbClr val="000000"/>
-                </a:solidFill>
-                <a:effectLst/>
-                <a:latin typeface="Monaco" pitchFamily="2" charset="77"/>
-              </a:rPr>
-              <a:t>textcolor</a:t>
-            </a:r>
-            <a:r>
-              <a:rPr lang="en-US" dirty="0">
-                <a:solidFill>
-                  <a:srgbClr val="000000"/>
-                </a:solidFill>
-                <a:effectLst/>
-                <a:latin typeface="Monaco" pitchFamily="2" charset="77"/>
-              </a:rPr>
-              <a:t>{blue}{</a:t>
-            </a:r>
-            <a:r>
-              <a:rPr lang="en-US" dirty="0" err="1">
-                <a:solidFill>
-                  <a:srgbClr val="000000"/>
-                </a:solidFill>
-                <a:effectLst/>
-                <a:latin typeface="Monaco" pitchFamily="2" charset="77"/>
-              </a:rPr>
-              <a:t>IrregularDG</a:t>
-            </a:r>
-            <a:r>
-              <a:rPr lang="en-US" dirty="0">
-                <a:solidFill>
-                  <a:srgbClr val="000000"/>
-                </a:solidFill>
-                <a:effectLst/>
-                <a:latin typeface="Monaco" pitchFamily="2" charset="77"/>
-              </a:rPr>
-              <a:t>}} \land \neg\text{\</a:t>
-            </a:r>
-            <a:r>
-              <a:rPr lang="en-US" dirty="0" err="1">
-                <a:solidFill>
-                  <a:srgbClr val="000000"/>
-                </a:solidFill>
-                <a:effectLst/>
-                <a:latin typeface="Monaco" pitchFamily="2" charset="77"/>
-              </a:rPr>
-              <a:t>textcolor</a:t>
-            </a:r>
-            <a:r>
-              <a:rPr lang="en-US" dirty="0">
-                <a:solidFill>
-                  <a:srgbClr val="000000"/>
-                </a:solidFill>
-                <a:effectLst/>
-                <a:latin typeface="Monaco" pitchFamily="2" charset="77"/>
-              </a:rPr>
-              <a:t>{blue}{</a:t>
-            </a:r>
-            <a:r>
-              <a:rPr lang="en-US" dirty="0" err="1">
-                <a:solidFill>
-                  <a:srgbClr val="000000"/>
-                </a:solidFill>
-                <a:effectLst/>
-                <a:latin typeface="Monaco" pitchFamily="2" charset="77"/>
-              </a:rPr>
-              <a:t>RegularDG</a:t>
-            </a:r>
-            <a:r>
-              <a:rPr lang="en-US" dirty="0">
-                <a:solidFill>
-                  <a:srgbClr val="000000"/>
-                </a:solidFill>
-                <a:effectLst/>
-                <a:latin typeface="Monaco" pitchFamily="2" charset="77"/>
-              </a:rPr>
-              <a:t>}} \land \neg\text{\</a:t>
-            </a:r>
-            <a:r>
-              <a:rPr lang="en-US" dirty="0" err="1">
-                <a:solidFill>
-                  <a:srgbClr val="000000"/>
-                </a:solidFill>
-                <a:effectLst/>
-                <a:latin typeface="Monaco" pitchFamily="2" charset="77"/>
-              </a:rPr>
-              <a:t>textcolor</a:t>
-            </a:r>
-            <a:r>
-              <a:rPr lang="en-US" dirty="0">
-                <a:solidFill>
-                  <a:srgbClr val="000000"/>
-                </a:solidFill>
-                <a:effectLst/>
-                <a:latin typeface="Monaco" pitchFamily="2" charset="77"/>
-              </a:rPr>
-              <a:t>{blue}{</a:t>
-            </a:r>
-            <a:r>
-              <a:rPr lang="en-US" dirty="0" err="1">
-                <a:solidFill>
-                  <a:srgbClr val="000000"/>
-                </a:solidFill>
-                <a:effectLst/>
-                <a:latin typeface="Monaco" pitchFamily="2" charset="77"/>
-              </a:rPr>
-              <a:t>RegularStreaks</a:t>
-            </a:r>
-            <a:r>
-              <a:rPr lang="en-US" dirty="0">
-                <a:solidFill>
-                  <a:srgbClr val="000000"/>
-                </a:solidFill>
-                <a:effectLst/>
-                <a:latin typeface="Monaco" pitchFamily="2" charset="77"/>
-              </a:rPr>
-              <a:t>}} \big) \\</a:t>
-            </a:r>
-          </a:p>
-          <a:p>
-            <a:r>
-              <a:rPr lang="en-US" dirty="0">
-                <a:solidFill>
-                  <a:srgbClr val="000000"/>
-                </a:solidFill>
-                <a:effectLst/>
-                <a:latin typeface="Monaco" pitchFamily="2" charset="77"/>
-              </a:rPr>
-              <a:t>&amp; \lor \big(\neg \text{</a:t>
-            </a:r>
-            <a:r>
-              <a:rPr lang="en-US" dirty="0" err="1">
-                <a:solidFill>
-                  <a:srgbClr val="000000"/>
-                </a:solidFill>
-                <a:effectLst/>
-                <a:latin typeface="Monaco" pitchFamily="2" charset="77"/>
-              </a:rPr>
-              <a:t>AtypicalPigmentNetwork</a:t>
-            </a:r>
-            <a:r>
-              <a:rPr lang="en-US" dirty="0">
-                <a:solidFill>
-                  <a:srgbClr val="000000"/>
-                </a:solidFill>
-                <a:effectLst/>
-                <a:latin typeface="Monaco" pitchFamily="2" charset="77"/>
-              </a:rPr>
-              <a:t>} \land \text{\</a:t>
-            </a:r>
-            <a:r>
-              <a:rPr lang="en-US" dirty="0" err="1">
-                <a:solidFill>
-                  <a:srgbClr val="000000"/>
-                </a:solidFill>
-                <a:effectLst/>
-                <a:latin typeface="Monaco" pitchFamily="2" charset="77"/>
-              </a:rPr>
-              <a:t>textcolor</a:t>
-            </a:r>
-            <a:r>
-              <a:rPr lang="en-US" dirty="0">
-                <a:solidFill>
-                  <a:srgbClr val="000000"/>
-                </a:solidFill>
-                <a:effectLst/>
-                <a:latin typeface="Monaco" pitchFamily="2" charset="77"/>
-              </a:rPr>
-              <a:t>{blue}{</a:t>
-            </a:r>
-            <a:r>
-              <a:rPr lang="en-US" dirty="0" err="1">
-                <a:solidFill>
-                  <a:srgbClr val="000000"/>
-                </a:solidFill>
-                <a:effectLst/>
-                <a:latin typeface="Monaco" pitchFamily="2" charset="77"/>
-              </a:rPr>
-              <a:t>IrregularDG</a:t>
-            </a:r>
-            <a:r>
-              <a:rPr lang="en-US" dirty="0">
-                <a:solidFill>
-                  <a:srgbClr val="000000"/>
-                </a:solidFill>
-                <a:effectLst/>
-                <a:latin typeface="Monaco" pitchFamily="2" charset="77"/>
-              </a:rPr>
-              <a:t>}} \land \neg\text{\</a:t>
-            </a:r>
-            <a:r>
-              <a:rPr lang="en-US" dirty="0" err="1">
-                <a:solidFill>
-                  <a:srgbClr val="000000"/>
-                </a:solidFill>
-                <a:effectLst/>
-                <a:latin typeface="Monaco" pitchFamily="2" charset="77"/>
-              </a:rPr>
-              <a:t>textcolor</a:t>
-            </a:r>
-            <a:r>
-              <a:rPr lang="en-US" dirty="0">
-                <a:solidFill>
-                  <a:srgbClr val="000000"/>
-                </a:solidFill>
-                <a:effectLst/>
-                <a:latin typeface="Monaco" pitchFamily="2" charset="77"/>
-              </a:rPr>
-              <a:t>{blue}{</a:t>
-            </a:r>
-            <a:r>
-              <a:rPr lang="en-US" dirty="0" err="1">
-                <a:solidFill>
-                  <a:srgbClr val="000000"/>
-                </a:solidFill>
-                <a:effectLst/>
-                <a:latin typeface="Monaco" pitchFamily="2" charset="77"/>
-              </a:rPr>
-              <a:t>RegularDG</a:t>
-            </a:r>
-            <a:r>
-              <a:rPr lang="en-US" dirty="0">
-                <a:solidFill>
-                  <a:srgbClr val="000000"/>
-                </a:solidFill>
-                <a:effectLst/>
-                <a:latin typeface="Monaco" pitchFamily="2" charset="77"/>
-              </a:rPr>
-              <a:t>}} \land \neg\text{\</a:t>
-            </a:r>
-            <a:r>
-              <a:rPr lang="en-US" dirty="0" err="1">
-                <a:solidFill>
-                  <a:srgbClr val="000000"/>
-                </a:solidFill>
-                <a:effectLst/>
-                <a:latin typeface="Monaco" pitchFamily="2" charset="77"/>
-              </a:rPr>
-              <a:t>textcolor</a:t>
-            </a:r>
-            <a:r>
-              <a:rPr lang="en-US" dirty="0">
-                <a:solidFill>
-                  <a:srgbClr val="000000"/>
-                </a:solidFill>
-                <a:effectLst/>
-                <a:latin typeface="Monaco" pitchFamily="2" charset="77"/>
-              </a:rPr>
-              <a:t>{blue}{</a:t>
-            </a:r>
-            <a:r>
-              <a:rPr lang="en-US" dirty="0" err="1">
-                <a:solidFill>
-                  <a:srgbClr val="000000"/>
-                </a:solidFill>
-                <a:effectLst/>
-                <a:latin typeface="Monaco" pitchFamily="2" charset="77"/>
-              </a:rPr>
-              <a:t>RegularStreaks</a:t>
-            </a:r>
-            <a:r>
-              <a:rPr lang="en-US" dirty="0">
-                <a:solidFill>
-                  <a:srgbClr val="000000"/>
-                </a:solidFill>
-                <a:effectLst/>
-                <a:latin typeface="Monaco" pitchFamily="2" charset="77"/>
-              </a:rPr>
-              <a:t>}} \big)</a:t>
-            </a:r>
-          </a:p>
-          <a:p>
-            <a:pPr marL="0" marR="0" lvl="0" indent="0" algn="l" defTabSz="914400" rtl="0" eaLnBrk="1" fontAlgn="auto" latinLnBrk="0" hangingPunct="1">
-              <a:lnSpc>
-                <a:spcPct val="100000"/>
-              </a:lnSpc>
-              <a:spcBef>
-                <a:spcPts val="0"/>
-              </a:spcBef>
-              <a:spcAft>
-                <a:spcPts val="0"/>
-              </a:spcAft>
-              <a:buClrTx/>
-              <a:buSzTx/>
-              <a:buFontTx/>
-              <a:buNone/>
-              <a:tabLst/>
-              <a:defRPr/>
-            </a:pPr>
-            <a:br>
-              <a:rPr lang="en-US" dirty="0">
-                <a:solidFill>
-                  <a:srgbClr val="000000"/>
-                </a:solidFill>
-                <a:effectLst/>
-                <a:latin typeface="Monaco" pitchFamily="2" charset="77"/>
-              </a:rPr>
-            </a:br>
-            <a:r>
-              <a:rPr lang="en-US" dirty="0">
-                <a:solidFill>
-                  <a:srgbClr val="000000"/>
-                </a:solidFill>
-                <a:effectLst/>
-                <a:latin typeface="Monaco" pitchFamily="2" charset="77"/>
-              </a:rPr>
-              <a:t>% Malignant</a:t>
-            </a:r>
-          </a:p>
-          <a:p>
-            <a:r>
-              <a:rPr lang="en-US" dirty="0">
-                <a:solidFill>
-                  <a:srgbClr val="000000"/>
-                </a:solidFill>
-                <a:effectLst/>
-                <a:latin typeface="Monaco" pitchFamily="2" charset="77"/>
-              </a:rPr>
-              <a:t>&amp;\text{\</a:t>
-            </a:r>
-            <a:r>
-              <a:rPr lang="en-US" dirty="0" err="1">
-                <a:solidFill>
-                  <a:srgbClr val="000000"/>
-                </a:solidFill>
-                <a:effectLst/>
-                <a:latin typeface="Monaco" pitchFamily="2" charset="77"/>
-              </a:rPr>
-              <a:t>textbf</a:t>
-            </a:r>
-            <a:r>
-              <a:rPr lang="en-US" dirty="0">
-                <a:solidFill>
-                  <a:srgbClr val="000000"/>
-                </a:solidFill>
-                <a:effectLst/>
-                <a:latin typeface="Monaco" pitchFamily="2" charset="77"/>
-              </a:rPr>
-              <a:t>{Malignant}} \</a:t>
-            </a:r>
-            <a:r>
-              <a:rPr lang="en-US" dirty="0" err="1">
-                <a:solidFill>
-                  <a:srgbClr val="000000"/>
-                </a:solidFill>
-                <a:effectLst/>
-                <a:latin typeface="Monaco" pitchFamily="2" charset="77"/>
-              </a:rPr>
-              <a:t>leftrightarrow</a:t>
-            </a:r>
-            <a:r>
-              <a:rPr lang="en-US" dirty="0">
-                <a:solidFill>
-                  <a:srgbClr val="000000"/>
-                </a:solidFill>
-                <a:effectLst/>
-                <a:latin typeface="Monaco" pitchFamily="2" charset="77"/>
-              </a:rPr>
-              <a:t> \text{\</a:t>
-            </a:r>
-            <a:r>
-              <a:rPr lang="en-US" dirty="0" err="1">
-                <a:solidFill>
-                  <a:srgbClr val="000000"/>
-                </a:solidFill>
-                <a:effectLst/>
-                <a:latin typeface="Monaco" pitchFamily="2" charset="77"/>
-              </a:rPr>
-              <a:t>textcolor</a:t>
-            </a:r>
-            <a:r>
-              <a:rPr lang="en-US" dirty="0">
-                <a:solidFill>
-                  <a:srgbClr val="000000"/>
-                </a:solidFill>
-                <a:effectLst/>
-                <a:latin typeface="Monaco" pitchFamily="2" charset="77"/>
-              </a:rPr>
-              <a:t>{</a:t>
-            </a:r>
-            <a:r>
-              <a:rPr lang="en-US" dirty="0" err="1">
-                <a:solidFill>
-                  <a:srgbClr val="000000"/>
-                </a:solidFill>
-                <a:effectLst/>
-                <a:latin typeface="Monaco" pitchFamily="2" charset="77"/>
-              </a:rPr>
-              <a:t>BrickRed</a:t>
-            </a:r>
-            <a:r>
-              <a:rPr lang="en-US" dirty="0">
-                <a:solidFill>
-                  <a:srgbClr val="000000"/>
-                </a:solidFill>
-                <a:effectLst/>
-                <a:latin typeface="Monaco" pitchFamily="2" charset="77"/>
-              </a:rPr>
-              <a:t>}{</a:t>
-            </a:r>
-            <a:r>
-              <a:rPr lang="en-US" dirty="0" err="1">
-                <a:solidFill>
-                  <a:srgbClr val="000000"/>
-                </a:solidFill>
-                <a:effectLst/>
-                <a:latin typeface="Monaco" pitchFamily="2" charset="77"/>
-              </a:rPr>
-              <a:t>AtypicalPigmentNetwork</a:t>
-            </a:r>
-            <a:r>
-              <a:rPr lang="en-US" dirty="0">
-                <a:solidFill>
-                  <a:srgbClr val="000000"/>
-                </a:solidFill>
-                <a:effectLst/>
-                <a:latin typeface="Monaco" pitchFamily="2" charset="77"/>
-              </a:rPr>
-              <a:t>}} </a:t>
-            </a:r>
-          </a:p>
-          <a:p>
-            <a:endParaRPr lang="en-US" dirty="0">
-              <a:solidFill>
-                <a:srgbClr val="000000"/>
-              </a:solidFill>
-              <a:effectLst/>
-              <a:latin typeface="Monaco" pitchFamily="2" charset="77"/>
-            </a:endParaRPr>
-          </a:p>
-          <a:p>
-            <a:pPr marL="0" marR="0" lvl="0" indent="0" algn="l" defTabSz="914400" rtl="0" eaLnBrk="1" fontAlgn="auto" latinLnBrk="0" hangingPunct="1">
-              <a:lnSpc>
-                <a:spcPct val="100000"/>
-              </a:lnSpc>
-              <a:spcBef>
-                <a:spcPts val="0"/>
-              </a:spcBef>
-              <a:spcAft>
-                <a:spcPts val="0"/>
-              </a:spcAft>
-              <a:buClrTx/>
-              <a:buSzTx/>
-              <a:buFontTx/>
-              <a:buNone/>
-              <a:tabLst/>
-              <a:defRPr/>
-            </a:pPr>
-            <a:r>
-              <a:rPr lang="en-US" dirty="0">
-                <a:solidFill>
-                  <a:srgbClr val="000000"/>
-                </a:solidFill>
-                <a:effectLst/>
-                <a:latin typeface="Monaco" pitchFamily="2" charset="77"/>
-              </a:rPr>
-              <a:t>&amp;\text{\</a:t>
-            </a:r>
-            <a:r>
-              <a:rPr lang="en-US" dirty="0" err="1">
-                <a:solidFill>
-                  <a:srgbClr val="000000"/>
-                </a:solidFill>
-                <a:effectLst/>
-                <a:latin typeface="Monaco" pitchFamily="2" charset="77"/>
-              </a:rPr>
-              <a:t>textbf</a:t>
-            </a:r>
-            <a:r>
-              <a:rPr lang="en-US" dirty="0">
-                <a:solidFill>
-                  <a:srgbClr val="000000"/>
-                </a:solidFill>
-                <a:effectLst/>
-                <a:latin typeface="Monaco" pitchFamily="2" charset="77"/>
-              </a:rPr>
-              <a:t>{Malignant}} \</a:t>
-            </a:r>
-            <a:r>
-              <a:rPr lang="en-US" dirty="0" err="1">
-                <a:solidFill>
-                  <a:srgbClr val="000000"/>
-                </a:solidFill>
-                <a:effectLst/>
-                <a:latin typeface="Monaco" pitchFamily="2" charset="77"/>
-              </a:rPr>
-              <a:t>leftrightarrow</a:t>
-            </a:r>
-            <a:r>
-              <a:rPr lang="en-US" dirty="0">
-                <a:solidFill>
-                  <a:srgbClr val="000000"/>
-                </a:solidFill>
-                <a:effectLst/>
-                <a:latin typeface="Monaco" pitchFamily="2" charset="77"/>
-              </a:rPr>
-              <a:t> \text{\</a:t>
-            </a:r>
-            <a:r>
-              <a:rPr lang="en-US" dirty="0" err="1">
-                <a:solidFill>
-                  <a:srgbClr val="000000"/>
-                </a:solidFill>
-                <a:effectLst/>
-                <a:latin typeface="Monaco" pitchFamily="2" charset="77"/>
-              </a:rPr>
-              <a:t>textcolor</a:t>
-            </a:r>
-            <a:r>
-              <a:rPr lang="en-US" dirty="0">
-                <a:solidFill>
-                  <a:srgbClr val="000000"/>
-                </a:solidFill>
-                <a:effectLst/>
-                <a:latin typeface="Monaco" pitchFamily="2" charset="77"/>
-              </a:rPr>
-              <a:t>{red}{</a:t>
-            </a:r>
-            <a:r>
-              <a:rPr lang="en-US" dirty="0" err="1">
-                <a:solidFill>
-                  <a:srgbClr val="000000"/>
-                </a:solidFill>
-                <a:effectLst/>
-                <a:latin typeface="Monaco" pitchFamily="2" charset="77"/>
-              </a:rPr>
-              <a:t>AtypicalPigmentNetwork</a:t>
-            </a:r>
-            <a:r>
-              <a:rPr lang="en-US" dirty="0">
-                <a:solidFill>
-                  <a:srgbClr val="000000"/>
-                </a:solidFill>
-                <a:effectLst/>
-                <a:latin typeface="Monaco" pitchFamily="2" charset="77"/>
-              </a:rPr>
-              <a:t>}} </a:t>
-            </a:r>
-          </a:p>
-          <a:p>
-            <a:endParaRPr lang="en-US" dirty="0">
-              <a:solidFill>
-                <a:srgbClr val="000000"/>
-              </a:solidFill>
-              <a:effectLst/>
-              <a:latin typeface="Monaco" pitchFamily="2" charset="77"/>
-            </a:endParaRPr>
-          </a:p>
-          <a:p>
-            <a:endParaRPr lang="en-US" dirty="0">
-              <a:solidFill>
-                <a:srgbClr val="000000"/>
-              </a:solidFill>
-              <a:effectLst/>
-              <a:latin typeface="Monaco" pitchFamily="2" charset="77"/>
-            </a:endParaRPr>
-          </a:p>
-          <a:p>
-            <a:pPr marL="0" marR="0" lvl="0" indent="0" algn="l" defTabSz="914400" rtl="0" eaLnBrk="1" fontAlgn="auto" latinLnBrk="0" hangingPunct="1">
-              <a:lnSpc>
-                <a:spcPct val="100000"/>
-              </a:lnSpc>
-              <a:spcBef>
-                <a:spcPts val="0"/>
-              </a:spcBef>
-              <a:spcAft>
-                <a:spcPts val="0"/>
-              </a:spcAft>
-              <a:buClrTx/>
-              <a:buSzTx/>
-              <a:buFontTx/>
-              <a:buNone/>
-              <a:tabLst/>
-              <a:defRPr/>
-            </a:pPr>
-            <a:endParaRPr lang="en-US" dirty="0">
-              <a:solidFill>
-                <a:srgbClr val="000000"/>
-              </a:solidFill>
-              <a:effectLst/>
-              <a:latin typeface="Monaco" pitchFamily="2" charset="77"/>
-            </a:endParaRPr>
-          </a:p>
-          <a:p>
-            <a:pPr marL="0" marR="0" lvl="0" indent="0" algn="l" defTabSz="914400" rtl="0" eaLnBrk="1" fontAlgn="auto" latinLnBrk="0" hangingPunct="1">
-              <a:lnSpc>
-                <a:spcPct val="100000"/>
-              </a:lnSpc>
-              <a:spcBef>
-                <a:spcPts val="0"/>
-              </a:spcBef>
-              <a:spcAft>
-                <a:spcPts val="0"/>
-              </a:spcAft>
-              <a:buClrTx/>
-              <a:buSzTx/>
-              <a:buFontTx/>
-              <a:buNone/>
-              <a:tabLst/>
-              <a:defRPr/>
-            </a:pPr>
-            <a:endParaRPr lang="en-US" dirty="0">
-              <a:solidFill>
-                <a:srgbClr val="000000"/>
-              </a:solidFill>
-              <a:effectLst/>
-              <a:latin typeface="Monaco" pitchFamily="2" charset="77"/>
-            </a:endParaRPr>
-          </a:p>
-          <a:p>
-            <a:pPr marL="0" marR="0" lvl="0" indent="0" algn="l" defTabSz="914400" rtl="0" eaLnBrk="1" fontAlgn="auto" latinLnBrk="0" hangingPunct="1">
-              <a:lnSpc>
-                <a:spcPct val="100000"/>
-              </a:lnSpc>
-              <a:spcBef>
-                <a:spcPts val="0"/>
-              </a:spcBef>
-              <a:spcAft>
-                <a:spcPts val="0"/>
-              </a:spcAft>
-              <a:buClrTx/>
-              <a:buSzTx/>
-              <a:buFontTx/>
-              <a:buNone/>
-              <a:tabLst/>
-              <a:defRPr/>
-            </a:pPr>
-            <a:endParaRPr lang="en-US" dirty="0">
-              <a:solidFill>
-                <a:srgbClr val="000000"/>
-              </a:solidFill>
-              <a:effectLst/>
-              <a:latin typeface="Monaco" pitchFamily="2" charset="77"/>
-            </a:endParaRPr>
-          </a:p>
-          <a:p>
-            <a:pPr marL="0" marR="0" lvl="0" indent="0" algn="l" defTabSz="914400" rtl="0" eaLnBrk="1" fontAlgn="auto" latinLnBrk="0" hangingPunct="1">
-              <a:lnSpc>
-                <a:spcPct val="100000"/>
-              </a:lnSpc>
-              <a:spcBef>
-                <a:spcPts val="0"/>
-              </a:spcBef>
-              <a:spcAft>
-                <a:spcPts val="0"/>
-              </a:spcAft>
-              <a:buClrTx/>
-              <a:buSzTx/>
-              <a:buFontTx/>
-              <a:buNone/>
-              <a:tabLst/>
-              <a:defRPr/>
-            </a:pPr>
-            <a:endParaRPr lang="en-US" dirty="0">
-              <a:solidFill>
-                <a:srgbClr val="000000"/>
-              </a:solidFill>
-              <a:effectLst/>
-              <a:latin typeface="Monaco" pitchFamily="2" charset="77"/>
-            </a:endParaRPr>
-          </a:p>
-          <a:p>
-            <a:endParaRPr lang="en-US" dirty="0">
-              <a:solidFill>
-                <a:srgbClr val="000000"/>
-              </a:solidFill>
-              <a:effectLst/>
-              <a:latin typeface="Monaco" pitchFamily="2" charset="77"/>
-            </a:endParaRPr>
-          </a:p>
-          <a:p>
-            <a:endParaRPr lang="en-US" dirty="0">
-              <a:solidFill>
-                <a:srgbClr val="000000"/>
-              </a:solidFill>
-              <a:effectLst/>
-              <a:latin typeface="Monaco" pitchFamily="2" charset="77"/>
-            </a:endParaRPr>
-          </a:p>
-          <a:p>
-            <a:endParaRPr lang="en-US" dirty="0"/>
-          </a:p>
-        </p:txBody>
-      </p:sp>
-      <p:sp>
-        <p:nvSpPr>
-          <p:cNvPr id="4" name="Slide Number Placeholder 3"/>
-          <p:cNvSpPr>
-            <a:spLocks noGrp="1"/>
-          </p:cNvSpPr>
-          <p:nvPr>
-            <p:ph type="sldNum" sz="quarter" idx="5"/>
-          </p:nvPr>
-        </p:nvSpPr>
-        <p:spPr/>
-        <p:txBody>
-          <a:bodyPr/>
-          <a:lstStyle/>
-          <a:p>
-            <a:fld id="{CC437997-445B-B942-8AA6-5C30DD7D7E1C}" type="slidenum">
-              <a:rPr lang="en-US" smtClean="0"/>
-              <a:t>1</a:t>
-            </a:fld>
-            <a:endParaRPr lang="en-US"/>
-          </a:p>
-        </p:txBody>
-      </p:sp>
-    </p:spTree>
-    <p:extLst>
-      <p:ext uri="{BB962C8B-B14F-4D97-AF65-F5344CB8AC3E}">
-        <p14:creationId xmlns:p14="http://schemas.microsoft.com/office/powerpoint/2010/main" val="2846978607"/>
-      </p:ext>
-    </p:extLst>
-  </p:cSld>
-  <p:clrMapOvr>
-    <a:masterClrMapping/>
-  </p:clrMapOvr>
-</p:notes>
 </file>
 
 <file path=ppt/slideLayouts/slideLayout1.xml><?xml version="1.0" encoding="utf-8"?>
@@ -5219,868 +3689,213 @@
           <a:chExt cx="0" cy="0"/>
         </a:xfrm>
       </p:grpSpPr>
-      <p:sp>
-        <p:nvSpPr>
-          <p:cNvPr id="4" name="Rounded Rectangular Callout 3">
-            <a:extLst>
-              <a:ext uri="{FF2B5EF4-FFF2-40B4-BE49-F238E27FC236}">
-                <a16:creationId xmlns:a16="http://schemas.microsoft.com/office/drawing/2014/main" id="{0F5095BA-A2E7-AEB1-5271-D0C74A629B6D}"/>
-              </a:ext>
-            </a:extLst>
-          </p:cNvPr>
-          <p:cNvSpPr/>
+      <p:grpSp>
+        <p:nvGrpSpPr>
+          <p:cNvPr id="4" name="Group 3">
+            <a:extLst>
+              <a:ext uri="{FF2B5EF4-FFF2-40B4-BE49-F238E27FC236}">
+                <a16:creationId xmlns:a16="http://schemas.microsoft.com/office/drawing/2014/main" id="{3E390D7E-9DA8-3070-2D22-3B9D785F7310}"/>
+              </a:ext>
+            </a:extLst>
+          </p:cNvPr>
+          <p:cNvGrpSpPr/>
           <p:nvPr/>
-        </p:nvSpPr>
-        <p:spPr>
+        </p:nvGrpSpPr>
+        <p:grpSpPr>
           <a:xfrm>
-            <a:off x="1380181" y="3178864"/>
-            <a:ext cx="1634155" cy="121550"/>
+            <a:off x="1852273" y="88900"/>
+            <a:ext cx="7837827" cy="4406900"/>
+            <a:chOff x="1229973" y="292178"/>
+            <a:chExt cx="7450969" cy="4626864"/>
           </a:xfrm>
-          <a:prstGeom prst="wedgeRoundRectCallout">
-            <a:avLst>
-              <a:gd name="adj1" fmla="val 892"/>
-              <a:gd name="adj2" fmla="val 83421"/>
-              <a:gd name="adj3" fmla="val 16667"/>
-            </a:avLst>
-          </a:prstGeom>
-          <a:solidFill>
-            <a:schemeClr val="tx2">
-              <a:lumMod val="20000"/>
-              <a:lumOff val="80000"/>
-            </a:schemeClr>
-          </a:solidFill>
-          <a:ln>
-            <a:solidFill>
-              <a:schemeClr val="tx2">
-                <a:lumMod val="60000"/>
-                <a:lumOff val="40000"/>
-              </a:schemeClr>
-            </a:solidFill>
-          </a:ln>
-        </p:spPr>
-        <p:style>
-          <a:lnRef idx="2">
-            <a:schemeClr val="accent1">
-              <a:shade val="50000"/>
-            </a:schemeClr>
-          </a:lnRef>
-          <a:fillRef idx="1">
-            <a:schemeClr val="accent1"/>
-          </a:fillRef>
-          <a:effectRef idx="0">
-            <a:schemeClr val="accent1"/>
-          </a:effectRef>
-          <a:fontRef idx="minor">
-            <a:schemeClr val="lt1"/>
-          </a:fontRef>
-        </p:style>
-        <p:txBody>
-          <a:bodyPr rtlCol="0" anchor="ctr"/>
-          <a:lstStyle/>
-          <a:p>
-            <a:pPr algn="ctr"/>
-            <a:endParaRPr lang="en-US"/>
-          </a:p>
-        </p:txBody>
-      </p:sp>
-      <p:sp>
-        <p:nvSpPr>
-          <p:cNvPr id="5" name="Down Arrow 4">
-            <a:extLst>
-              <a:ext uri="{FF2B5EF4-FFF2-40B4-BE49-F238E27FC236}">
-                <a16:creationId xmlns:a16="http://schemas.microsoft.com/office/drawing/2014/main" id="{F4B3E17A-C871-1657-F31B-3DC4A4E356A7}"/>
-              </a:ext>
-            </a:extLst>
-          </p:cNvPr>
-          <p:cNvSpPr/>
-          <p:nvPr/>
-        </p:nvSpPr>
-        <p:spPr>
-          <a:xfrm rot="10800000">
-            <a:off x="3507303" y="3468320"/>
-            <a:ext cx="210568" cy="113032"/>
-          </a:xfrm>
-          <a:prstGeom prst="downArrow">
-            <a:avLst/>
-          </a:prstGeom>
-          <a:solidFill>
-            <a:schemeClr val="tx2">
-              <a:lumMod val="60000"/>
-              <a:lumOff val="40000"/>
-            </a:schemeClr>
-          </a:solidFill>
-        </p:spPr>
-        <p:style>
-          <a:lnRef idx="2">
-            <a:schemeClr val="accent1">
-              <a:shade val="50000"/>
-            </a:schemeClr>
-          </a:lnRef>
-          <a:fillRef idx="1">
-            <a:schemeClr val="accent1"/>
-          </a:fillRef>
-          <a:effectRef idx="0">
-            <a:schemeClr val="accent1"/>
-          </a:effectRef>
-          <a:fontRef idx="minor">
-            <a:schemeClr val="lt1"/>
-          </a:fontRef>
-        </p:style>
-        <p:txBody>
-          <a:bodyPr rtlCol="0" anchor="ctr"/>
-          <a:lstStyle/>
-          <a:p>
-            <a:pPr algn="ctr"/>
-            <a:endParaRPr lang="en-US" dirty="0"/>
-          </a:p>
-        </p:txBody>
-      </p:sp>
-      <p:sp>
-        <p:nvSpPr>
-          <p:cNvPr id="6" name="Rounded Rectangular Callout 5">
-            <a:extLst>
-              <a:ext uri="{FF2B5EF4-FFF2-40B4-BE49-F238E27FC236}">
-                <a16:creationId xmlns:a16="http://schemas.microsoft.com/office/drawing/2014/main" id="{CD7A10B0-DB15-6434-6921-3A2F61A38098}"/>
-              </a:ext>
-            </a:extLst>
-          </p:cNvPr>
-          <p:cNvSpPr/>
-          <p:nvPr/>
-        </p:nvSpPr>
-        <p:spPr>
-          <a:xfrm>
-            <a:off x="3152406" y="3098846"/>
-            <a:ext cx="1620451" cy="209714"/>
-          </a:xfrm>
-          <a:prstGeom prst="wedgeRoundRectCallout">
-            <a:avLst>
-              <a:gd name="adj1" fmla="val -22629"/>
-              <a:gd name="adj2" fmla="val 72835"/>
-              <a:gd name="adj3" fmla="val 16667"/>
-            </a:avLst>
-          </a:prstGeom>
-          <a:solidFill>
-            <a:schemeClr val="accent6">
-              <a:lumMod val="20000"/>
-              <a:lumOff val="80000"/>
-            </a:schemeClr>
-          </a:solidFill>
-          <a:ln>
-            <a:solidFill>
-              <a:schemeClr val="accent6">
-                <a:lumMod val="40000"/>
-                <a:lumOff val="60000"/>
-              </a:schemeClr>
-            </a:solidFill>
-          </a:ln>
-        </p:spPr>
-        <p:style>
-          <a:lnRef idx="2">
-            <a:schemeClr val="accent1">
-              <a:shade val="50000"/>
-            </a:schemeClr>
-          </a:lnRef>
-          <a:fillRef idx="1">
-            <a:schemeClr val="accent1"/>
-          </a:fillRef>
-          <a:effectRef idx="0">
-            <a:schemeClr val="accent1"/>
-          </a:effectRef>
-          <a:fontRef idx="minor">
-            <a:schemeClr val="lt1"/>
-          </a:fontRef>
-        </p:style>
-        <p:txBody>
-          <a:bodyPr rtlCol="0" anchor="ctr"/>
-          <a:lstStyle/>
-          <a:p>
-            <a:pPr algn="ctr"/>
-            <a:endParaRPr lang="en-US"/>
-          </a:p>
-        </p:txBody>
-      </p:sp>
-      <p:sp>
-        <p:nvSpPr>
-          <p:cNvPr id="7" name="Rounded Rectangle 6">
-            <a:extLst>
-              <a:ext uri="{FF2B5EF4-FFF2-40B4-BE49-F238E27FC236}">
-                <a16:creationId xmlns:a16="http://schemas.microsoft.com/office/drawing/2014/main" id="{DE193225-FA26-A475-3D09-2779D6DAB39C}"/>
-              </a:ext>
-            </a:extLst>
-          </p:cNvPr>
-          <p:cNvSpPr/>
-          <p:nvPr/>
-        </p:nvSpPr>
-        <p:spPr>
-          <a:xfrm>
-            <a:off x="1342011" y="3068537"/>
-            <a:ext cx="3488607" cy="1532420"/>
-          </a:xfrm>
-          <a:prstGeom prst="roundRect">
-            <a:avLst>
-              <a:gd name="adj" fmla="val 4390"/>
-            </a:avLst>
-          </a:prstGeom>
-          <a:solidFill>
-            <a:schemeClr val="accent5">
-              <a:lumMod val="20000"/>
-              <a:lumOff val="80000"/>
-              <a:alpha val="19135"/>
-            </a:schemeClr>
-          </a:solidFill>
-          <a:ln>
-            <a:solidFill>
-              <a:schemeClr val="accent1">
-                <a:lumMod val="60000"/>
-                <a:lumOff val="40000"/>
-              </a:schemeClr>
-            </a:solidFill>
-          </a:ln>
-        </p:spPr>
-        <p:style>
-          <a:lnRef idx="2">
-            <a:schemeClr val="accent1">
-              <a:shade val="50000"/>
-            </a:schemeClr>
-          </a:lnRef>
-          <a:fillRef idx="1">
-            <a:schemeClr val="accent1"/>
-          </a:fillRef>
-          <a:effectRef idx="0">
-            <a:schemeClr val="accent1"/>
-          </a:effectRef>
-          <a:fontRef idx="minor">
-            <a:schemeClr val="lt1"/>
-          </a:fontRef>
-        </p:style>
-        <p:txBody>
-          <a:bodyPr rtlCol="0" anchor="ctr"/>
-          <a:lstStyle/>
-          <a:p>
-            <a:pPr algn="ctr"/>
-            <a:endParaRPr lang="en-US"/>
-          </a:p>
-        </p:txBody>
-      </p:sp>
-      <p:sp>
-        <p:nvSpPr>
-          <p:cNvPr id="8" name="Down Arrow 7">
-            <a:extLst>
-              <a:ext uri="{FF2B5EF4-FFF2-40B4-BE49-F238E27FC236}">
-                <a16:creationId xmlns:a16="http://schemas.microsoft.com/office/drawing/2014/main" id="{04B27B36-9995-1A4A-14A5-B11AE30D7630}"/>
-              </a:ext>
-            </a:extLst>
-          </p:cNvPr>
-          <p:cNvSpPr/>
-          <p:nvPr/>
-        </p:nvSpPr>
-        <p:spPr>
-          <a:xfrm>
-            <a:off x="2808009" y="4105670"/>
-            <a:ext cx="210568" cy="166113"/>
-          </a:xfrm>
-          <a:prstGeom prst="downArrow">
-            <a:avLst/>
-          </a:prstGeom>
-          <a:solidFill>
-            <a:schemeClr val="tx2">
-              <a:lumMod val="60000"/>
-              <a:lumOff val="40000"/>
-            </a:schemeClr>
-          </a:solidFill>
-        </p:spPr>
-        <p:style>
-          <a:lnRef idx="2">
-            <a:schemeClr val="accent1">
-              <a:shade val="50000"/>
-            </a:schemeClr>
-          </a:lnRef>
-          <a:fillRef idx="1">
-            <a:schemeClr val="accent1"/>
-          </a:fillRef>
-          <a:effectRef idx="0">
-            <a:schemeClr val="accent1"/>
-          </a:effectRef>
-          <a:fontRef idx="minor">
-            <a:schemeClr val="lt1"/>
-          </a:fontRef>
-        </p:style>
-        <p:txBody>
-          <a:bodyPr rtlCol="0" anchor="ctr"/>
-          <a:lstStyle/>
-          <a:p>
-            <a:pPr algn="ctr"/>
-            <a:endParaRPr lang="en-US"/>
-          </a:p>
-        </p:txBody>
-      </p:sp>
-      <p:sp>
-        <p:nvSpPr>
-          <p:cNvPr id="9" name="Down Arrow 8">
-            <a:extLst>
-              <a:ext uri="{FF2B5EF4-FFF2-40B4-BE49-F238E27FC236}">
-                <a16:creationId xmlns:a16="http://schemas.microsoft.com/office/drawing/2014/main" id="{41E7F809-6757-DB23-678B-701592334641}"/>
-              </a:ext>
-            </a:extLst>
-          </p:cNvPr>
-          <p:cNvSpPr/>
-          <p:nvPr/>
-        </p:nvSpPr>
-        <p:spPr>
-          <a:xfrm rot="10800000">
-            <a:off x="2091521" y="3485327"/>
-            <a:ext cx="210568" cy="113032"/>
-          </a:xfrm>
-          <a:prstGeom prst="downArrow">
-            <a:avLst/>
-          </a:prstGeom>
-          <a:solidFill>
-            <a:schemeClr val="tx2">
-              <a:lumMod val="60000"/>
-              <a:lumOff val="40000"/>
-            </a:schemeClr>
-          </a:solidFill>
-        </p:spPr>
-        <p:style>
-          <a:lnRef idx="2">
-            <a:schemeClr val="accent1">
-              <a:shade val="50000"/>
-            </a:schemeClr>
-          </a:lnRef>
-          <a:fillRef idx="1">
-            <a:schemeClr val="accent1"/>
-          </a:fillRef>
-          <a:effectRef idx="0">
-            <a:schemeClr val="accent1"/>
-          </a:effectRef>
-          <a:fontRef idx="minor">
-            <a:schemeClr val="lt1"/>
-          </a:fontRef>
-        </p:style>
-        <p:txBody>
-          <a:bodyPr rtlCol="0" anchor="ctr"/>
-          <a:lstStyle/>
-          <a:p>
-            <a:pPr algn="ctr"/>
-            <a:endParaRPr lang="en-US" dirty="0"/>
-          </a:p>
-        </p:txBody>
-      </p:sp>
+        </p:grpSpPr>
+        <p:pic>
+          <p:nvPicPr>
+            <p:cNvPr id="8" name="Picture 7">
+              <a:extLst>
+                <a:ext uri="{FF2B5EF4-FFF2-40B4-BE49-F238E27FC236}">
+                  <a16:creationId xmlns:a16="http://schemas.microsoft.com/office/drawing/2014/main" id="{102DFA60-1E19-3F2D-471D-92F45693D7AF}"/>
+                </a:ext>
+              </a:extLst>
+            </p:cNvPr>
+            <p:cNvPicPr>
+              <a:picLocks noChangeAspect="1"/>
+            </p:cNvPicPr>
+            <p:nvPr/>
+          </p:nvPicPr>
+          <p:blipFill>
+            <a:blip r:embed="rId2"/>
+            <a:stretch>
+              <a:fillRect/>
+            </a:stretch>
+          </p:blipFill>
+          <p:spPr>
+            <a:xfrm>
+              <a:off x="3764474" y="2578178"/>
+              <a:ext cx="2286000" cy="2286000"/>
+            </a:xfrm>
+            <a:prstGeom prst="rect">
+              <a:avLst/>
+            </a:prstGeom>
+          </p:spPr>
+        </p:pic>
+        <p:pic>
+          <p:nvPicPr>
+            <p:cNvPr id="11" name="Picture 10">
+              <a:extLst>
+                <a:ext uri="{FF2B5EF4-FFF2-40B4-BE49-F238E27FC236}">
+                  <a16:creationId xmlns:a16="http://schemas.microsoft.com/office/drawing/2014/main" id="{95A6E057-604F-107A-534E-AA4C15530761}"/>
+                </a:ext>
+              </a:extLst>
+            </p:cNvPr>
+            <p:cNvPicPr>
+              <a:picLocks noChangeAspect="1"/>
+            </p:cNvPicPr>
+            <p:nvPr/>
+          </p:nvPicPr>
+          <p:blipFill>
+            <a:blip r:embed="rId3"/>
+            <a:stretch>
+              <a:fillRect/>
+            </a:stretch>
+          </p:blipFill>
+          <p:spPr>
+            <a:xfrm>
+              <a:off x="1229973" y="2578178"/>
+              <a:ext cx="2318197" cy="2286000"/>
+            </a:xfrm>
+            <a:prstGeom prst="rect">
+              <a:avLst/>
+            </a:prstGeom>
+          </p:spPr>
+        </p:pic>
+        <p:pic>
+          <p:nvPicPr>
+            <p:cNvPr id="12" name="Picture 11">
+              <a:extLst>
+                <a:ext uri="{FF2B5EF4-FFF2-40B4-BE49-F238E27FC236}">
+                  <a16:creationId xmlns:a16="http://schemas.microsoft.com/office/drawing/2014/main" id="{99B0309C-8F74-A1EF-C82B-1938A1AB7B4D}"/>
+                </a:ext>
+              </a:extLst>
+            </p:cNvPr>
+            <p:cNvPicPr>
+              <a:picLocks noChangeAspect="1"/>
+            </p:cNvPicPr>
+            <p:nvPr/>
+          </p:nvPicPr>
+          <p:blipFill>
+            <a:blip r:embed="rId4"/>
+            <a:stretch>
+              <a:fillRect/>
+            </a:stretch>
+          </p:blipFill>
+          <p:spPr>
+            <a:xfrm>
+              <a:off x="1229973" y="292178"/>
+              <a:ext cx="2535528" cy="2286000"/>
+            </a:xfrm>
+            <a:prstGeom prst="rect">
+              <a:avLst/>
+            </a:prstGeom>
+          </p:spPr>
+        </p:pic>
+        <p:pic>
+          <p:nvPicPr>
+            <p:cNvPr id="13" name="Picture 12">
+              <a:extLst>
+                <a:ext uri="{FF2B5EF4-FFF2-40B4-BE49-F238E27FC236}">
+                  <a16:creationId xmlns:a16="http://schemas.microsoft.com/office/drawing/2014/main" id="{E68D2DB6-162E-EC68-D8DF-FC64ED8DD09F}"/>
+                </a:ext>
+              </a:extLst>
+            </p:cNvPr>
+            <p:cNvPicPr>
+              <a:picLocks noChangeAspect="1"/>
+            </p:cNvPicPr>
+            <p:nvPr/>
+          </p:nvPicPr>
+          <p:blipFill>
+            <a:blip r:embed="rId5"/>
+            <a:stretch>
+              <a:fillRect/>
+            </a:stretch>
+          </p:blipFill>
+          <p:spPr>
+            <a:xfrm>
+              <a:off x="3764474" y="292178"/>
+              <a:ext cx="2434912" cy="2286000"/>
+            </a:xfrm>
+            <a:prstGeom prst="rect">
+              <a:avLst/>
+            </a:prstGeom>
+          </p:spPr>
+        </p:pic>
+        <p:pic>
+          <p:nvPicPr>
+            <p:cNvPr id="2" name="Picture 1">
+              <a:extLst>
+                <a:ext uri="{FF2B5EF4-FFF2-40B4-BE49-F238E27FC236}">
+                  <a16:creationId xmlns:a16="http://schemas.microsoft.com/office/drawing/2014/main" id="{98AFE8F9-B581-C64E-7124-7B288DC08317}"/>
+                </a:ext>
+              </a:extLst>
+            </p:cNvPr>
+            <p:cNvPicPr>
+              <a:picLocks noChangeAspect="1"/>
+            </p:cNvPicPr>
+            <p:nvPr/>
+          </p:nvPicPr>
+          <p:blipFill>
+            <a:blip r:embed="rId6"/>
+            <a:stretch>
+              <a:fillRect/>
+            </a:stretch>
+          </p:blipFill>
+          <p:spPr>
+            <a:xfrm>
+              <a:off x="6183471" y="292178"/>
+              <a:ext cx="2497471" cy="2340864"/>
+            </a:xfrm>
+            <a:prstGeom prst="rect">
+              <a:avLst/>
+            </a:prstGeom>
+          </p:spPr>
+        </p:pic>
+        <p:pic>
+          <p:nvPicPr>
+            <p:cNvPr id="3" name="Picture 2">
+              <a:extLst>
+                <a:ext uri="{FF2B5EF4-FFF2-40B4-BE49-F238E27FC236}">
+                  <a16:creationId xmlns:a16="http://schemas.microsoft.com/office/drawing/2014/main" id="{E829A1D7-3C5A-363D-F7DB-6D3FE5CCECF5}"/>
+                </a:ext>
+              </a:extLst>
+            </p:cNvPr>
+            <p:cNvPicPr>
+              <a:picLocks noChangeAspect="1"/>
+            </p:cNvPicPr>
+            <p:nvPr/>
+          </p:nvPicPr>
+          <p:blipFill>
+            <a:blip r:embed="rId7"/>
+            <a:stretch>
+              <a:fillRect/>
+            </a:stretch>
+          </p:blipFill>
+          <p:spPr>
+            <a:xfrm>
+              <a:off x="6249032" y="2578178"/>
+              <a:ext cx="2340864" cy="2340864"/>
+            </a:xfrm>
+            <a:prstGeom prst="rect">
+              <a:avLst/>
+            </a:prstGeom>
+          </p:spPr>
+        </p:pic>
+      </p:grpSp>
       <p:pic>
         <p:nvPicPr>
-          <p:cNvPr id="10" name="Picture 9">
-            <a:extLst>
-              <a:ext uri="{FF2B5EF4-FFF2-40B4-BE49-F238E27FC236}">
-                <a16:creationId xmlns:a16="http://schemas.microsoft.com/office/drawing/2014/main" id="{5F3B44F5-A419-D429-9B04-DF64B361EDC0}"/>
-              </a:ext>
-            </a:extLst>
-          </p:cNvPr>
-          <p:cNvPicPr>
-            <a:picLocks noChangeAspect="1"/>
-          </p:cNvPicPr>
-          <p:nvPr/>
-        </p:nvPicPr>
-        <p:blipFill>
-          <a:blip r:embed="rId3"/>
-          <a:stretch>
-            <a:fillRect/>
-          </a:stretch>
-        </p:blipFill>
-        <p:spPr>
-          <a:xfrm>
-            <a:off x="2635580" y="3850696"/>
-            <a:ext cx="367170" cy="37264"/>
-          </a:xfrm>
-          <a:prstGeom prst="rect">
-            <a:avLst/>
-          </a:prstGeom>
-        </p:spPr>
-      </p:pic>
-      <p:sp>
-        <p:nvSpPr>
-          <p:cNvPr id="11" name="TextBox 10">
-            <a:extLst>
-              <a:ext uri="{FF2B5EF4-FFF2-40B4-BE49-F238E27FC236}">
-                <a16:creationId xmlns:a16="http://schemas.microsoft.com/office/drawing/2014/main" id="{1901FCD0-E9C3-83C6-0BFF-02D7A05CD174}"/>
-              </a:ext>
-            </a:extLst>
-          </p:cNvPr>
-          <p:cNvSpPr txBox="1"/>
-          <p:nvPr/>
-        </p:nvSpPr>
-        <p:spPr>
-          <a:xfrm>
-            <a:off x="3318577" y="3265060"/>
-            <a:ext cx="635110" cy="261610"/>
-          </a:xfrm>
-          <a:prstGeom prst="rect">
-            <a:avLst/>
-          </a:prstGeom>
-          <a:noFill/>
-        </p:spPr>
-        <p:txBody>
-          <a:bodyPr wrap="none" rtlCol="0">
-            <a:spAutoFit/>
-          </a:bodyPr>
-          <a:lstStyle/>
-          <a:p>
-            <a:r>
-              <a:rPr lang="en-US" sz="1100" b="1" dirty="0"/>
-              <a:t>Expert6</a:t>
-            </a:r>
-          </a:p>
-        </p:txBody>
-      </p:sp>
-      <p:sp>
-        <p:nvSpPr>
-          <p:cNvPr id="12" name="Right Brace 11">
-            <a:extLst>
-              <a:ext uri="{FF2B5EF4-FFF2-40B4-BE49-F238E27FC236}">
-                <a16:creationId xmlns:a16="http://schemas.microsoft.com/office/drawing/2014/main" id="{2435AD10-3A58-3CC7-F174-6B8A7D12BDC2}"/>
-              </a:ext>
-            </a:extLst>
-          </p:cNvPr>
-          <p:cNvSpPr/>
-          <p:nvPr/>
-        </p:nvSpPr>
-        <p:spPr>
-          <a:xfrm rot="16200000">
-            <a:off x="3528419" y="3013608"/>
-            <a:ext cx="150121" cy="1156730"/>
-          </a:xfrm>
-          <a:prstGeom prst="rightBrace">
-            <a:avLst>
-              <a:gd name="adj1" fmla="val 38126"/>
-              <a:gd name="adj2" fmla="val 50787"/>
-            </a:avLst>
-          </a:prstGeom>
-          <a:ln w="22225"/>
-        </p:spPr>
-        <p:style>
-          <a:lnRef idx="1">
-            <a:schemeClr val="dk1"/>
-          </a:lnRef>
-          <a:fillRef idx="0">
-            <a:schemeClr val="dk1"/>
-          </a:fillRef>
-          <a:effectRef idx="0">
-            <a:schemeClr val="dk1"/>
-          </a:effectRef>
-          <a:fontRef idx="minor">
-            <a:schemeClr val="tx1"/>
-          </a:fontRef>
-        </p:style>
-        <p:txBody>
-          <a:bodyPr rtlCol="0" anchor="ctr"/>
-          <a:lstStyle/>
-          <a:p>
-            <a:pPr algn="ctr"/>
-            <a:endParaRPr lang="en-US"/>
-          </a:p>
-        </p:txBody>
-      </p:sp>
-      <p:sp>
-        <p:nvSpPr>
-          <p:cNvPr id="13" name="Right Brace 12">
-            <a:extLst>
-              <a:ext uri="{FF2B5EF4-FFF2-40B4-BE49-F238E27FC236}">
-                <a16:creationId xmlns:a16="http://schemas.microsoft.com/office/drawing/2014/main" id="{4822105A-9A76-EE40-E7FA-FDC90900524A}"/>
-              </a:ext>
-            </a:extLst>
-          </p:cNvPr>
-          <p:cNvSpPr/>
-          <p:nvPr/>
-        </p:nvSpPr>
-        <p:spPr>
-          <a:xfrm rot="5400000">
-            <a:off x="2847986" y="2889353"/>
-            <a:ext cx="179914" cy="2443524"/>
-          </a:xfrm>
-          <a:prstGeom prst="rightBrace">
-            <a:avLst>
-              <a:gd name="adj1" fmla="val 55792"/>
-              <a:gd name="adj2" fmla="val 51012"/>
-            </a:avLst>
-          </a:prstGeom>
-          <a:ln w="22225"/>
-        </p:spPr>
-        <p:style>
-          <a:lnRef idx="1">
-            <a:schemeClr val="dk1"/>
-          </a:lnRef>
-          <a:fillRef idx="0">
-            <a:schemeClr val="dk1"/>
-          </a:fillRef>
-          <a:effectRef idx="0">
-            <a:schemeClr val="dk1"/>
-          </a:effectRef>
-          <a:fontRef idx="minor">
-            <a:schemeClr val="tx1"/>
-          </a:fontRef>
-        </p:style>
-        <p:txBody>
-          <a:bodyPr rtlCol="0" anchor="ctr"/>
-          <a:lstStyle/>
-          <a:p>
-            <a:pPr algn="ctr"/>
-            <a:endParaRPr lang="en-US"/>
-          </a:p>
-        </p:txBody>
-      </p:sp>
-      <p:sp>
-        <p:nvSpPr>
-          <p:cNvPr id="14" name="TextBox 13">
-            <a:extLst>
-              <a:ext uri="{FF2B5EF4-FFF2-40B4-BE49-F238E27FC236}">
-                <a16:creationId xmlns:a16="http://schemas.microsoft.com/office/drawing/2014/main" id="{E8C54E3A-31B4-2A52-5058-C93F5C028783}"/>
-              </a:ext>
-            </a:extLst>
-          </p:cNvPr>
-          <p:cNvSpPr txBox="1"/>
-          <p:nvPr/>
-        </p:nvSpPr>
-        <p:spPr>
-          <a:xfrm>
-            <a:off x="2209166" y="4226719"/>
-            <a:ext cx="1823268" cy="276999"/>
-          </a:xfrm>
-          <a:prstGeom prst="rect">
-            <a:avLst/>
-          </a:prstGeom>
-          <a:noFill/>
-        </p:spPr>
-        <p:txBody>
-          <a:bodyPr wrap="square" rtlCol="0">
-            <a:spAutoFit/>
-          </a:bodyPr>
-          <a:lstStyle/>
-          <a:p>
-            <a:r>
-              <a:rPr lang="en-US" sz="1200" b="1" dirty="0"/>
-              <a:t>Baseline (PCBM + ELEN)</a:t>
-            </a:r>
-          </a:p>
-        </p:txBody>
-      </p:sp>
-      <p:pic>
-        <p:nvPicPr>
-          <p:cNvPr id="15" name="Picture 14" descr="A close up of a person's face&#10;&#10;Description automatically generated with medium confidence">
-            <a:extLst>
-              <a:ext uri="{FF2B5EF4-FFF2-40B4-BE49-F238E27FC236}">
-                <a16:creationId xmlns:a16="http://schemas.microsoft.com/office/drawing/2014/main" id="{39DE8D69-963F-6054-E573-B0557BF5F788}"/>
-              </a:ext>
-            </a:extLst>
-          </p:cNvPr>
-          <p:cNvPicPr>
-            <a:picLocks noChangeAspect="1"/>
-          </p:cNvPicPr>
-          <p:nvPr/>
-        </p:nvPicPr>
-        <p:blipFill>
-          <a:blip r:embed="rId4"/>
-          <a:stretch>
-            <a:fillRect/>
-          </a:stretch>
-        </p:blipFill>
-        <p:spPr>
-          <a:xfrm>
-            <a:off x="3612283" y="3615759"/>
-            <a:ext cx="488398" cy="458504"/>
-          </a:xfrm>
-          <a:prstGeom prst="rect">
-            <a:avLst/>
-          </a:prstGeom>
-        </p:spPr>
-      </p:pic>
-      <p:pic>
-        <p:nvPicPr>
-          <p:cNvPr id="16" name="Picture 15" descr="A close-up of a person's eye&#10;&#10;Description automatically generated with low confidence">
-            <a:extLst>
-              <a:ext uri="{FF2B5EF4-FFF2-40B4-BE49-F238E27FC236}">
-                <a16:creationId xmlns:a16="http://schemas.microsoft.com/office/drawing/2014/main" id="{4857D502-48C2-9755-4F3F-67B62189AEDB}"/>
-              </a:ext>
-            </a:extLst>
-          </p:cNvPr>
-          <p:cNvPicPr>
-            <a:picLocks noChangeAspect="1"/>
-          </p:cNvPicPr>
-          <p:nvPr/>
-        </p:nvPicPr>
-        <p:blipFill>
-          <a:blip r:embed="rId5"/>
-          <a:stretch>
-            <a:fillRect/>
-          </a:stretch>
-        </p:blipFill>
-        <p:spPr>
-          <a:xfrm>
-            <a:off x="3119272" y="3615759"/>
-            <a:ext cx="488398" cy="458504"/>
-          </a:xfrm>
-          <a:prstGeom prst="rect">
-            <a:avLst/>
-          </a:prstGeom>
-        </p:spPr>
-      </p:pic>
-      <p:pic>
-        <p:nvPicPr>
-          <p:cNvPr id="17" name="Picture 16" descr="A close up of a person's face&#10;&#10;Description automatically generated with low confidence">
-            <a:extLst>
-              <a:ext uri="{FF2B5EF4-FFF2-40B4-BE49-F238E27FC236}">
-                <a16:creationId xmlns:a16="http://schemas.microsoft.com/office/drawing/2014/main" id="{957889C0-BD3D-4ACD-357A-177AF9EC35F7}"/>
-              </a:ext>
-            </a:extLst>
-          </p:cNvPr>
-          <p:cNvPicPr>
-            <a:picLocks noChangeAspect="1"/>
-          </p:cNvPicPr>
-          <p:nvPr/>
-        </p:nvPicPr>
-        <p:blipFill>
-          <a:blip r:embed="rId6"/>
-          <a:stretch>
-            <a:fillRect/>
-          </a:stretch>
-        </p:blipFill>
-        <p:spPr>
-          <a:xfrm>
-            <a:off x="1862490" y="3637291"/>
-            <a:ext cx="488398" cy="458504"/>
-          </a:xfrm>
-          <a:prstGeom prst="rect">
-            <a:avLst/>
-          </a:prstGeom>
-        </p:spPr>
-      </p:pic>
-      <p:sp>
-        <p:nvSpPr>
-          <p:cNvPr id="18" name="Right Brace 17">
-            <a:extLst>
-              <a:ext uri="{FF2B5EF4-FFF2-40B4-BE49-F238E27FC236}">
-                <a16:creationId xmlns:a16="http://schemas.microsoft.com/office/drawing/2014/main" id="{D79B7221-ED86-440E-FCAA-8CBE4F6FB86F}"/>
-              </a:ext>
-            </a:extLst>
-          </p:cNvPr>
-          <p:cNvSpPr/>
-          <p:nvPr/>
-        </p:nvSpPr>
-        <p:spPr>
-          <a:xfrm rot="16200000">
-            <a:off x="2120702" y="3124896"/>
-            <a:ext cx="131164" cy="967457"/>
-          </a:xfrm>
-          <a:prstGeom prst="rightBrace">
-            <a:avLst>
-              <a:gd name="adj1" fmla="val 54832"/>
-              <a:gd name="adj2" fmla="val 50787"/>
-            </a:avLst>
-          </a:prstGeom>
-          <a:ln w="22225"/>
-        </p:spPr>
-        <p:style>
-          <a:lnRef idx="1">
-            <a:schemeClr val="dk1"/>
-          </a:lnRef>
-          <a:fillRef idx="0">
-            <a:schemeClr val="dk1"/>
-          </a:fillRef>
-          <a:effectRef idx="0">
-            <a:schemeClr val="dk1"/>
-          </a:effectRef>
-          <a:fontRef idx="minor">
-            <a:schemeClr val="tx1"/>
-          </a:fontRef>
-        </p:style>
-        <p:txBody>
-          <a:bodyPr rtlCol="0" anchor="ctr"/>
-          <a:lstStyle/>
-          <a:p>
-            <a:pPr algn="ctr"/>
-            <a:endParaRPr lang="en-US"/>
-          </a:p>
-        </p:txBody>
-      </p:sp>
-      <p:sp>
-        <p:nvSpPr>
-          <p:cNvPr id="19" name="TextBox 18">
-            <a:extLst>
-              <a:ext uri="{FF2B5EF4-FFF2-40B4-BE49-F238E27FC236}">
-                <a16:creationId xmlns:a16="http://schemas.microsoft.com/office/drawing/2014/main" id="{009C10EC-7841-C5A9-FF41-7C8240A3A1A4}"/>
-              </a:ext>
-            </a:extLst>
-          </p:cNvPr>
-          <p:cNvSpPr txBox="1"/>
-          <p:nvPr/>
-        </p:nvSpPr>
-        <p:spPr>
-          <a:xfrm>
-            <a:off x="1862490" y="3265060"/>
-            <a:ext cx="635110" cy="261610"/>
-          </a:xfrm>
-          <a:prstGeom prst="rect">
-            <a:avLst/>
-          </a:prstGeom>
-          <a:noFill/>
-        </p:spPr>
-        <p:txBody>
-          <a:bodyPr wrap="none" rtlCol="0">
-            <a:spAutoFit/>
-          </a:bodyPr>
-          <a:lstStyle/>
-          <a:p>
-            <a:r>
-              <a:rPr lang="en-US" sz="1100" b="1" dirty="0"/>
-              <a:t>Expert3</a:t>
-            </a:r>
-          </a:p>
-        </p:txBody>
-      </p:sp>
-      <p:sp>
-        <p:nvSpPr>
-          <p:cNvPr id="26" name="Down Arrow 25">
-            <a:extLst>
-              <a:ext uri="{FF2B5EF4-FFF2-40B4-BE49-F238E27FC236}">
-                <a16:creationId xmlns:a16="http://schemas.microsoft.com/office/drawing/2014/main" id="{42CF03AC-35D9-8625-27A7-40C62671AE75}"/>
-              </a:ext>
-            </a:extLst>
-          </p:cNvPr>
-          <p:cNvSpPr/>
-          <p:nvPr/>
-        </p:nvSpPr>
-        <p:spPr>
-          <a:xfrm rot="10800000">
-            <a:off x="3529993" y="2044031"/>
-            <a:ext cx="227332" cy="111248"/>
-          </a:xfrm>
-          <a:prstGeom prst="downArrow">
-            <a:avLst/>
-          </a:prstGeom>
-          <a:solidFill>
-            <a:schemeClr val="tx2">
-              <a:lumMod val="60000"/>
-              <a:lumOff val="40000"/>
-            </a:schemeClr>
-          </a:solidFill>
-        </p:spPr>
-        <p:style>
-          <a:lnRef idx="2">
-            <a:schemeClr val="accent1">
-              <a:shade val="50000"/>
-            </a:schemeClr>
-          </a:lnRef>
-          <a:fillRef idx="1">
-            <a:schemeClr val="accent1"/>
-          </a:fillRef>
-          <a:effectRef idx="0">
-            <a:schemeClr val="accent1"/>
-          </a:effectRef>
-          <a:fontRef idx="minor">
-            <a:schemeClr val="lt1"/>
-          </a:fontRef>
-        </p:style>
-        <p:txBody>
-          <a:bodyPr rtlCol="0" anchor="ctr"/>
-          <a:lstStyle/>
-          <a:p>
-            <a:pPr algn="ctr"/>
-            <a:endParaRPr lang="en-US"/>
-          </a:p>
-        </p:txBody>
-      </p:sp>
-      <p:sp>
-        <p:nvSpPr>
-          <p:cNvPr id="27" name="Rounded Rectangle 26">
-            <a:extLst>
-              <a:ext uri="{FF2B5EF4-FFF2-40B4-BE49-F238E27FC236}">
-                <a16:creationId xmlns:a16="http://schemas.microsoft.com/office/drawing/2014/main" id="{378439E7-8A02-133E-DE61-D402ED9E9C96}"/>
-              </a:ext>
-            </a:extLst>
-          </p:cNvPr>
-          <p:cNvSpPr/>
-          <p:nvPr/>
-        </p:nvSpPr>
-        <p:spPr>
-          <a:xfrm>
-            <a:off x="1347786" y="1216238"/>
-            <a:ext cx="3482832" cy="1820247"/>
-          </a:xfrm>
-          <a:prstGeom prst="roundRect">
-            <a:avLst>
-              <a:gd name="adj" fmla="val 4390"/>
-            </a:avLst>
-          </a:prstGeom>
-          <a:solidFill>
-            <a:srgbClr val="EDE9ED">
-              <a:alpha val="12941"/>
-            </a:srgbClr>
-          </a:solidFill>
-          <a:ln>
-            <a:solidFill>
-              <a:srgbClr val="ED9B1E"/>
-            </a:solidFill>
-          </a:ln>
-        </p:spPr>
-        <p:style>
-          <a:lnRef idx="2">
-            <a:schemeClr val="accent1">
-              <a:shade val="50000"/>
-            </a:schemeClr>
-          </a:lnRef>
-          <a:fillRef idx="1">
-            <a:schemeClr val="accent1"/>
-          </a:fillRef>
-          <a:effectRef idx="0">
-            <a:schemeClr val="accent1"/>
-          </a:effectRef>
-          <a:fontRef idx="minor">
-            <a:schemeClr val="lt1"/>
-          </a:fontRef>
-        </p:style>
-        <p:txBody>
-          <a:bodyPr rtlCol="0" anchor="ctr"/>
-          <a:lstStyle/>
-          <a:p>
-            <a:pPr algn="ctr"/>
-            <a:endParaRPr lang="en-US"/>
-          </a:p>
-        </p:txBody>
-      </p:sp>
-      <p:pic>
-        <p:nvPicPr>
-          <p:cNvPr id="28" name="Picture 27" descr="A picture containing different&#10;&#10;Description automatically generated">
-            <a:extLst>
-              <a:ext uri="{FF2B5EF4-FFF2-40B4-BE49-F238E27FC236}">
-                <a16:creationId xmlns:a16="http://schemas.microsoft.com/office/drawing/2014/main" id="{5326D000-C899-A937-100C-A39241ACF71D}"/>
-              </a:ext>
-            </a:extLst>
-          </p:cNvPr>
-          <p:cNvPicPr>
-            <a:picLocks noChangeAspect="1"/>
-          </p:cNvPicPr>
-          <p:nvPr/>
-        </p:nvPicPr>
-        <p:blipFill>
-          <a:blip r:embed="rId7"/>
-          <a:stretch>
-            <a:fillRect/>
-          </a:stretch>
-        </p:blipFill>
-        <p:spPr>
-          <a:xfrm>
-            <a:off x="2283432" y="2165311"/>
-            <a:ext cx="492216" cy="462089"/>
-          </a:xfrm>
-          <a:prstGeom prst="rect">
-            <a:avLst/>
-          </a:prstGeom>
-        </p:spPr>
-      </p:pic>
-      <p:pic>
-        <p:nvPicPr>
-          <p:cNvPr id="29" name="Picture 28" descr="A close up of a person's skin&#10;&#10;Description automatically generated with low confidence">
-            <a:extLst>
-              <a:ext uri="{FF2B5EF4-FFF2-40B4-BE49-F238E27FC236}">
-                <a16:creationId xmlns:a16="http://schemas.microsoft.com/office/drawing/2014/main" id="{E851F3F0-1A63-63B7-6563-3FDEFD6C5370}"/>
+          <p:cNvPr id="5" name="Picture 4">
+            <a:extLst>
+              <a:ext uri="{FF2B5EF4-FFF2-40B4-BE49-F238E27FC236}">
+                <a16:creationId xmlns:a16="http://schemas.microsoft.com/office/drawing/2014/main" id="{BA204003-E7F3-09A1-4205-B0D9B3FA7FCC}"/>
               </a:ext>
             </a:extLst>
           </p:cNvPr>
@@ -6097,8 +3912,8 @@
         </p:blipFill>
         <p:spPr>
           <a:xfrm>
-            <a:off x="1750824" y="2167844"/>
-            <a:ext cx="492216" cy="462089"/>
+            <a:off x="1852273" y="4510191"/>
+            <a:ext cx="3902757" cy="2110675"/>
           </a:xfrm>
           <a:prstGeom prst="rect">
             <a:avLst/>
@@ -6107,10 +3922,10 @@
       </p:pic>
       <p:pic>
         <p:nvPicPr>
-          <p:cNvPr id="30" name="Picture 29" descr="A close up of a cat&#10;&#10;Description automatically generated with low confidence">
-            <a:extLst>
-              <a:ext uri="{FF2B5EF4-FFF2-40B4-BE49-F238E27FC236}">
-                <a16:creationId xmlns:a16="http://schemas.microsoft.com/office/drawing/2014/main" id="{C38DF8AA-1761-5EE8-FAC0-FF14AB1F1AB6}"/>
+          <p:cNvPr id="6" name="Picture 5">
+            <a:extLst>
+              <a:ext uri="{FF2B5EF4-FFF2-40B4-BE49-F238E27FC236}">
+                <a16:creationId xmlns:a16="http://schemas.microsoft.com/office/drawing/2014/main" id="{7E9BD69C-323D-5C3F-CF84-72054CE2E5BF}"/>
               </a:ext>
             </a:extLst>
           </p:cNvPr>
@@ -6127,759 +3942,8 @@
         </p:blipFill>
         <p:spPr>
           <a:xfrm>
-            <a:off x="3478137" y="2168143"/>
-            <a:ext cx="492216" cy="462089"/>
-          </a:xfrm>
-          <a:prstGeom prst="rect">
-            <a:avLst/>
-          </a:prstGeom>
-        </p:spPr>
-      </p:pic>
-      <p:sp>
-        <p:nvSpPr>
-          <p:cNvPr id="31" name="Down Arrow 30">
-            <a:extLst>
-              <a:ext uri="{FF2B5EF4-FFF2-40B4-BE49-F238E27FC236}">
-                <a16:creationId xmlns:a16="http://schemas.microsoft.com/office/drawing/2014/main" id="{B5ECDD82-2EE9-B875-345D-861538239847}"/>
-              </a:ext>
-            </a:extLst>
-          </p:cNvPr>
-          <p:cNvSpPr/>
-          <p:nvPr/>
-        </p:nvSpPr>
-        <p:spPr>
-          <a:xfrm>
-            <a:off x="2809502" y="2627400"/>
-            <a:ext cx="210568" cy="122000"/>
-          </a:xfrm>
-          <a:prstGeom prst="downArrow">
-            <a:avLst/>
-          </a:prstGeom>
-          <a:solidFill>
-            <a:schemeClr val="tx2">
-              <a:lumMod val="60000"/>
-              <a:lumOff val="40000"/>
-            </a:schemeClr>
-          </a:solidFill>
-        </p:spPr>
-        <p:style>
-          <a:lnRef idx="2">
-            <a:schemeClr val="accent1">
-              <a:shade val="50000"/>
-            </a:schemeClr>
-          </a:lnRef>
-          <a:fillRef idx="1">
-            <a:schemeClr val="accent1"/>
-          </a:fillRef>
-          <a:effectRef idx="0">
-            <a:schemeClr val="accent1"/>
-          </a:effectRef>
-          <a:fontRef idx="minor">
-            <a:schemeClr val="lt1"/>
-          </a:fontRef>
-        </p:style>
-        <p:txBody>
-          <a:bodyPr rtlCol="0" anchor="ctr"/>
-          <a:lstStyle/>
-          <a:p>
-            <a:pPr algn="ctr"/>
-            <a:endParaRPr lang="en-US"/>
-          </a:p>
-        </p:txBody>
-      </p:sp>
-      <p:sp>
-        <p:nvSpPr>
-          <p:cNvPr id="32" name="Down Arrow 31">
-            <a:extLst>
-              <a:ext uri="{FF2B5EF4-FFF2-40B4-BE49-F238E27FC236}">
-                <a16:creationId xmlns:a16="http://schemas.microsoft.com/office/drawing/2014/main" id="{296B4569-94ED-85BB-DE49-89C3D3FE2338}"/>
-              </a:ext>
-            </a:extLst>
-          </p:cNvPr>
-          <p:cNvSpPr/>
-          <p:nvPr/>
-        </p:nvSpPr>
-        <p:spPr>
-          <a:xfrm rot="10800000">
-            <a:off x="2190905" y="2040458"/>
-            <a:ext cx="227332" cy="111248"/>
-          </a:xfrm>
-          <a:prstGeom prst="downArrow">
-            <a:avLst/>
-          </a:prstGeom>
-          <a:solidFill>
-            <a:schemeClr val="tx2">
-              <a:lumMod val="60000"/>
-              <a:lumOff val="40000"/>
-            </a:schemeClr>
-          </a:solidFill>
-        </p:spPr>
-        <p:style>
-          <a:lnRef idx="2">
-            <a:schemeClr val="accent1">
-              <a:shade val="50000"/>
-            </a:schemeClr>
-          </a:lnRef>
-          <a:fillRef idx="1">
-            <a:schemeClr val="accent1"/>
-          </a:fillRef>
-          <a:effectRef idx="0">
-            <a:schemeClr val="accent1"/>
-          </a:effectRef>
-          <a:fontRef idx="minor">
-            <a:schemeClr val="lt1"/>
-          </a:fontRef>
-        </p:style>
-        <p:txBody>
-          <a:bodyPr rtlCol="0" anchor="ctr"/>
-          <a:lstStyle/>
-          <a:p>
-            <a:pPr algn="ctr"/>
-            <a:endParaRPr lang="en-US"/>
-          </a:p>
-        </p:txBody>
-      </p:sp>
-      <p:pic>
-        <p:nvPicPr>
-          <p:cNvPr id="33" name="Picture 32">
-            <a:extLst>
-              <a:ext uri="{FF2B5EF4-FFF2-40B4-BE49-F238E27FC236}">
-                <a16:creationId xmlns:a16="http://schemas.microsoft.com/office/drawing/2014/main" id="{1720263E-70F4-BBBA-615C-B510C491D8E8}"/>
-              </a:ext>
-            </a:extLst>
-          </p:cNvPr>
-          <p:cNvPicPr>
-            <a:picLocks noChangeAspect="1"/>
-          </p:cNvPicPr>
-          <p:nvPr/>
-        </p:nvPicPr>
-        <p:blipFill>
-          <a:blip r:embed="rId3"/>
-          <a:stretch>
-            <a:fillRect/>
-          </a:stretch>
-        </p:blipFill>
-        <p:spPr>
-          <a:xfrm>
-            <a:off x="2817416" y="2358877"/>
-            <a:ext cx="367170" cy="37264"/>
-          </a:xfrm>
-          <a:prstGeom prst="rect">
-            <a:avLst/>
-          </a:prstGeom>
-        </p:spPr>
-      </p:pic>
-      <p:sp>
-        <p:nvSpPr>
-          <p:cNvPr id="34" name="TextBox 33">
-            <a:extLst>
-              <a:ext uri="{FF2B5EF4-FFF2-40B4-BE49-F238E27FC236}">
-                <a16:creationId xmlns:a16="http://schemas.microsoft.com/office/drawing/2014/main" id="{D75CE2D2-CCE7-654E-40B2-25BC1C0AD6F8}"/>
-              </a:ext>
-            </a:extLst>
-          </p:cNvPr>
-          <p:cNvSpPr txBox="1"/>
-          <p:nvPr/>
-        </p:nvSpPr>
-        <p:spPr>
-          <a:xfrm>
-            <a:off x="3365955" y="1849652"/>
-            <a:ext cx="635110" cy="261610"/>
-          </a:xfrm>
-          <a:prstGeom prst="rect">
-            <a:avLst/>
-          </a:prstGeom>
-          <a:noFill/>
-        </p:spPr>
-        <p:txBody>
-          <a:bodyPr wrap="none" rtlCol="0">
-            <a:spAutoFit/>
-          </a:bodyPr>
-          <a:lstStyle/>
-          <a:p>
-            <a:r>
-              <a:rPr lang="en-US" sz="1100" b="1" dirty="0"/>
-              <a:t>Expert5</a:t>
-            </a:r>
-          </a:p>
-        </p:txBody>
-      </p:sp>
-      <p:sp>
-        <p:nvSpPr>
-          <p:cNvPr id="35" name="Right Brace 34">
-            <a:extLst>
-              <a:ext uri="{FF2B5EF4-FFF2-40B4-BE49-F238E27FC236}">
-                <a16:creationId xmlns:a16="http://schemas.microsoft.com/office/drawing/2014/main" id="{731F4451-E57C-A43B-F9C7-970046C0CFBC}"/>
-              </a:ext>
-            </a:extLst>
-          </p:cNvPr>
-          <p:cNvSpPr/>
-          <p:nvPr/>
-        </p:nvSpPr>
-        <p:spPr>
-          <a:xfrm rot="16200000">
-            <a:off x="3548942" y="1642292"/>
-            <a:ext cx="164807" cy="1048384"/>
-          </a:xfrm>
-          <a:prstGeom prst="rightBrace">
-            <a:avLst>
-              <a:gd name="adj1" fmla="val 45811"/>
-              <a:gd name="adj2" fmla="val 50787"/>
-            </a:avLst>
-          </a:prstGeom>
-          <a:ln w="22225"/>
-        </p:spPr>
-        <p:style>
-          <a:lnRef idx="1">
-            <a:schemeClr val="dk1"/>
-          </a:lnRef>
-          <a:fillRef idx="0">
-            <a:schemeClr val="dk1"/>
-          </a:fillRef>
-          <a:effectRef idx="0">
-            <a:schemeClr val="dk1"/>
-          </a:effectRef>
-          <a:fontRef idx="minor">
-            <a:schemeClr val="tx1"/>
-          </a:fontRef>
-        </p:style>
-        <p:txBody>
-          <a:bodyPr rtlCol="0" anchor="ctr"/>
-          <a:lstStyle/>
-          <a:p>
-            <a:pPr algn="ctr"/>
-            <a:endParaRPr lang="en-US"/>
-          </a:p>
-        </p:txBody>
-      </p:sp>
-      <p:sp>
-        <p:nvSpPr>
-          <p:cNvPr id="36" name="Right Brace 35">
-            <a:extLst>
-              <a:ext uri="{FF2B5EF4-FFF2-40B4-BE49-F238E27FC236}">
-                <a16:creationId xmlns:a16="http://schemas.microsoft.com/office/drawing/2014/main" id="{CC592EAF-99C1-D2F9-2FF8-0274BFDF0367}"/>
-              </a:ext>
-            </a:extLst>
-          </p:cNvPr>
-          <p:cNvSpPr/>
-          <p:nvPr/>
-        </p:nvSpPr>
-        <p:spPr>
-          <a:xfrm rot="5400000">
-            <a:off x="2853414" y="1409010"/>
-            <a:ext cx="179914" cy="2443524"/>
-          </a:xfrm>
-          <a:prstGeom prst="rightBrace">
-            <a:avLst>
-              <a:gd name="adj1" fmla="val 45305"/>
-              <a:gd name="adj2" fmla="val 51012"/>
-            </a:avLst>
-          </a:prstGeom>
-          <a:ln w="22225"/>
-        </p:spPr>
-        <p:style>
-          <a:lnRef idx="1">
-            <a:schemeClr val="dk1"/>
-          </a:lnRef>
-          <a:fillRef idx="0">
-            <a:schemeClr val="dk1"/>
-          </a:fillRef>
-          <a:effectRef idx="0">
-            <a:schemeClr val="dk1"/>
-          </a:effectRef>
-          <a:fontRef idx="minor">
-            <a:schemeClr val="tx1"/>
-          </a:fontRef>
-        </p:style>
-        <p:txBody>
-          <a:bodyPr rtlCol="0" anchor="ctr"/>
-          <a:lstStyle/>
-          <a:p>
-            <a:pPr algn="ctr"/>
-            <a:endParaRPr lang="en-US" dirty="0"/>
-          </a:p>
-        </p:txBody>
-      </p:sp>
-      <p:sp>
-        <p:nvSpPr>
-          <p:cNvPr id="37" name="TextBox 36">
-            <a:extLst>
-              <a:ext uri="{FF2B5EF4-FFF2-40B4-BE49-F238E27FC236}">
-                <a16:creationId xmlns:a16="http://schemas.microsoft.com/office/drawing/2014/main" id="{247978F2-775B-EA61-9CA7-2A08C013398E}"/>
-              </a:ext>
-            </a:extLst>
-          </p:cNvPr>
-          <p:cNvSpPr txBox="1"/>
-          <p:nvPr/>
-        </p:nvSpPr>
-        <p:spPr>
-          <a:xfrm>
-            <a:off x="2241672" y="2707685"/>
-            <a:ext cx="1717790" cy="261610"/>
-          </a:xfrm>
-          <a:prstGeom prst="rect">
-            <a:avLst/>
-          </a:prstGeom>
-          <a:noFill/>
-        </p:spPr>
-        <p:txBody>
-          <a:bodyPr wrap="square" rtlCol="0">
-            <a:spAutoFit/>
-          </a:bodyPr>
-          <a:lstStyle/>
-          <a:p>
-            <a:r>
-              <a:rPr lang="en-US" sz="1100" b="1" dirty="0"/>
-              <a:t>Baseline (PCBM + ELEN)</a:t>
-            </a:r>
-          </a:p>
-        </p:txBody>
-      </p:sp>
-      <p:sp>
-        <p:nvSpPr>
-          <p:cNvPr id="38" name="Right Brace 37">
-            <a:extLst>
-              <a:ext uri="{FF2B5EF4-FFF2-40B4-BE49-F238E27FC236}">
-                <a16:creationId xmlns:a16="http://schemas.microsoft.com/office/drawing/2014/main" id="{ED5F68C6-3E60-9FF8-2A92-6EF05F67340C}"/>
-              </a:ext>
-            </a:extLst>
-          </p:cNvPr>
-          <p:cNvSpPr/>
-          <p:nvPr/>
-        </p:nvSpPr>
-        <p:spPr>
-          <a:xfrm rot="16200000">
-            <a:off x="2224044" y="1592275"/>
-            <a:ext cx="134112" cy="1138979"/>
-          </a:xfrm>
-          <a:prstGeom prst="rightBrace">
-            <a:avLst>
-              <a:gd name="adj1" fmla="val 40218"/>
-              <a:gd name="adj2" fmla="val 50787"/>
-            </a:avLst>
-          </a:prstGeom>
-          <a:ln w="22225"/>
-        </p:spPr>
-        <p:style>
-          <a:lnRef idx="1">
-            <a:schemeClr val="dk1"/>
-          </a:lnRef>
-          <a:fillRef idx="0">
-            <a:schemeClr val="dk1"/>
-          </a:fillRef>
-          <a:effectRef idx="0">
-            <a:schemeClr val="dk1"/>
-          </a:effectRef>
-          <a:fontRef idx="minor">
-            <a:schemeClr val="tx1"/>
-          </a:fontRef>
-        </p:style>
-        <p:txBody>
-          <a:bodyPr rtlCol="0" anchor="ctr"/>
-          <a:lstStyle/>
-          <a:p>
-            <a:pPr algn="ctr"/>
-            <a:endParaRPr lang="en-US"/>
-          </a:p>
-        </p:txBody>
-      </p:sp>
-      <p:sp>
-        <p:nvSpPr>
-          <p:cNvPr id="39" name="TextBox 38">
-            <a:extLst>
-              <a:ext uri="{FF2B5EF4-FFF2-40B4-BE49-F238E27FC236}">
-                <a16:creationId xmlns:a16="http://schemas.microsoft.com/office/drawing/2014/main" id="{4D64B8D1-1B2A-5617-45E7-D2EC17182380}"/>
-              </a:ext>
-            </a:extLst>
-          </p:cNvPr>
-          <p:cNvSpPr txBox="1"/>
-          <p:nvPr/>
-        </p:nvSpPr>
-        <p:spPr>
-          <a:xfrm>
-            <a:off x="2014635" y="1868356"/>
-            <a:ext cx="635110" cy="261610"/>
-          </a:xfrm>
-          <a:prstGeom prst="rect">
-            <a:avLst/>
-          </a:prstGeom>
-          <a:noFill/>
-        </p:spPr>
-        <p:txBody>
-          <a:bodyPr wrap="none" rtlCol="0">
-            <a:spAutoFit/>
-          </a:bodyPr>
-          <a:lstStyle/>
-          <a:p>
-            <a:r>
-              <a:rPr lang="en-US" sz="1100" b="1" dirty="0"/>
-              <a:t>Expert3</a:t>
-            </a:r>
-          </a:p>
-        </p:txBody>
-      </p:sp>
-      <p:pic>
-        <p:nvPicPr>
-          <p:cNvPr id="40" name="Picture 39">
-            <a:extLst>
-              <a:ext uri="{FF2B5EF4-FFF2-40B4-BE49-F238E27FC236}">
-                <a16:creationId xmlns:a16="http://schemas.microsoft.com/office/drawing/2014/main" id="{77B6C791-B8D9-666F-1CA1-7382714A8ABC}"/>
-              </a:ext>
-            </a:extLst>
-          </p:cNvPr>
-          <p:cNvPicPr>
-            <a:picLocks noChangeAspect="1"/>
-          </p:cNvPicPr>
-          <p:nvPr/>
-        </p:nvPicPr>
-        <p:blipFill>
-          <a:blip r:embed="rId10"/>
-          <a:stretch>
-            <a:fillRect/>
-          </a:stretch>
-        </p:blipFill>
-        <p:spPr>
-          <a:xfrm>
-            <a:off x="6201146" y="2589174"/>
-            <a:ext cx="2609769" cy="109462"/>
-          </a:xfrm>
-          <a:prstGeom prst="rect">
-            <a:avLst/>
-          </a:prstGeom>
-        </p:spPr>
-      </p:pic>
-      <p:sp>
-        <p:nvSpPr>
-          <p:cNvPr id="45" name="Rounded Rectangular Callout 44">
-            <a:extLst>
-              <a:ext uri="{FF2B5EF4-FFF2-40B4-BE49-F238E27FC236}">
-                <a16:creationId xmlns:a16="http://schemas.microsoft.com/office/drawing/2014/main" id="{754EB6A8-09A4-5119-ACC5-26C7A0E7BEF1}"/>
-              </a:ext>
-            </a:extLst>
-          </p:cNvPr>
-          <p:cNvSpPr/>
-          <p:nvPr/>
-        </p:nvSpPr>
-        <p:spPr>
-          <a:xfrm>
-            <a:off x="1379286" y="1248906"/>
-            <a:ext cx="3418827" cy="506140"/>
-          </a:xfrm>
-          <a:prstGeom prst="wedgeRoundRectCallout">
-            <a:avLst>
-              <a:gd name="adj1" fmla="val 16766"/>
-              <a:gd name="adj2" fmla="val 84268"/>
-              <a:gd name="adj3" fmla="val 16667"/>
-            </a:avLst>
-          </a:prstGeom>
-          <a:solidFill>
-            <a:schemeClr val="accent2">
-              <a:lumMod val="20000"/>
-              <a:lumOff val="80000"/>
-            </a:schemeClr>
-          </a:solidFill>
-          <a:ln>
-            <a:solidFill>
-              <a:schemeClr val="accent2">
-                <a:lumMod val="40000"/>
-                <a:lumOff val="60000"/>
-              </a:schemeClr>
-            </a:solidFill>
-          </a:ln>
-        </p:spPr>
-        <p:style>
-          <a:lnRef idx="2">
-            <a:schemeClr val="accent1">
-              <a:shade val="50000"/>
-            </a:schemeClr>
-          </a:lnRef>
-          <a:fillRef idx="1">
-            <a:schemeClr val="accent1"/>
-          </a:fillRef>
-          <a:effectRef idx="0">
-            <a:schemeClr val="accent1"/>
-          </a:effectRef>
-          <a:fontRef idx="minor">
-            <a:schemeClr val="lt1"/>
-          </a:fontRef>
-        </p:style>
-        <p:txBody>
-          <a:bodyPr rtlCol="0" anchor="ctr"/>
-          <a:lstStyle/>
-          <a:p>
-            <a:pPr algn="ctr"/>
-            <a:endParaRPr lang="en-US" dirty="0"/>
-          </a:p>
-        </p:txBody>
-      </p:sp>
-      <p:sp>
-        <p:nvSpPr>
-          <p:cNvPr id="43" name="Rounded Rectangular Callout 42">
-            <a:extLst>
-              <a:ext uri="{FF2B5EF4-FFF2-40B4-BE49-F238E27FC236}">
-                <a16:creationId xmlns:a16="http://schemas.microsoft.com/office/drawing/2014/main" id="{CFF16F7C-791E-6418-B801-E7097E9BB11C}"/>
-              </a:ext>
-            </a:extLst>
-          </p:cNvPr>
-          <p:cNvSpPr/>
-          <p:nvPr/>
-        </p:nvSpPr>
-        <p:spPr>
-          <a:xfrm>
-            <a:off x="1402947" y="1787098"/>
-            <a:ext cx="1638625" cy="129226"/>
-          </a:xfrm>
-          <a:prstGeom prst="wedgeRoundRectCallout">
-            <a:avLst>
-              <a:gd name="adj1" fmla="val 2453"/>
-              <a:gd name="adj2" fmla="val 68891"/>
-              <a:gd name="adj3" fmla="val 16667"/>
-            </a:avLst>
-          </a:prstGeom>
-          <a:solidFill>
-            <a:schemeClr val="accent4">
-              <a:lumMod val="20000"/>
-              <a:lumOff val="80000"/>
-            </a:schemeClr>
-          </a:solidFill>
-          <a:ln>
-            <a:solidFill>
-              <a:schemeClr val="accent4">
-                <a:lumMod val="40000"/>
-                <a:lumOff val="60000"/>
-              </a:schemeClr>
-            </a:solidFill>
-          </a:ln>
-        </p:spPr>
-        <p:style>
-          <a:lnRef idx="2">
-            <a:schemeClr val="accent1">
-              <a:shade val="50000"/>
-            </a:schemeClr>
-          </a:lnRef>
-          <a:fillRef idx="1">
-            <a:schemeClr val="accent1"/>
-          </a:fillRef>
-          <a:effectRef idx="0">
-            <a:schemeClr val="accent1"/>
-          </a:effectRef>
-          <a:fontRef idx="minor">
-            <a:schemeClr val="lt1"/>
-          </a:fontRef>
-        </p:style>
-        <p:txBody>
-          <a:bodyPr rtlCol="0" anchor="ctr"/>
-          <a:lstStyle/>
-          <a:p>
-            <a:pPr algn="ctr"/>
-            <a:endParaRPr lang="en-US"/>
-          </a:p>
-        </p:txBody>
-      </p:sp>
-      <p:pic>
-        <p:nvPicPr>
-          <p:cNvPr id="2" name="Picture 1">
-            <a:extLst>
-              <a:ext uri="{FF2B5EF4-FFF2-40B4-BE49-F238E27FC236}">
-                <a16:creationId xmlns:a16="http://schemas.microsoft.com/office/drawing/2014/main" id="{A3754237-E1C1-8431-1CB4-26E67AF73575}"/>
-              </a:ext>
-            </a:extLst>
-          </p:cNvPr>
-          <p:cNvPicPr>
-            <a:picLocks noChangeAspect="1"/>
-          </p:cNvPicPr>
-          <p:nvPr/>
-        </p:nvPicPr>
-        <p:blipFill>
-          <a:blip r:embed="rId11"/>
-          <a:stretch>
-            <a:fillRect/>
-          </a:stretch>
-        </p:blipFill>
-        <p:spPr>
-          <a:xfrm>
-            <a:off x="1815924" y="4465098"/>
-            <a:ext cx="2284757" cy="106413"/>
-          </a:xfrm>
-          <a:prstGeom prst="rect">
-            <a:avLst/>
-          </a:prstGeom>
-        </p:spPr>
-      </p:pic>
-      <p:pic>
-        <p:nvPicPr>
-          <p:cNvPr id="3" name="Picture 2">
-            <a:extLst>
-              <a:ext uri="{FF2B5EF4-FFF2-40B4-BE49-F238E27FC236}">
-                <a16:creationId xmlns:a16="http://schemas.microsoft.com/office/drawing/2014/main" id="{A8E166F7-D169-B7D7-4966-40DFDAE6D5A1}"/>
-              </a:ext>
-            </a:extLst>
-          </p:cNvPr>
-          <p:cNvPicPr>
-            <a:picLocks noChangeAspect="1"/>
-          </p:cNvPicPr>
-          <p:nvPr/>
-        </p:nvPicPr>
-        <p:blipFill>
-          <a:blip r:embed="rId12"/>
-          <a:stretch>
-            <a:fillRect/>
-          </a:stretch>
-        </p:blipFill>
-        <p:spPr>
-          <a:xfrm>
-            <a:off x="1868266" y="2909523"/>
-            <a:ext cx="2232416" cy="99740"/>
-          </a:xfrm>
-          <a:prstGeom prst="rect">
-            <a:avLst/>
-          </a:prstGeom>
-        </p:spPr>
-      </p:pic>
-      <p:pic>
-        <p:nvPicPr>
-          <p:cNvPr id="50" name="Picture 49">
-            <a:extLst>
-              <a:ext uri="{FF2B5EF4-FFF2-40B4-BE49-F238E27FC236}">
-                <a16:creationId xmlns:a16="http://schemas.microsoft.com/office/drawing/2014/main" id="{F3C933FE-EC82-CF61-B1C3-46B2F47689A6}"/>
-              </a:ext>
-            </a:extLst>
-          </p:cNvPr>
-          <p:cNvPicPr>
-            <a:picLocks noChangeAspect="1"/>
-          </p:cNvPicPr>
-          <p:nvPr/>
-        </p:nvPicPr>
-        <p:blipFill>
-          <a:blip r:embed="rId13"/>
-          <a:stretch>
-            <a:fillRect/>
-          </a:stretch>
-        </p:blipFill>
-        <p:spPr>
-          <a:xfrm>
-            <a:off x="6540173" y="3638993"/>
-            <a:ext cx="1044061" cy="142446"/>
-          </a:xfrm>
-          <a:prstGeom prst="rect">
-            <a:avLst/>
-          </a:prstGeom>
-        </p:spPr>
-      </p:pic>
-      <p:pic>
-        <p:nvPicPr>
-          <p:cNvPr id="53" name="Picture 52">
-            <a:extLst>
-              <a:ext uri="{FF2B5EF4-FFF2-40B4-BE49-F238E27FC236}">
-                <a16:creationId xmlns:a16="http://schemas.microsoft.com/office/drawing/2014/main" id="{7AA1F9CF-29CD-1CCB-90C2-B5060E9EA59D}"/>
-              </a:ext>
-            </a:extLst>
-          </p:cNvPr>
-          <p:cNvPicPr>
-            <a:picLocks noChangeAspect="1"/>
-          </p:cNvPicPr>
-          <p:nvPr/>
-        </p:nvPicPr>
-        <p:blipFill>
-          <a:blip r:embed="rId14"/>
-          <a:stretch>
-            <a:fillRect/>
-          </a:stretch>
-        </p:blipFill>
-        <p:spPr>
-          <a:xfrm>
-            <a:off x="1434987" y="1272299"/>
-            <a:ext cx="3063498" cy="446460"/>
-          </a:xfrm>
-          <a:prstGeom prst="rect">
-            <a:avLst/>
-          </a:prstGeom>
-        </p:spPr>
-      </p:pic>
-      <p:pic>
-        <p:nvPicPr>
-          <p:cNvPr id="55" name="Picture 54">
-            <a:extLst>
-              <a:ext uri="{FF2B5EF4-FFF2-40B4-BE49-F238E27FC236}">
-                <a16:creationId xmlns:a16="http://schemas.microsoft.com/office/drawing/2014/main" id="{25DB9F82-2DE9-381C-D5F8-9070DEA38506}"/>
-              </a:ext>
-            </a:extLst>
-          </p:cNvPr>
-          <p:cNvPicPr>
-            <a:picLocks noChangeAspect="1"/>
-          </p:cNvPicPr>
-          <p:nvPr/>
-        </p:nvPicPr>
-        <p:blipFill>
-          <a:blip r:embed="rId15"/>
-          <a:stretch>
-            <a:fillRect/>
-          </a:stretch>
-        </p:blipFill>
-        <p:spPr>
-          <a:xfrm>
-            <a:off x="3184586" y="3097729"/>
-            <a:ext cx="1388988" cy="189505"/>
-          </a:xfrm>
-          <a:prstGeom prst="rect">
-            <a:avLst/>
-          </a:prstGeom>
-        </p:spPr>
-      </p:pic>
-      <p:pic>
-        <p:nvPicPr>
-          <p:cNvPr id="56" name="Picture 55">
-            <a:extLst>
-              <a:ext uri="{FF2B5EF4-FFF2-40B4-BE49-F238E27FC236}">
-                <a16:creationId xmlns:a16="http://schemas.microsoft.com/office/drawing/2014/main" id="{5F0DB4C3-44AE-9487-C280-D430AD23F336}"/>
-              </a:ext>
-            </a:extLst>
-          </p:cNvPr>
-          <p:cNvPicPr>
-            <a:picLocks noChangeAspect="1"/>
-          </p:cNvPicPr>
-          <p:nvPr/>
-        </p:nvPicPr>
-        <p:blipFill>
-          <a:blip r:embed="rId16"/>
-          <a:stretch>
-            <a:fillRect/>
-          </a:stretch>
-        </p:blipFill>
-        <p:spPr>
-          <a:xfrm>
-            <a:off x="1422610" y="3207760"/>
-            <a:ext cx="1485023" cy="79764"/>
-          </a:xfrm>
-          <a:prstGeom prst="rect">
-            <a:avLst/>
-          </a:prstGeom>
-        </p:spPr>
-      </p:pic>
-      <p:pic>
-        <p:nvPicPr>
-          <p:cNvPr id="57" name="Picture 56">
-            <a:extLst>
-              <a:ext uri="{FF2B5EF4-FFF2-40B4-BE49-F238E27FC236}">
-                <a16:creationId xmlns:a16="http://schemas.microsoft.com/office/drawing/2014/main" id="{FC544599-0918-C354-81C0-EBC56F042A32}"/>
-              </a:ext>
-            </a:extLst>
-          </p:cNvPr>
-          <p:cNvPicPr>
-            <a:picLocks noChangeAspect="1"/>
-          </p:cNvPicPr>
-          <p:nvPr/>
-        </p:nvPicPr>
-        <p:blipFill>
-          <a:blip r:embed="rId17"/>
-          <a:stretch>
-            <a:fillRect/>
-          </a:stretch>
-        </p:blipFill>
-        <p:spPr>
-          <a:xfrm>
-            <a:off x="1463767" y="1813551"/>
-            <a:ext cx="1538983" cy="75288"/>
+            <a:off x="5787343" y="4510191"/>
+            <a:ext cx="3902757" cy="2110675"/>
           </a:xfrm>
           <a:prstGeom prst="rect">
             <a:avLst/>
@@ -6889,7 +3953,7 @@
     </p:spTree>
     <p:extLst>
       <p:ext uri="{BB962C8B-B14F-4D97-AF65-F5344CB8AC3E}">
-        <p14:creationId xmlns:p14="http://schemas.microsoft.com/office/powerpoint/2010/main" val="1305048041"/>
+        <p14:creationId xmlns:p14="http://schemas.microsoft.com/office/powerpoint/2010/main" val="2744356546"/>
       </p:ext>
     </p:extLst>
   </p:cSld>
